--- a/preprocessing/visualisation/workflow.pptx
+++ b/preprocessing/visualisation/workflow.pptx
@@ -5,26 +5,25 @@
     <p:sldMasterId id="2147483648" r:id="rId1"/>
   </p:sldMasterIdLst>
   <p:notesMasterIdLst>
-    <p:notesMasterId r:id="rId4"/>
+    <p:notesMasterId r:id="rId3"/>
   </p:notesMasterIdLst>
   <p:sldIdLst>
-    <p:sldId id="256" r:id="rId2"/>
-    <p:sldId id="257" r:id="rId3"/>
+    <p:sldId id="257" r:id="rId2"/>
   </p:sldIdLst>
   <p:sldSz cx="12192000" cy="6858000"/>
   <p:notesSz cx="6858000" cy="9144000"/>
   <p:embeddedFontLst>
     <p:embeddedFont>
       <p:font typeface="Josefin Sans" pitchFamily="2" charset="0"/>
-      <p:regular r:id="rId5"/>
-      <p:bold r:id="rId6"/>
-      <p:italic r:id="rId7"/>
-      <p:boldItalic r:id="rId8"/>
+      <p:regular r:id="rId4"/>
+      <p:bold r:id="rId5"/>
+      <p:italic r:id="rId6"/>
+      <p:boldItalic r:id="rId7"/>
     </p:embeddedFont>
     <p:embeddedFont>
       <p:font typeface="Roboto Slab" pitchFamily="2" charset="0"/>
-      <p:regular r:id="rId9"/>
-      <p:bold r:id="rId10"/>
+      <p:regular r:id="rId8"/>
+      <p:bold r:id="rId9"/>
     </p:embeddedFont>
   </p:embeddedFontLst>
   <p:defaultTextStyle>
@@ -257,8 +256,11 @@
     </a:lvl9pPr>
   </p:defaultTextStyle>
   <p:extLst>
+    <p:ext uri="{EFAFB233-063F-42B5-8137-9DF3F51BA10A}">
+      <p15:sldGuideLst xmlns:p15="http://schemas.microsoft.com/office/powerpoint/2012/main"/>
+    </p:ext>
     <p:ext uri="GoogleSlidesCustomDataVersion2">
-      <go:slidesCustomData xmlns:go="http://customooxmlschemas.google.com/" xmlns:ahyp="http://schemas.microsoft.com/office/drawing/2018/hyperlinkcolor" xmlns:p15="http://schemas.microsoft.com/office/powerpoint/2012/main" xmlns:p14="http://schemas.microsoft.com/office/powerpoint/2010/main" xmlns:com="http://schemas.openxmlformats.org/drawingml/2006/compatibility" xmlns:pvml="urn:schemas-microsoft-com:office:powerpoint" xmlns:v="urn:schemas-microsoft-com:vml" xmlns:o="urn:schemas-microsoft-com:office:office" xmlns:dgm="http://schemas.openxmlformats.org/drawingml/2006/diagram" xmlns:c="http://schemas.openxmlformats.org/drawingml/2006/chart" xmlns:mv="urn:schemas-microsoft-com:mac:vml" xmlns:mc="http://schemas.openxmlformats.org/markup-compatibility/2006" xmlns="" r:id="rId15" roundtripDataSignature="AMtx7mgxTmg6pIDd0rj1ihcigYCuPk1pgg=="/>
+      <go:slidesCustomData xmlns="" xmlns:mc="http://schemas.openxmlformats.org/markup-compatibility/2006" xmlns:mv="urn:schemas-microsoft-com:mac:vml" xmlns:c="http://schemas.openxmlformats.org/drawingml/2006/chart" xmlns:dgm="http://schemas.openxmlformats.org/drawingml/2006/diagram" xmlns:o="urn:schemas-microsoft-com:office:office" xmlns:v="urn:schemas-microsoft-com:vml" xmlns:pvml="urn:schemas-microsoft-com:office:powerpoint" xmlns:com="http://schemas.openxmlformats.org/drawingml/2006/compatibility" xmlns:p14="http://schemas.microsoft.com/office/powerpoint/2010/main" xmlns:p15="http://schemas.microsoft.com/office/powerpoint/2012/main" xmlns:ahyp="http://schemas.microsoft.com/office/drawing/2018/hyperlinkcolor" xmlns:go="http://customooxmlschemas.google.com/" r:id="rId15" roundtripDataSignature="AMtx7mgxTmg6pIDd0rj1ihcigYCuPk1pgg=="/>
     </p:ext>
   </p:extLst>
 </p:presentation>
@@ -706,110 +708,6 @@
 </file>
 
 <file path=ppt/notesSlides/notesSlide1.xml><?xml version="1.0" encoding="utf-8"?>
-<p:notes xmlns:a="http://schemas.openxmlformats.org/drawingml/2006/main" xmlns:r="http://schemas.openxmlformats.org/officeDocument/2006/relationships" xmlns:p="http://schemas.openxmlformats.org/presentationml/2006/main" showMasterSp="0" showMasterPhAnim="0">
-  <p:cSld>
-    <p:spTree>
-      <p:nvGrpSpPr>
-        <p:cNvPr id="1" name="Shape 80"/>
-        <p:cNvGrpSpPr/>
-        <p:nvPr/>
-      </p:nvGrpSpPr>
-      <p:grpSpPr>
-        <a:xfrm>
-          <a:off x="0" y="0"/>
-          <a:ext cx="0" cy="0"/>
-          <a:chOff x="0" y="0"/>
-          <a:chExt cx="0" cy="0"/>
-        </a:xfrm>
-      </p:grpSpPr>
-      <p:sp>
-        <p:nvSpPr>
-          <p:cNvPr id="81" name="Google Shape;81;p1:notes"/>
-          <p:cNvSpPr txBox="1">
-            <a:spLocks noGrp="1"/>
-          </p:cNvSpPr>
-          <p:nvPr>
-            <p:ph type="body" idx="1"/>
-          </p:nvPr>
-        </p:nvSpPr>
-        <p:spPr>
-          <a:xfrm>
-            <a:off x="685800" y="4343400"/>
-            <a:ext cx="5486400" cy="4114800"/>
-          </a:xfrm>
-          <a:prstGeom prst="rect">
-            <a:avLst/>
-          </a:prstGeom>
-        </p:spPr>
-        <p:txBody>
-          <a:bodyPr spcFirstLastPara="1" wrap="square" lIns="91425" tIns="91425" rIns="91425" bIns="91425" anchor="t" anchorCtr="0">
-            <a:noAutofit/>
-          </a:bodyPr>
-          <a:lstStyle/>
-          <a:p>
-            <a:pPr marL="0" lvl="0" indent="0" algn="l" rtl="0">
-              <a:spcBef>
-                <a:spcPts val="0"/>
-              </a:spcBef>
-              <a:spcAft>
-                <a:spcPts val="0"/>
-              </a:spcAft>
-              <a:buNone/>
-            </a:pPr>
-            <a:endParaRPr/>
-          </a:p>
-        </p:txBody>
-      </p:sp>
-      <p:sp>
-        <p:nvSpPr>
-          <p:cNvPr id="82" name="Google Shape;82;p1:notes"/>
-          <p:cNvSpPr>
-            <a:spLocks noGrp="1" noRot="1" noChangeAspect="1"/>
-          </p:cNvSpPr>
-          <p:nvPr>
-            <p:ph type="sldImg" idx="2"/>
-          </p:nvPr>
-        </p:nvSpPr>
-        <p:spPr>
-          <a:xfrm>
-            <a:off x="1143225" y="685800"/>
-            <a:ext cx="4572225" cy="3429000"/>
-          </a:xfrm>
-          <a:custGeom>
-            <a:avLst/>
-            <a:gdLst/>
-            <a:ahLst/>
-            <a:cxnLst/>
-            <a:rect l="l" t="t" r="r" b="b"/>
-            <a:pathLst>
-              <a:path w="120000" h="120000" extrusionOk="0">
-                <a:moveTo>
-                  <a:pt x="0" y="0"/>
-                </a:moveTo>
-                <a:lnTo>
-                  <a:pt x="120000" y="0"/>
-                </a:lnTo>
-                <a:lnTo>
-                  <a:pt x="120000" y="120000"/>
-                </a:lnTo>
-                <a:lnTo>
-                  <a:pt x="0" y="120000"/>
-                </a:lnTo>
-                <a:close/>
-              </a:path>
-            </a:pathLst>
-          </a:custGeom>
-        </p:spPr>
-      </p:sp>
-    </p:spTree>
-  </p:cSld>
-  <p:clrMapOvr>
-    <a:masterClrMapping/>
-  </p:clrMapOvr>
-</p:notes>
-</file>
-
-<file path=ppt/notesSlides/notesSlide2.xml><?xml version="1.0" encoding="utf-8"?>
 <p:notes xmlns:a="http://schemas.openxmlformats.org/drawingml/2006/main" xmlns:r="http://schemas.openxmlformats.org/officeDocument/2006/relationships" xmlns:p="http://schemas.openxmlformats.org/presentationml/2006/main" showMasterSp="0" showMasterPhAnim="0">
   <p:cSld>
     <p:spTree>
@@ -11143,2408 +11041,6 @@
   <p:cSld>
     <p:spTree>
       <p:nvGrpSpPr>
-        <p:cNvPr id="1" name="Shape 83"/>
-        <p:cNvGrpSpPr/>
-        <p:nvPr/>
-      </p:nvGrpSpPr>
-      <p:grpSpPr>
-        <a:xfrm>
-          <a:off x="0" y="0"/>
-          <a:ext cx="0" cy="0"/>
-          <a:chOff x="0" y="0"/>
-          <a:chExt cx="0" cy="0"/>
-        </a:xfrm>
-      </p:grpSpPr>
-      <p:cxnSp>
-        <p:nvCxnSpPr>
-          <p:cNvPr id="84" name="Google Shape;84;p1"/>
-          <p:cNvCxnSpPr>
-            <a:stCxn id="85" idx="3"/>
-            <a:endCxn id="86" idx="0"/>
-          </p:cNvCxnSpPr>
-          <p:nvPr/>
-        </p:nvCxnSpPr>
-        <p:spPr>
-          <a:xfrm>
-            <a:off x="7710725" y="2187126"/>
-            <a:ext cx="570900" cy="768300"/>
-          </a:xfrm>
-          <a:prstGeom prst="bentConnector2">
-            <a:avLst/>
-          </a:prstGeom>
-          <a:noFill/>
-          <a:ln w="9525" cap="flat" cmpd="sng">
-            <a:solidFill>
-              <a:schemeClr val="accent1"/>
-            </a:solidFill>
-            <a:prstDash val="solid"/>
-            <a:miter lim="800000"/>
-            <a:headEnd type="none" w="sm" len="sm"/>
-            <a:tailEnd type="triangle" w="med" len="med"/>
-          </a:ln>
-        </p:spPr>
-      </p:cxnSp>
-      <p:cxnSp>
-        <p:nvCxnSpPr>
-          <p:cNvPr id="87" name="Google Shape;87;p1"/>
-          <p:cNvCxnSpPr/>
-          <p:nvPr/>
-        </p:nvCxnSpPr>
-        <p:spPr>
-          <a:xfrm>
-            <a:off x="6999051" y="2149309"/>
-            <a:ext cx="0" cy="2615445"/>
-          </a:xfrm>
-          <a:prstGeom prst="straightConnector1">
-            <a:avLst/>
-          </a:prstGeom>
-          <a:noFill/>
-          <a:ln w="9525" cap="flat" cmpd="sng">
-            <a:solidFill>
-              <a:schemeClr val="accent1"/>
-            </a:solidFill>
-            <a:prstDash val="solid"/>
-            <a:miter lim="800000"/>
-            <a:headEnd type="none" w="sm" len="sm"/>
-            <a:tailEnd type="triangle" w="med" len="med"/>
-          </a:ln>
-        </p:spPr>
-      </p:cxnSp>
-      <p:sp>
-        <p:nvSpPr>
-          <p:cNvPr id="88" name="Google Shape;88;p1"/>
-          <p:cNvSpPr/>
-          <p:nvPr/>
-        </p:nvSpPr>
-        <p:spPr>
-          <a:xfrm>
-            <a:off x="325610" y="1078486"/>
-            <a:ext cx="1520458" cy="473151"/>
-          </a:xfrm>
-          <a:prstGeom prst="rect">
-            <a:avLst/>
-          </a:prstGeom>
-          <a:solidFill>
-            <a:srgbClr val="EDEDED"/>
-          </a:solidFill>
-          <a:ln w="12700" cap="flat" cmpd="sng">
-            <a:solidFill>
-              <a:srgbClr val="31538F"/>
-            </a:solidFill>
-            <a:prstDash val="solid"/>
-            <a:miter lim="800000"/>
-            <a:headEnd type="none" w="sm" len="sm"/>
-            <a:tailEnd type="none" w="sm" len="sm"/>
-          </a:ln>
-        </p:spPr>
-        <p:txBody>
-          <a:bodyPr spcFirstLastPara="1" wrap="square" lIns="91425" tIns="45700" rIns="91425" bIns="45700" anchor="ctr" anchorCtr="0">
-            <a:noAutofit/>
-          </a:bodyPr>
-          <a:lstStyle/>
-          <a:p>
-            <a:pPr marL="0" marR="0" lvl="0" indent="0" algn="ctr" rtl="0">
-              <a:spcBef>
-                <a:spcPts val="0"/>
-              </a:spcBef>
-              <a:spcAft>
-                <a:spcPts val="0"/>
-              </a:spcAft>
-              <a:buNone/>
-            </a:pPr>
-            <a:r>
-              <a:rPr lang="en-GB" sz="1200" b="1" i="0" u="none" strike="noStrike" cap="none">
-                <a:solidFill>
-                  <a:schemeClr val="dk1"/>
-                </a:solidFill>
-                <a:latin typeface="Calibri"/>
-                <a:ea typeface="Calibri"/>
-                <a:cs typeface="Calibri"/>
-                <a:sym typeface="Calibri"/>
-              </a:rPr>
-              <a:t>Land use/land cover </a:t>
-            </a:r>
-            <a:endParaRPr/>
-          </a:p>
-          <a:p>
-            <a:pPr marL="0" marR="0" lvl="0" indent="0" algn="ctr" rtl="0">
-              <a:spcBef>
-                <a:spcPts val="0"/>
-              </a:spcBef>
-              <a:spcAft>
-                <a:spcPts val="0"/>
-              </a:spcAft>
-              <a:buNone/>
-            </a:pPr>
-            <a:r>
-              <a:rPr lang="en-GB" sz="1200" b="1" i="0" u="none" strike="noStrike" cap="none">
-                <a:solidFill>
-                  <a:schemeClr val="dk1"/>
-                </a:solidFill>
-                <a:latin typeface="Calibri"/>
-                <a:ea typeface="Calibri"/>
-                <a:cs typeface="Calibri"/>
-                <a:sym typeface="Calibri"/>
-              </a:rPr>
-              <a:t>(LULC), </a:t>
-            </a:r>
-            <a:r>
-              <a:rPr lang="en-GB" sz="1200" b="1" i="1" u="none" strike="noStrike" cap="none">
-                <a:solidFill>
-                  <a:schemeClr val="dk1"/>
-                </a:solidFill>
-                <a:latin typeface="Calibri"/>
-                <a:ea typeface="Calibri"/>
-                <a:cs typeface="Calibri"/>
-                <a:sym typeface="Calibri"/>
-              </a:rPr>
-              <a:t>geotiff</a:t>
-            </a:r>
-            <a:endParaRPr sz="1200" b="1" i="1" u="none" strike="noStrike" cap="none">
-              <a:solidFill>
-                <a:schemeClr val="dk1"/>
-              </a:solidFill>
-              <a:latin typeface="Calibri"/>
-              <a:ea typeface="Calibri"/>
-              <a:cs typeface="Calibri"/>
-              <a:sym typeface="Calibri"/>
-            </a:endParaRPr>
-          </a:p>
-        </p:txBody>
-      </p:sp>
-      <p:sp>
-        <p:nvSpPr>
-          <p:cNvPr id="89" name="Google Shape;89;p1"/>
-          <p:cNvSpPr txBox="1"/>
-          <p:nvPr/>
-        </p:nvSpPr>
-        <p:spPr>
-          <a:xfrm>
-            <a:off x="1885207" y="55353"/>
-            <a:ext cx="6412349" cy="830997"/>
-          </a:xfrm>
-          <a:prstGeom prst="rect">
-            <a:avLst/>
-          </a:prstGeom>
-          <a:noFill/>
-          <a:ln>
-            <a:noFill/>
-          </a:ln>
-        </p:spPr>
-        <p:txBody>
-          <a:bodyPr spcFirstLastPara="1" wrap="square" lIns="91425" tIns="45700" rIns="91425" bIns="45700" anchor="t" anchorCtr="0">
-            <a:spAutoFit/>
-          </a:bodyPr>
-          <a:lstStyle/>
-          <a:p>
-            <a:pPr marL="0" marR="0" lvl="0" indent="0" algn="ctr" rtl="0">
-              <a:spcBef>
-                <a:spcPts val="0"/>
-              </a:spcBef>
-              <a:spcAft>
-                <a:spcPts val="0"/>
-              </a:spcAft>
-              <a:buNone/>
-            </a:pPr>
-            <a:r>
-              <a:rPr lang="en-GB" sz="2400" b="1" i="0" u="none" strike="noStrike" cap="none">
-                <a:solidFill>
-                  <a:schemeClr val="dk1"/>
-                </a:solidFill>
-                <a:latin typeface="Calibri"/>
-                <a:ea typeface="Calibri"/>
-                <a:cs typeface="Calibri"/>
-                <a:sym typeface="Calibri"/>
-              </a:rPr>
-              <a:t>1. </a:t>
-            </a:r>
-            <a:r>
-              <a:rPr lang="en-GB" sz="2400" b="1" i="1" u="none" strike="noStrike" cap="none">
-                <a:solidFill>
-                  <a:schemeClr val="dk1"/>
-                </a:solidFill>
-                <a:latin typeface="Calibri"/>
-                <a:ea typeface="Calibri"/>
-                <a:cs typeface="Calibri"/>
-                <a:sym typeface="Calibri"/>
-              </a:rPr>
-              <a:t>GENERIC CASE STUDY – TERRESTRIAL AREA (detailed model)</a:t>
-            </a:r>
-            <a:endParaRPr/>
-          </a:p>
-        </p:txBody>
-      </p:sp>
-      <p:sp>
-        <p:nvSpPr>
-          <p:cNvPr id="90" name="Google Shape;90;p1"/>
-          <p:cNvSpPr/>
-          <p:nvPr/>
-        </p:nvSpPr>
-        <p:spPr>
-          <a:xfrm>
-            <a:off x="337677" y="373200"/>
-            <a:ext cx="1508392" cy="390718"/>
-          </a:xfrm>
-          <a:prstGeom prst="rect">
-            <a:avLst/>
-          </a:prstGeom>
-          <a:solidFill>
-            <a:srgbClr val="E1EFD8"/>
-          </a:solidFill>
-          <a:ln w="12700" cap="flat" cmpd="sng">
-            <a:solidFill>
-              <a:srgbClr val="31538F"/>
-            </a:solidFill>
-            <a:prstDash val="solid"/>
-            <a:miter lim="800000"/>
-            <a:headEnd type="none" w="sm" len="sm"/>
-            <a:tailEnd type="none" w="sm" len="sm"/>
-          </a:ln>
-        </p:spPr>
-        <p:txBody>
-          <a:bodyPr spcFirstLastPara="1" wrap="square" lIns="91425" tIns="45700" rIns="91425" bIns="45700" anchor="ctr" anchorCtr="0">
-            <a:noAutofit/>
-          </a:bodyPr>
-          <a:lstStyle/>
-          <a:p>
-            <a:pPr marL="0" marR="0" lvl="0" indent="0" algn="ctr" rtl="0">
-              <a:spcBef>
-                <a:spcPts val="0"/>
-              </a:spcBef>
-              <a:spcAft>
-                <a:spcPts val="0"/>
-              </a:spcAft>
-              <a:buNone/>
-            </a:pPr>
-            <a:r>
-              <a:rPr lang="en-GB" sz="1200" b="1" i="0" u="none" strike="noStrike" cap="none">
-                <a:solidFill>
-                  <a:schemeClr val="dk1"/>
-                </a:solidFill>
-                <a:latin typeface="Calibri"/>
-                <a:ea typeface="Calibri"/>
-                <a:cs typeface="Calibri"/>
-                <a:sym typeface="Calibri"/>
-              </a:rPr>
-              <a:t>Land use/land cover definition, </a:t>
-            </a:r>
-            <a:r>
-              <a:rPr lang="en-GB" sz="1200" b="1" i="1" u="none" strike="noStrike" cap="none">
-                <a:solidFill>
-                  <a:schemeClr val="dk1"/>
-                </a:solidFill>
-                <a:latin typeface="Calibri"/>
-                <a:ea typeface="Calibri"/>
-                <a:cs typeface="Calibri"/>
-                <a:sym typeface="Calibri"/>
-              </a:rPr>
-              <a:t>csv</a:t>
-            </a:r>
-            <a:endParaRPr/>
-          </a:p>
-        </p:txBody>
-      </p:sp>
-      <p:cxnSp>
-        <p:nvCxnSpPr>
-          <p:cNvPr id="91" name="Google Shape;91;p1"/>
-          <p:cNvCxnSpPr/>
-          <p:nvPr/>
-        </p:nvCxnSpPr>
-        <p:spPr>
-          <a:xfrm>
-            <a:off x="422351" y="1972779"/>
-            <a:ext cx="0" cy="2791975"/>
-          </a:xfrm>
-          <a:prstGeom prst="straightConnector1">
-            <a:avLst/>
-          </a:prstGeom>
-          <a:noFill/>
-          <a:ln w="9525" cap="flat" cmpd="sng">
-            <a:solidFill>
-              <a:schemeClr val="accent1"/>
-            </a:solidFill>
-            <a:prstDash val="solid"/>
-            <a:miter lim="800000"/>
-            <a:headEnd type="none" w="sm" len="sm"/>
-            <a:tailEnd type="triangle" w="med" len="med"/>
-          </a:ln>
-        </p:spPr>
-      </p:cxnSp>
-      <p:sp>
-        <p:nvSpPr>
-          <p:cNvPr id="92" name="Google Shape;92;p1"/>
-          <p:cNvSpPr/>
-          <p:nvPr/>
-        </p:nvSpPr>
-        <p:spPr>
-          <a:xfrm>
-            <a:off x="325610" y="4764754"/>
-            <a:ext cx="7464914" cy="461665"/>
-          </a:xfrm>
-          <a:prstGeom prst="rect">
-            <a:avLst/>
-          </a:prstGeom>
-          <a:solidFill>
-            <a:srgbClr val="EDEDED"/>
-          </a:solidFill>
-          <a:ln w="12700" cap="flat" cmpd="sng">
-            <a:solidFill>
-              <a:srgbClr val="31538F"/>
-            </a:solidFill>
-            <a:prstDash val="solid"/>
-            <a:miter lim="800000"/>
-            <a:headEnd type="none" w="sm" len="sm"/>
-            <a:tailEnd type="none" w="sm" len="sm"/>
-          </a:ln>
-        </p:spPr>
-        <p:txBody>
-          <a:bodyPr spcFirstLastPara="1" wrap="square" lIns="91425" tIns="45700" rIns="91425" bIns="45700" anchor="ctr" anchorCtr="0">
-            <a:noAutofit/>
-          </a:bodyPr>
-          <a:lstStyle/>
-          <a:p>
-            <a:pPr marL="0" marR="0" lvl="0" indent="0" algn="ctr" rtl="0">
-              <a:spcBef>
-                <a:spcPts val="0"/>
-              </a:spcBef>
-              <a:spcAft>
-                <a:spcPts val="0"/>
-              </a:spcAft>
-              <a:buNone/>
-            </a:pPr>
-            <a:r>
-              <a:rPr lang="en-GB" sz="1200" b="0" i="0" u="none" strike="noStrike" cap="none">
-                <a:solidFill>
-                  <a:schemeClr val="dk1"/>
-                </a:solidFill>
-                <a:latin typeface="Calibri"/>
-                <a:ea typeface="Calibri"/>
-                <a:cs typeface="Calibri"/>
-                <a:sym typeface="Calibri"/>
-              </a:rPr>
-              <a:t>Raster calculator </a:t>
-            </a:r>
-            <a:endParaRPr/>
-          </a:p>
-          <a:p>
-            <a:pPr marL="0" marR="0" lvl="0" indent="0" algn="ctr" rtl="0">
-              <a:spcBef>
-                <a:spcPts val="0"/>
-              </a:spcBef>
-              <a:spcAft>
-                <a:spcPts val="0"/>
-              </a:spcAft>
-              <a:buNone/>
-            </a:pPr>
-            <a:r>
-              <a:rPr lang="en-GB" sz="1200" b="0" i="0" u="none" strike="noStrike" cap="none">
-                <a:solidFill>
-                  <a:schemeClr val="dk1"/>
-                </a:solidFill>
-                <a:latin typeface="Calibri"/>
-                <a:ea typeface="Calibri"/>
-                <a:cs typeface="Calibri"/>
-                <a:sym typeface="Calibri"/>
-              </a:rPr>
-              <a:t>(merging temporary raster data – sum/max operators)</a:t>
-            </a:r>
-            <a:endParaRPr sz="1200" b="0" i="1" u="none" strike="noStrike" cap="none">
-              <a:solidFill>
-                <a:schemeClr val="dk1"/>
-              </a:solidFill>
-              <a:latin typeface="Calibri"/>
-              <a:ea typeface="Calibri"/>
-              <a:cs typeface="Calibri"/>
-              <a:sym typeface="Calibri"/>
-            </a:endParaRPr>
-          </a:p>
-        </p:txBody>
-      </p:sp>
-      <p:sp>
-        <p:nvSpPr>
-          <p:cNvPr id="85" name="Google Shape;85;p1"/>
-          <p:cNvSpPr/>
-          <p:nvPr/>
-        </p:nvSpPr>
-        <p:spPr>
-          <a:xfrm>
-            <a:off x="6175966" y="2014493"/>
-            <a:ext cx="1534759" cy="345266"/>
-          </a:xfrm>
-          <a:prstGeom prst="rect">
-            <a:avLst/>
-          </a:prstGeom>
-          <a:solidFill>
-            <a:srgbClr val="FFF2CC"/>
-          </a:solidFill>
-          <a:ln w="12700" cap="flat" cmpd="sng">
-            <a:solidFill>
-              <a:schemeClr val="dk1"/>
-            </a:solidFill>
-            <a:prstDash val="solid"/>
-            <a:miter lim="800000"/>
-            <a:headEnd type="none" w="sm" len="sm"/>
-            <a:tailEnd type="none" w="sm" len="sm"/>
-          </a:ln>
-        </p:spPr>
-        <p:txBody>
-          <a:bodyPr spcFirstLastPara="1" wrap="square" lIns="91425" tIns="45700" rIns="91425" bIns="45700" anchor="ctr" anchorCtr="0">
-            <a:noAutofit/>
-          </a:bodyPr>
-          <a:lstStyle/>
-          <a:p>
-            <a:pPr marL="0" marR="0" lvl="0" indent="0" algn="ctr" rtl="0">
-              <a:spcBef>
-                <a:spcPts val="0"/>
-              </a:spcBef>
-              <a:spcAft>
-                <a:spcPts val="0"/>
-              </a:spcAft>
-              <a:buNone/>
-            </a:pPr>
-            <a:r>
-              <a:rPr lang="en-GB" sz="1200" b="0" i="0" u="none" strike="noStrike" cap="none">
-                <a:solidFill>
-                  <a:schemeClr val="dk1"/>
-                </a:solidFill>
-                <a:latin typeface="Calibri"/>
-                <a:ea typeface="Calibri"/>
-                <a:cs typeface="Calibri"/>
-                <a:sym typeface="Calibri"/>
-              </a:rPr>
-              <a:t>Checks of topology and CRS</a:t>
-            </a:r>
-            <a:endParaRPr/>
-          </a:p>
-        </p:txBody>
-      </p:sp>
-      <p:cxnSp>
-        <p:nvCxnSpPr>
-          <p:cNvPr id="93" name="Google Shape;93;p1"/>
-          <p:cNvCxnSpPr>
-            <a:stCxn id="88" idx="2"/>
-            <a:endCxn id="94" idx="0"/>
-          </p:cNvCxnSpPr>
-          <p:nvPr/>
-        </p:nvCxnSpPr>
-        <p:spPr>
-          <a:xfrm>
-            <a:off x="1085839" y="1551637"/>
-            <a:ext cx="9900" cy="138000"/>
-          </a:xfrm>
-          <a:prstGeom prst="straightConnector1">
-            <a:avLst/>
-          </a:prstGeom>
-          <a:noFill/>
-          <a:ln w="9525" cap="flat" cmpd="sng">
-            <a:solidFill>
-              <a:schemeClr val="accent1"/>
-            </a:solidFill>
-            <a:prstDash val="solid"/>
-            <a:miter lim="800000"/>
-            <a:headEnd type="none" w="sm" len="sm"/>
-            <a:tailEnd type="triangle" w="med" len="med"/>
-          </a:ln>
-        </p:spPr>
-      </p:cxnSp>
-      <p:cxnSp>
-        <p:nvCxnSpPr>
-          <p:cNvPr id="95" name="Google Shape;95;p1"/>
-          <p:cNvCxnSpPr>
-            <a:endCxn id="96" idx="1"/>
-          </p:cNvCxnSpPr>
-          <p:nvPr/>
-        </p:nvCxnSpPr>
-        <p:spPr>
-          <a:xfrm>
-            <a:off x="2039008" y="6022802"/>
-            <a:ext cx="5429400" cy="13800"/>
-          </a:xfrm>
-          <a:prstGeom prst="straightConnector1">
-            <a:avLst/>
-          </a:prstGeom>
-          <a:noFill/>
-          <a:ln w="9525" cap="flat" cmpd="sng">
-            <a:solidFill>
-              <a:schemeClr val="accent1"/>
-            </a:solidFill>
-            <a:prstDash val="solid"/>
-            <a:miter lim="800000"/>
-            <a:headEnd type="none" w="sm" len="sm"/>
-            <a:tailEnd type="triangle" w="med" len="med"/>
-          </a:ln>
-        </p:spPr>
-      </p:cxnSp>
-      <p:sp>
-        <p:nvSpPr>
-          <p:cNvPr id="96" name="Google Shape;96;p1"/>
-          <p:cNvSpPr/>
-          <p:nvPr/>
-        </p:nvSpPr>
-        <p:spPr>
-          <a:xfrm>
-            <a:off x="7468408" y="5706067"/>
-            <a:ext cx="1442426" cy="661070"/>
-          </a:xfrm>
-          <a:prstGeom prst="rect">
-            <a:avLst/>
-          </a:prstGeom>
-          <a:solidFill>
-            <a:srgbClr val="C4E0B2"/>
-          </a:solidFill>
-          <a:ln w="12700" cap="flat" cmpd="sng">
-            <a:solidFill>
-              <a:srgbClr val="31538F"/>
-            </a:solidFill>
-            <a:prstDash val="solid"/>
-            <a:miter lim="800000"/>
-            <a:headEnd type="none" w="sm" len="sm"/>
-            <a:tailEnd type="none" w="sm" len="sm"/>
-          </a:ln>
-        </p:spPr>
-        <p:txBody>
-          <a:bodyPr spcFirstLastPara="1" wrap="square" lIns="91425" tIns="45700" rIns="91425" bIns="45700" anchor="ctr" anchorCtr="0">
-            <a:noAutofit/>
-          </a:bodyPr>
-          <a:lstStyle/>
-          <a:p>
-            <a:pPr marL="0" marR="0" lvl="0" indent="0" algn="ctr" rtl="0">
-              <a:spcBef>
-                <a:spcPts val="0"/>
-              </a:spcBef>
-              <a:spcAft>
-                <a:spcPts val="0"/>
-              </a:spcAft>
-              <a:buNone/>
-            </a:pPr>
-            <a:r>
-              <a:rPr lang="en-GB" sz="1800" b="1" i="0" u="none" strike="noStrike" cap="none">
-                <a:solidFill>
-                  <a:schemeClr val="dk1"/>
-                </a:solidFill>
-                <a:latin typeface="Calibri"/>
-                <a:ea typeface="Calibri"/>
-                <a:cs typeface="Calibri"/>
-                <a:sym typeface="Calibri"/>
-              </a:rPr>
-              <a:t>Processing in GRAPHAB</a:t>
-            </a:r>
-            <a:endParaRPr sz="1800" b="1" i="1" u="none" strike="noStrike" cap="none">
-              <a:solidFill>
-                <a:schemeClr val="dk1"/>
-              </a:solidFill>
-              <a:latin typeface="Calibri"/>
-              <a:ea typeface="Calibri"/>
-              <a:cs typeface="Calibri"/>
-              <a:sym typeface="Calibri"/>
-            </a:endParaRPr>
-          </a:p>
-        </p:txBody>
-      </p:sp>
-      <p:cxnSp>
-        <p:nvCxnSpPr>
-          <p:cNvPr id="97" name="Google Shape;97;p1"/>
-          <p:cNvCxnSpPr>
-            <a:stCxn id="88" idx="0"/>
-          </p:cNvCxnSpPr>
-          <p:nvPr/>
-        </p:nvCxnSpPr>
-        <p:spPr>
-          <a:xfrm rot="-5400000" flipH="1">
-            <a:off x="2636239" y="-471914"/>
-            <a:ext cx="4627500" cy="7728300"/>
-          </a:xfrm>
-          <a:prstGeom prst="bentConnector4">
-            <a:avLst>
-              <a:gd name="adj1" fmla="val -4940"/>
-              <a:gd name="adj2" fmla="val 100106"/>
-            </a:avLst>
-          </a:prstGeom>
-          <a:noFill/>
-          <a:ln w="9525" cap="flat" cmpd="sng">
-            <a:solidFill>
-              <a:schemeClr val="accent1"/>
-            </a:solidFill>
-            <a:prstDash val="solid"/>
-            <a:miter lim="800000"/>
-            <a:headEnd type="none" w="sm" len="sm"/>
-            <a:tailEnd type="triangle" w="med" len="med"/>
-          </a:ln>
-        </p:spPr>
-      </p:cxnSp>
-      <p:cxnSp>
-        <p:nvCxnSpPr>
-          <p:cNvPr id="98" name="Google Shape;98;p1"/>
-          <p:cNvCxnSpPr/>
-          <p:nvPr/>
-        </p:nvCxnSpPr>
-        <p:spPr>
-          <a:xfrm>
-            <a:off x="989047" y="763918"/>
-            <a:ext cx="0" cy="314567"/>
-          </a:xfrm>
-          <a:prstGeom prst="straightConnector1">
-            <a:avLst/>
-          </a:prstGeom>
-          <a:noFill/>
-          <a:ln w="9525" cap="flat" cmpd="sng">
-            <a:solidFill>
-              <a:schemeClr val="accent1"/>
-            </a:solidFill>
-            <a:prstDash val="solid"/>
-            <a:miter lim="800000"/>
-            <a:headEnd type="none" w="sm" len="sm"/>
-            <a:tailEnd type="triangle" w="med" len="med"/>
-          </a:ln>
-        </p:spPr>
-      </p:cxnSp>
-      <p:cxnSp>
-        <p:nvCxnSpPr>
-          <p:cNvPr id="99" name="Google Shape;99;p1"/>
-          <p:cNvCxnSpPr>
-            <a:stCxn id="100" idx="2"/>
-            <a:endCxn id="92" idx="0"/>
-          </p:cNvCxnSpPr>
-          <p:nvPr/>
-        </p:nvCxnSpPr>
-        <p:spPr>
-          <a:xfrm>
-            <a:off x="4058067" y="4329761"/>
-            <a:ext cx="0" cy="435000"/>
-          </a:xfrm>
-          <a:prstGeom prst="straightConnector1">
-            <a:avLst/>
-          </a:prstGeom>
-          <a:noFill/>
-          <a:ln w="9525" cap="flat" cmpd="sng">
-            <a:solidFill>
-              <a:schemeClr val="accent1"/>
-            </a:solidFill>
-            <a:prstDash val="solid"/>
-            <a:miter lim="800000"/>
-            <a:headEnd type="none" w="sm" len="sm"/>
-            <a:tailEnd type="triangle" w="med" len="med"/>
-          </a:ln>
-        </p:spPr>
-      </p:cxnSp>
-      <p:cxnSp>
-        <p:nvCxnSpPr>
-          <p:cNvPr id="101" name="Google Shape;101;p1"/>
-          <p:cNvCxnSpPr>
-            <a:endCxn id="102" idx="0"/>
-          </p:cNvCxnSpPr>
-          <p:nvPr/>
-        </p:nvCxnSpPr>
-        <p:spPr>
-          <a:xfrm>
-            <a:off x="2157892" y="5226389"/>
-            <a:ext cx="0" cy="602700"/>
-          </a:xfrm>
-          <a:prstGeom prst="straightConnector1">
-            <a:avLst/>
-          </a:prstGeom>
-          <a:noFill/>
-          <a:ln w="9525" cap="flat" cmpd="sng">
-            <a:solidFill>
-              <a:schemeClr val="accent1"/>
-            </a:solidFill>
-            <a:prstDash val="solid"/>
-            <a:miter lim="800000"/>
-            <a:headEnd type="none" w="sm" len="sm"/>
-            <a:tailEnd type="triangle" w="med" len="med"/>
-          </a:ln>
-        </p:spPr>
-      </p:cxnSp>
-      <p:cxnSp>
-        <p:nvCxnSpPr>
-          <p:cNvPr id="103" name="Google Shape;103;p1"/>
-          <p:cNvCxnSpPr>
-            <a:stCxn id="104" idx="2"/>
-            <a:endCxn id="85" idx="0"/>
-          </p:cNvCxnSpPr>
-          <p:nvPr/>
-        </p:nvCxnSpPr>
-        <p:spPr>
-          <a:xfrm flipH="1">
-            <a:off x="6943493" y="1897102"/>
-            <a:ext cx="3600" cy="117300"/>
-          </a:xfrm>
-          <a:prstGeom prst="straightConnector1">
-            <a:avLst/>
-          </a:prstGeom>
-          <a:noFill/>
-          <a:ln w="9525" cap="flat" cmpd="sng">
-            <a:solidFill>
-              <a:schemeClr val="accent1"/>
-            </a:solidFill>
-            <a:prstDash val="solid"/>
-            <a:miter lim="800000"/>
-            <a:headEnd type="none" w="sm" len="sm"/>
-            <a:tailEnd type="triangle" w="med" len="med"/>
-          </a:ln>
-        </p:spPr>
-      </p:cxnSp>
-      <p:sp>
-        <p:nvSpPr>
-          <p:cNvPr id="105" name="Google Shape;105;p1"/>
-          <p:cNvSpPr/>
-          <p:nvPr/>
-        </p:nvSpPr>
-        <p:spPr>
-          <a:xfrm>
-            <a:off x="6170628" y="2676487"/>
-            <a:ext cx="1534759" cy="213726"/>
-          </a:xfrm>
-          <a:prstGeom prst="rect">
-            <a:avLst/>
-          </a:prstGeom>
-          <a:solidFill>
-            <a:srgbClr val="FFF2CC"/>
-          </a:solidFill>
-          <a:ln w="12700" cap="flat" cmpd="sng">
-            <a:solidFill>
-              <a:srgbClr val="31538F"/>
-            </a:solidFill>
-            <a:prstDash val="solid"/>
-            <a:miter lim="800000"/>
-            <a:headEnd type="none" w="sm" len="sm"/>
-            <a:tailEnd type="none" w="sm" len="sm"/>
-          </a:ln>
-        </p:spPr>
-        <p:txBody>
-          <a:bodyPr spcFirstLastPara="1" wrap="square" lIns="91425" tIns="45700" rIns="91425" bIns="45700" anchor="ctr" anchorCtr="0">
-            <a:noAutofit/>
-          </a:bodyPr>
-          <a:lstStyle/>
-          <a:p>
-            <a:pPr marL="0" marR="0" lvl="0" indent="0" algn="ctr" rtl="0">
-              <a:spcBef>
-                <a:spcPts val="0"/>
-              </a:spcBef>
-              <a:spcAft>
-                <a:spcPts val="0"/>
-              </a:spcAft>
-              <a:buNone/>
-            </a:pPr>
-            <a:r>
-              <a:rPr lang="en-GB" sz="1200" b="0" i="0" u="none" strike="noStrike" cap="none">
-                <a:solidFill>
-                  <a:schemeClr val="dk1"/>
-                </a:solidFill>
-                <a:latin typeface="Calibri"/>
-                <a:ea typeface="Calibri"/>
-                <a:cs typeface="Calibri"/>
-                <a:sym typeface="Calibri"/>
-              </a:rPr>
-              <a:t>Buffer (edge effect)</a:t>
-            </a:r>
-            <a:endParaRPr sz="1200" b="0" i="1" u="none" strike="noStrike" cap="none">
-              <a:solidFill>
-                <a:schemeClr val="dk1"/>
-              </a:solidFill>
-              <a:latin typeface="Calibri"/>
-              <a:ea typeface="Calibri"/>
-              <a:cs typeface="Calibri"/>
-              <a:sym typeface="Calibri"/>
-            </a:endParaRPr>
-          </a:p>
-        </p:txBody>
-      </p:sp>
-      <p:sp>
-        <p:nvSpPr>
-          <p:cNvPr id="106" name="Google Shape;106;p1"/>
-          <p:cNvSpPr/>
-          <p:nvPr/>
-        </p:nvSpPr>
-        <p:spPr>
-          <a:xfrm>
-            <a:off x="6172006" y="2971804"/>
-            <a:ext cx="1542441" cy="199149"/>
-          </a:xfrm>
-          <a:prstGeom prst="rect">
-            <a:avLst/>
-          </a:prstGeom>
-          <a:solidFill>
-            <a:srgbClr val="EDEDED"/>
-          </a:solidFill>
-          <a:ln w="12700" cap="flat" cmpd="sng">
-            <a:solidFill>
-              <a:srgbClr val="31538F"/>
-            </a:solidFill>
-            <a:prstDash val="solid"/>
-            <a:miter lim="800000"/>
-            <a:headEnd type="none" w="sm" len="sm"/>
-            <a:tailEnd type="none" w="sm" len="sm"/>
-          </a:ln>
-        </p:spPr>
-        <p:txBody>
-          <a:bodyPr spcFirstLastPara="1" wrap="square" lIns="91425" tIns="45700" rIns="91425" bIns="45700" anchor="ctr" anchorCtr="0">
-            <a:noAutofit/>
-          </a:bodyPr>
-          <a:lstStyle/>
-          <a:p>
-            <a:pPr marL="0" marR="0" lvl="0" indent="0" algn="ctr" rtl="0">
-              <a:spcBef>
-                <a:spcPts val="0"/>
-              </a:spcBef>
-              <a:spcAft>
-                <a:spcPts val="0"/>
-              </a:spcAft>
-              <a:buNone/>
-            </a:pPr>
-            <a:r>
-              <a:rPr lang="en-GB" sz="1200" b="0" i="0" u="none" strike="noStrike" cap="none">
-                <a:solidFill>
-                  <a:schemeClr val="dk1"/>
-                </a:solidFill>
-                <a:latin typeface="Calibri"/>
-                <a:ea typeface="Calibri"/>
-                <a:cs typeface="Calibri"/>
-                <a:sym typeface="Calibri"/>
-              </a:rPr>
-              <a:t>Rasterize vector</a:t>
-            </a:r>
-            <a:endParaRPr sz="1200" b="0" i="1" u="none" strike="noStrike" cap="none">
-              <a:solidFill>
-                <a:schemeClr val="dk1"/>
-              </a:solidFill>
-              <a:latin typeface="Calibri"/>
-              <a:ea typeface="Calibri"/>
-              <a:cs typeface="Calibri"/>
-              <a:sym typeface="Calibri"/>
-            </a:endParaRPr>
-          </a:p>
-        </p:txBody>
-      </p:sp>
-      <p:sp>
-        <p:nvSpPr>
-          <p:cNvPr id="107" name="Google Shape;107;p1"/>
-          <p:cNvSpPr/>
-          <p:nvPr/>
-        </p:nvSpPr>
-        <p:spPr>
-          <a:xfrm>
-            <a:off x="6172379" y="3223970"/>
-            <a:ext cx="1541875" cy="376396"/>
-          </a:xfrm>
-          <a:prstGeom prst="rect">
-            <a:avLst/>
-          </a:prstGeom>
-          <a:solidFill>
-            <a:srgbClr val="EDEDED"/>
-          </a:solidFill>
-          <a:ln w="12700" cap="flat" cmpd="sng">
-            <a:solidFill>
-              <a:srgbClr val="31538F"/>
-            </a:solidFill>
-            <a:prstDash val="solid"/>
-            <a:miter lim="800000"/>
-            <a:headEnd type="none" w="sm" len="sm"/>
-            <a:tailEnd type="none" w="sm" len="sm"/>
-          </a:ln>
-        </p:spPr>
-        <p:txBody>
-          <a:bodyPr spcFirstLastPara="1" wrap="square" lIns="91425" tIns="45700" rIns="91425" bIns="45700" anchor="ctr" anchorCtr="0">
-            <a:noAutofit/>
-          </a:bodyPr>
-          <a:lstStyle/>
-          <a:p>
-            <a:pPr marL="0" marR="0" lvl="0" indent="0" algn="ctr" rtl="0">
-              <a:spcBef>
-                <a:spcPts val="0"/>
-              </a:spcBef>
-              <a:spcAft>
-                <a:spcPts val="0"/>
-              </a:spcAft>
-              <a:buNone/>
-            </a:pPr>
-            <a:r>
-              <a:rPr lang="en-GB" sz="1200" b="0" i="0" u="none" strike="noStrike" cap="none">
-                <a:solidFill>
-                  <a:schemeClr val="dk1"/>
-                </a:solidFill>
-                <a:latin typeface="Calibri"/>
-                <a:ea typeface="Calibri"/>
-                <a:cs typeface="Calibri"/>
-                <a:sym typeface="Calibri"/>
-              </a:rPr>
-              <a:t>Proximity from </a:t>
-            </a:r>
-            <a:endParaRPr/>
-          </a:p>
-          <a:p>
-            <a:pPr marL="0" marR="0" lvl="0" indent="0" algn="ctr" rtl="0">
-              <a:spcBef>
-                <a:spcPts val="0"/>
-              </a:spcBef>
-              <a:spcAft>
-                <a:spcPts val="0"/>
-              </a:spcAft>
-              <a:buNone/>
-            </a:pPr>
-            <a:r>
-              <a:rPr lang="en-GB" sz="1200" b="0" i="0" u="none" strike="noStrike" cap="none">
-                <a:solidFill>
-                  <a:schemeClr val="dk1"/>
-                </a:solidFill>
-                <a:latin typeface="Calibri"/>
-                <a:ea typeface="Calibri"/>
-                <a:cs typeface="Calibri"/>
-                <a:sym typeface="Calibri"/>
-              </a:rPr>
-              <a:t>areas of impact</a:t>
-            </a:r>
-            <a:endParaRPr sz="1200" b="0" i="1" u="none" strike="noStrike" cap="none">
-              <a:solidFill>
-                <a:schemeClr val="dk1"/>
-              </a:solidFill>
-              <a:latin typeface="Calibri"/>
-              <a:ea typeface="Calibri"/>
-              <a:cs typeface="Calibri"/>
-              <a:sym typeface="Calibri"/>
-            </a:endParaRPr>
-          </a:p>
-        </p:txBody>
-      </p:sp>
-      <p:sp>
-        <p:nvSpPr>
-          <p:cNvPr id="108" name="Google Shape;108;p1"/>
-          <p:cNvSpPr/>
-          <p:nvPr/>
-        </p:nvSpPr>
-        <p:spPr>
-          <a:xfrm>
-            <a:off x="6162872" y="3730410"/>
-            <a:ext cx="1549807" cy="734252"/>
-          </a:xfrm>
-          <a:prstGeom prst="rect">
-            <a:avLst/>
-          </a:prstGeom>
-          <a:solidFill>
-            <a:srgbClr val="EDEDED"/>
-          </a:solidFill>
-          <a:ln w="12700" cap="flat" cmpd="sng">
-            <a:solidFill>
-              <a:srgbClr val="31538F"/>
-            </a:solidFill>
-            <a:prstDash val="solid"/>
-            <a:miter lim="800000"/>
-            <a:headEnd type="none" w="sm" len="sm"/>
-            <a:tailEnd type="none" w="sm" len="sm"/>
-          </a:ln>
-        </p:spPr>
-        <p:txBody>
-          <a:bodyPr spcFirstLastPara="1" wrap="square" lIns="91425" tIns="45700" rIns="91425" bIns="45700" anchor="ctr" anchorCtr="0">
-            <a:noAutofit/>
-          </a:bodyPr>
-          <a:lstStyle/>
-          <a:p>
-            <a:pPr marL="0" marR="0" lvl="0" indent="0" algn="ctr" rtl="0">
-              <a:spcBef>
-                <a:spcPts val="0"/>
-              </a:spcBef>
-              <a:spcAft>
-                <a:spcPts val="0"/>
-              </a:spcAft>
-              <a:buNone/>
-            </a:pPr>
-            <a:r>
-              <a:rPr lang="en-GB" sz="1200" b="0" i="0" u="none" strike="noStrike" cap="none">
-                <a:solidFill>
-                  <a:schemeClr val="dk1"/>
-                </a:solidFill>
-                <a:latin typeface="Calibri"/>
-                <a:ea typeface="Calibri"/>
-                <a:cs typeface="Calibri"/>
-                <a:sym typeface="Calibri"/>
-              </a:rPr>
-              <a:t>Raster calculator – math expression</a:t>
-            </a:r>
-            <a:endParaRPr/>
-          </a:p>
-          <a:p>
-            <a:pPr marL="0" marR="0" lvl="0" indent="0" algn="ctr" rtl="0">
-              <a:spcBef>
-                <a:spcPts val="0"/>
-              </a:spcBef>
-              <a:spcAft>
-                <a:spcPts val="0"/>
-              </a:spcAft>
-              <a:buNone/>
-            </a:pPr>
-            <a:r>
-              <a:rPr lang="en-GB" sz="1200" b="0" i="0" u="none" strike="noStrike" cap="none">
-                <a:solidFill>
-                  <a:schemeClr val="dk1"/>
-                </a:solidFill>
-                <a:latin typeface="Calibri"/>
-                <a:ea typeface="Calibri"/>
-                <a:cs typeface="Calibri"/>
-                <a:sym typeface="Calibri"/>
-              </a:rPr>
-              <a:t>of impact on connectivity </a:t>
-            </a:r>
-            <a:endParaRPr sz="1200" b="0" i="1" u="none" strike="noStrike" cap="none">
-              <a:solidFill>
-                <a:schemeClr val="dk1"/>
-              </a:solidFill>
-              <a:latin typeface="Calibri"/>
-              <a:ea typeface="Calibri"/>
-              <a:cs typeface="Calibri"/>
-              <a:sym typeface="Calibri"/>
-            </a:endParaRPr>
-          </a:p>
-        </p:txBody>
-      </p:sp>
-      <p:sp>
-        <p:nvSpPr>
-          <p:cNvPr id="109" name="Google Shape;109;p1"/>
-          <p:cNvSpPr/>
-          <p:nvPr/>
-        </p:nvSpPr>
-        <p:spPr>
-          <a:xfrm>
-            <a:off x="1157345" y="6498368"/>
-            <a:ext cx="1977674" cy="292037"/>
-          </a:xfrm>
-          <a:prstGeom prst="rect">
-            <a:avLst/>
-          </a:prstGeom>
-          <a:solidFill>
-            <a:srgbClr val="D8E2F3"/>
-          </a:solidFill>
-          <a:ln w="12700" cap="flat" cmpd="sng">
-            <a:solidFill>
-              <a:srgbClr val="31538F"/>
-            </a:solidFill>
-            <a:prstDash val="solid"/>
-            <a:miter lim="800000"/>
-            <a:headEnd type="none" w="sm" len="sm"/>
-            <a:tailEnd type="none" w="sm" len="sm"/>
-          </a:ln>
-        </p:spPr>
-        <p:txBody>
-          <a:bodyPr spcFirstLastPara="1" wrap="square" lIns="91425" tIns="45700" rIns="91425" bIns="45700" anchor="ctr" anchorCtr="0">
-            <a:noAutofit/>
-          </a:bodyPr>
-          <a:lstStyle/>
-          <a:p>
-            <a:pPr marL="0" marR="0" lvl="0" indent="0" algn="ctr" rtl="0">
-              <a:spcBef>
-                <a:spcPts val="0"/>
-              </a:spcBef>
-              <a:spcAft>
-                <a:spcPts val="0"/>
-              </a:spcAft>
-              <a:buNone/>
-            </a:pPr>
-            <a:r>
-              <a:rPr lang="en-GB" sz="1800" b="1" i="1" u="none" strike="noStrike" cap="none">
-                <a:solidFill>
-                  <a:schemeClr val="dk1"/>
-                </a:solidFill>
-                <a:latin typeface="Calibri"/>
-                <a:ea typeface="Calibri"/>
-                <a:cs typeface="Calibri"/>
-                <a:sym typeface="Calibri"/>
-              </a:rPr>
-              <a:t>Output data</a:t>
-            </a:r>
-            <a:endParaRPr/>
-          </a:p>
-        </p:txBody>
-      </p:sp>
-      <p:sp>
-        <p:nvSpPr>
-          <p:cNvPr id="100" name="Google Shape;100;p1"/>
-          <p:cNvSpPr/>
-          <p:nvPr/>
-        </p:nvSpPr>
-        <p:spPr>
-          <a:xfrm>
-            <a:off x="3094934" y="4007718"/>
-            <a:ext cx="1926266" cy="322043"/>
-          </a:xfrm>
-          <a:prstGeom prst="rect">
-            <a:avLst/>
-          </a:prstGeom>
-          <a:solidFill>
-            <a:srgbClr val="E1EFD8"/>
-          </a:solidFill>
-          <a:ln w="12700" cap="flat" cmpd="sng">
-            <a:solidFill>
-              <a:srgbClr val="31538F"/>
-            </a:solidFill>
-            <a:prstDash val="solid"/>
-            <a:miter lim="800000"/>
-            <a:headEnd type="none" w="sm" len="sm"/>
-            <a:tailEnd type="none" w="sm" len="sm"/>
-          </a:ln>
-        </p:spPr>
-        <p:txBody>
-          <a:bodyPr spcFirstLastPara="1" wrap="square" lIns="91425" tIns="45700" rIns="91425" bIns="45700" anchor="ctr" anchorCtr="0">
-            <a:noAutofit/>
-          </a:bodyPr>
-          <a:lstStyle/>
-          <a:p>
-            <a:pPr marL="0" marR="0" lvl="0" indent="0" algn="ctr" rtl="0">
-              <a:spcBef>
-                <a:spcPts val="0"/>
-              </a:spcBef>
-              <a:spcAft>
-                <a:spcPts val="0"/>
-              </a:spcAft>
-              <a:buNone/>
-            </a:pPr>
-            <a:r>
-              <a:rPr lang="en-GB" sz="1200" b="1" i="0" u="none" strike="noStrike" cap="none">
-                <a:solidFill>
-                  <a:schemeClr val="dk1"/>
-                </a:solidFill>
-                <a:latin typeface="Calibri"/>
-                <a:ea typeface="Calibri"/>
-                <a:cs typeface="Calibri"/>
-                <a:sym typeface="Calibri"/>
-              </a:rPr>
-              <a:t>Impedance for species</a:t>
-            </a:r>
-            <a:r>
-              <a:rPr lang="en-GB" sz="1200" b="1" i="1" u="none" strike="noStrike" cap="none">
-                <a:solidFill>
-                  <a:schemeClr val="dk1"/>
-                </a:solidFill>
-                <a:latin typeface="Calibri"/>
-                <a:ea typeface="Calibri"/>
-                <a:cs typeface="Calibri"/>
-                <a:sym typeface="Calibri"/>
-              </a:rPr>
-              <a:t>, csv</a:t>
-            </a:r>
-            <a:endParaRPr/>
-          </a:p>
-        </p:txBody>
-      </p:sp>
-      <p:cxnSp>
-        <p:nvCxnSpPr>
-          <p:cNvPr id="110" name="Google Shape;110;p1"/>
-          <p:cNvCxnSpPr>
-            <a:endCxn id="107" idx="1"/>
-          </p:cNvCxnSpPr>
-          <p:nvPr/>
-        </p:nvCxnSpPr>
-        <p:spPr>
-          <a:xfrm>
-            <a:off x="1669379" y="1805368"/>
-            <a:ext cx="4503000" cy="1606800"/>
-          </a:xfrm>
-          <a:prstGeom prst="bentConnector3">
-            <a:avLst>
-              <a:gd name="adj1" fmla="val 4419"/>
-            </a:avLst>
-          </a:prstGeom>
-          <a:noFill/>
-          <a:ln w="9525" cap="flat" cmpd="sng">
-            <a:solidFill>
-              <a:schemeClr val="accent1"/>
-            </a:solidFill>
-            <a:prstDash val="solid"/>
-            <a:miter lim="800000"/>
-            <a:headEnd type="none" w="sm" len="sm"/>
-            <a:tailEnd type="triangle" w="med" len="med"/>
-          </a:ln>
-        </p:spPr>
-      </p:cxnSp>
-      <p:sp>
-        <p:nvSpPr>
-          <p:cNvPr id="111" name="Google Shape;111;p1"/>
-          <p:cNvSpPr/>
-          <p:nvPr/>
-        </p:nvSpPr>
-        <p:spPr>
-          <a:xfrm>
-            <a:off x="1929179" y="3268291"/>
-            <a:ext cx="1730001" cy="341273"/>
-          </a:xfrm>
-          <a:prstGeom prst="rect">
-            <a:avLst/>
-          </a:prstGeom>
-          <a:solidFill>
-            <a:schemeClr val="lt1"/>
-          </a:solidFill>
-          <a:ln w="12700" cap="flat" cmpd="sng">
-            <a:solidFill>
-              <a:srgbClr val="31538F"/>
-            </a:solidFill>
-            <a:prstDash val="solid"/>
-            <a:miter lim="800000"/>
-            <a:headEnd type="none" w="sm" len="sm"/>
-            <a:tailEnd type="none" w="sm" len="sm"/>
-          </a:ln>
-        </p:spPr>
-        <p:txBody>
-          <a:bodyPr spcFirstLastPara="1" wrap="square" lIns="91425" tIns="45700" rIns="91425" bIns="45700" anchor="ctr" anchorCtr="0">
-            <a:noAutofit/>
-          </a:bodyPr>
-          <a:lstStyle/>
-          <a:p>
-            <a:pPr marL="0" marR="0" lvl="0" indent="0" algn="ctr" rtl="0">
-              <a:spcBef>
-                <a:spcPts val="0"/>
-              </a:spcBef>
-              <a:spcAft>
-                <a:spcPts val="0"/>
-              </a:spcAft>
-              <a:buNone/>
-            </a:pPr>
-            <a:r>
-              <a:rPr lang="en-GB" sz="1200" b="0" i="1" u="none" strike="noStrike" cap="none">
-                <a:solidFill>
-                  <a:schemeClr val="dk1"/>
-                </a:solidFill>
-                <a:latin typeface="Calibri"/>
-                <a:ea typeface="Calibri"/>
-                <a:cs typeface="Calibri"/>
-                <a:sym typeface="Calibri"/>
-              </a:rPr>
-              <a:t>edge_effect = 1 (true)</a:t>
-            </a:r>
-            <a:endParaRPr/>
-          </a:p>
-          <a:p>
-            <a:pPr marL="0" marR="0" lvl="0" indent="0" algn="ctr" rtl="0">
-              <a:spcBef>
-                <a:spcPts val="0"/>
-              </a:spcBef>
-              <a:spcAft>
-                <a:spcPts val="0"/>
-              </a:spcAft>
-              <a:buNone/>
-            </a:pPr>
-            <a:r>
-              <a:rPr lang="en-GB" sz="1200" b="0" i="1" u="none" strike="noStrike" cap="none">
-                <a:solidFill>
-                  <a:schemeClr val="dk1"/>
-                </a:solidFill>
-                <a:latin typeface="Calibri"/>
-                <a:ea typeface="Calibri"/>
-                <a:cs typeface="Calibri"/>
-                <a:sym typeface="Calibri"/>
-              </a:rPr>
-              <a:t>vector_refine = 0 (false)</a:t>
-            </a:r>
-            <a:endParaRPr/>
-          </a:p>
-        </p:txBody>
-      </p:sp>
-      <p:sp>
-        <p:nvSpPr>
-          <p:cNvPr id="94" name="Google Shape;94;p1"/>
-          <p:cNvSpPr/>
-          <p:nvPr/>
-        </p:nvSpPr>
-        <p:spPr>
-          <a:xfrm>
-            <a:off x="331527" y="1689734"/>
-            <a:ext cx="1528391" cy="292866"/>
-          </a:xfrm>
-          <a:prstGeom prst="rect">
-            <a:avLst/>
-          </a:prstGeom>
-          <a:solidFill>
-            <a:srgbClr val="F2F2F2"/>
-          </a:solidFill>
-          <a:ln w="12700" cap="flat" cmpd="sng">
-            <a:solidFill>
-              <a:schemeClr val="dk1"/>
-            </a:solidFill>
-            <a:prstDash val="solid"/>
-            <a:miter lim="800000"/>
-            <a:headEnd type="none" w="sm" len="sm"/>
-            <a:tailEnd type="none" w="sm" len="sm"/>
-          </a:ln>
-        </p:spPr>
-        <p:txBody>
-          <a:bodyPr spcFirstLastPara="1" wrap="square" lIns="91425" tIns="45700" rIns="91425" bIns="45700" anchor="ctr" anchorCtr="0">
-            <a:noAutofit/>
-          </a:bodyPr>
-          <a:lstStyle/>
-          <a:p>
-            <a:pPr marL="0" marR="0" lvl="0" indent="0" algn="ctr" rtl="0">
-              <a:spcBef>
-                <a:spcPts val="0"/>
-              </a:spcBef>
-              <a:spcAft>
-                <a:spcPts val="0"/>
-              </a:spcAft>
-              <a:buNone/>
-            </a:pPr>
-            <a:r>
-              <a:rPr lang="en-GB" sz="1200" b="0" i="0" u="none" strike="noStrike" cap="none">
-                <a:solidFill>
-                  <a:schemeClr val="dk1"/>
-                </a:solidFill>
-                <a:latin typeface="Calibri"/>
-                <a:ea typeface="Calibri"/>
-                <a:cs typeface="Calibri"/>
-                <a:sym typeface="Calibri"/>
-              </a:rPr>
-              <a:t>Checks of CRS</a:t>
-            </a:r>
-            <a:endParaRPr/>
-          </a:p>
-        </p:txBody>
-      </p:sp>
-      <p:sp>
-        <p:nvSpPr>
-          <p:cNvPr id="112" name="Google Shape;112;p1"/>
-          <p:cNvSpPr/>
-          <p:nvPr/>
-        </p:nvSpPr>
-        <p:spPr>
-          <a:xfrm>
-            <a:off x="7805979" y="2017046"/>
-            <a:ext cx="951121" cy="388467"/>
-          </a:xfrm>
-          <a:prstGeom prst="rect">
-            <a:avLst/>
-          </a:prstGeom>
-          <a:solidFill>
-            <a:schemeClr val="lt1"/>
-          </a:solidFill>
-          <a:ln w="12700" cap="flat" cmpd="sng">
-            <a:solidFill>
-              <a:srgbClr val="31538F"/>
-            </a:solidFill>
-            <a:prstDash val="solid"/>
-            <a:miter lim="800000"/>
-            <a:headEnd type="none" w="sm" len="sm"/>
-            <a:tailEnd type="none" w="sm" len="sm"/>
-          </a:ln>
-        </p:spPr>
-        <p:txBody>
-          <a:bodyPr spcFirstLastPara="1" wrap="square" lIns="91425" tIns="45700" rIns="91425" bIns="45700" anchor="ctr" anchorCtr="0">
-            <a:noAutofit/>
-          </a:bodyPr>
-          <a:lstStyle/>
-          <a:p>
-            <a:pPr marL="0" marR="0" lvl="0" indent="0" algn="ctr" rtl="0">
-              <a:spcBef>
-                <a:spcPts val="0"/>
-              </a:spcBef>
-              <a:spcAft>
-                <a:spcPts val="0"/>
-              </a:spcAft>
-              <a:buNone/>
-            </a:pPr>
-            <a:r>
-              <a:rPr lang="en-GB" sz="1200" b="0" i="1" u="none" strike="noStrike" cap="none">
-                <a:solidFill>
-                  <a:schemeClr val="dk1"/>
-                </a:solidFill>
-                <a:latin typeface="Calibri"/>
-                <a:ea typeface="Calibri"/>
-                <a:cs typeface="Calibri"/>
-                <a:sym typeface="Calibri"/>
-              </a:rPr>
-              <a:t>edge_effect </a:t>
-            </a:r>
-            <a:endParaRPr/>
-          </a:p>
-          <a:p>
-            <a:pPr marL="0" marR="0" lvl="0" indent="0" algn="ctr" rtl="0">
-              <a:spcBef>
-                <a:spcPts val="0"/>
-              </a:spcBef>
-              <a:spcAft>
-                <a:spcPts val="0"/>
-              </a:spcAft>
-              <a:buNone/>
-            </a:pPr>
-            <a:r>
-              <a:rPr lang="en-GB" sz="1200" b="0" i="1" u="none" strike="noStrike" cap="none">
-                <a:solidFill>
-                  <a:schemeClr val="dk1"/>
-                </a:solidFill>
-                <a:latin typeface="Calibri"/>
-                <a:ea typeface="Calibri"/>
-                <a:cs typeface="Calibri"/>
-                <a:sym typeface="Calibri"/>
-              </a:rPr>
-              <a:t>= 0 (false)</a:t>
-            </a:r>
-            <a:endParaRPr/>
-          </a:p>
-        </p:txBody>
-      </p:sp>
-      <p:sp>
-        <p:nvSpPr>
-          <p:cNvPr id="86" name="Google Shape;86;p1"/>
-          <p:cNvSpPr/>
-          <p:nvPr/>
-        </p:nvSpPr>
-        <p:spPr>
-          <a:xfrm>
-            <a:off x="7805979" y="2955420"/>
-            <a:ext cx="951121" cy="429810"/>
-          </a:xfrm>
-          <a:prstGeom prst="rect">
-            <a:avLst/>
-          </a:prstGeom>
-          <a:solidFill>
-            <a:srgbClr val="EDEDED"/>
-          </a:solidFill>
-          <a:ln w="12700" cap="flat" cmpd="sng">
-            <a:solidFill>
-              <a:srgbClr val="31538F"/>
-            </a:solidFill>
-            <a:prstDash val="solid"/>
-            <a:miter lim="800000"/>
-            <a:headEnd type="none" w="sm" len="sm"/>
-            <a:tailEnd type="none" w="sm" len="sm"/>
-          </a:ln>
-        </p:spPr>
-        <p:txBody>
-          <a:bodyPr spcFirstLastPara="1" wrap="square" lIns="91425" tIns="45700" rIns="91425" bIns="45700" anchor="ctr" anchorCtr="0">
-            <a:noAutofit/>
-          </a:bodyPr>
-          <a:lstStyle/>
-          <a:p>
-            <a:pPr marL="0" marR="0" lvl="0" indent="0" algn="ctr" rtl="0">
-              <a:spcBef>
-                <a:spcPts val="0"/>
-              </a:spcBef>
-              <a:spcAft>
-                <a:spcPts val="0"/>
-              </a:spcAft>
-              <a:buNone/>
-            </a:pPr>
-            <a:r>
-              <a:rPr lang="en-GB" sz="1200" b="0" i="0" u="none" strike="noStrike" cap="none">
-                <a:solidFill>
-                  <a:schemeClr val="dk1"/>
-                </a:solidFill>
-                <a:latin typeface="Calibri"/>
-                <a:ea typeface="Calibri"/>
-                <a:cs typeface="Calibri"/>
-                <a:sym typeface="Calibri"/>
-              </a:rPr>
-              <a:t>Rasterize vector</a:t>
-            </a:r>
-            <a:endParaRPr sz="1200" b="0" i="1" u="none" strike="noStrike" cap="none">
-              <a:solidFill>
-                <a:schemeClr val="dk1"/>
-              </a:solidFill>
-              <a:latin typeface="Calibri"/>
-              <a:ea typeface="Calibri"/>
-              <a:cs typeface="Calibri"/>
-              <a:sym typeface="Calibri"/>
-            </a:endParaRPr>
-          </a:p>
-        </p:txBody>
-      </p:sp>
-      <p:cxnSp>
-        <p:nvCxnSpPr>
-          <p:cNvPr id="113" name="Google Shape;113;p1"/>
-          <p:cNvCxnSpPr>
-            <a:stCxn id="86" idx="2"/>
-            <a:endCxn id="92" idx="3"/>
-          </p:cNvCxnSpPr>
-          <p:nvPr/>
-        </p:nvCxnSpPr>
-        <p:spPr>
-          <a:xfrm rot="5400000">
-            <a:off x="7230790" y="3944880"/>
-            <a:ext cx="1610400" cy="491100"/>
-          </a:xfrm>
-          <a:prstGeom prst="bentConnector2">
-            <a:avLst/>
-          </a:prstGeom>
-          <a:noFill/>
-          <a:ln w="9525" cap="flat" cmpd="sng">
-            <a:solidFill>
-              <a:schemeClr val="accent1"/>
-            </a:solidFill>
-            <a:prstDash val="solid"/>
-            <a:miter lim="800000"/>
-            <a:headEnd type="none" w="sm" len="sm"/>
-            <a:tailEnd type="triangle" w="med" len="med"/>
-          </a:ln>
-        </p:spPr>
-      </p:cxnSp>
-      <p:sp>
-        <p:nvSpPr>
-          <p:cNvPr id="114" name="Google Shape;114;p1"/>
-          <p:cNvSpPr/>
-          <p:nvPr/>
-        </p:nvSpPr>
-        <p:spPr>
-          <a:xfrm>
-            <a:off x="6172680" y="2409266"/>
-            <a:ext cx="1534759" cy="222756"/>
-          </a:xfrm>
-          <a:prstGeom prst="rect">
-            <a:avLst/>
-          </a:prstGeom>
-          <a:solidFill>
-            <a:schemeClr val="lt1"/>
-          </a:solidFill>
-          <a:ln w="12700" cap="flat" cmpd="sng">
-            <a:solidFill>
-              <a:srgbClr val="31538F"/>
-            </a:solidFill>
-            <a:prstDash val="solid"/>
-            <a:miter lim="800000"/>
-            <a:headEnd type="none" w="sm" len="sm"/>
-            <a:tailEnd type="none" w="sm" len="sm"/>
-          </a:ln>
-        </p:spPr>
-        <p:txBody>
-          <a:bodyPr spcFirstLastPara="1" wrap="square" lIns="91425" tIns="45700" rIns="91425" bIns="45700" anchor="ctr" anchorCtr="0">
-            <a:noAutofit/>
-          </a:bodyPr>
-          <a:lstStyle/>
-          <a:p>
-            <a:pPr marL="0" marR="0" lvl="0" indent="0" algn="ctr" rtl="0">
-              <a:spcBef>
-                <a:spcPts val="0"/>
-              </a:spcBef>
-              <a:spcAft>
-                <a:spcPts val="0"/>
-              </a:spcAft>
-              <a:buNone/>
-            </a:pPr>
-            <a:r>
-              <a:rPr lang="en-GB" sz="1200" b="0" i="1" u="none" strike="noStrike" cap="none">
-                <a:solidFill>
-                  <a:schemeClr val="dk1"/>
-                </a:solidFill>
-                <a:latin typeface="Calibri"/>
-                <a:ea typeface="Calibri"/>
-                <a:cs typeface="Calibri"/>
-                <a:sym typeface="Calibri"/>
-              </a:rPr>
-              <a:t>edge_effect = 1 (true)</a:t>
-            </a:r>
-            <a:endParaRPr/>
-          </a:p>
-        </p:txBody>
-      </p:sp>
-      <p:cxnSp>
-        <p:nvCxnSpPr>
-          <p:cNvPr id="115" name="Google Shape;115;p1"/>
-          <p:cNvCxnSpPr>
-            <a:endCxn id="104" idx="1"/>
-          </p:cNvCxnSpPr>
-          <p:nvPr/>
-        </p:nvCxnSpPr>
-        <p:spPr>
-          <a:xfrm rot="10800000" flipH="1">
-            <a:off x="1993513" y="1780663"/>
-            <a:ext cx="4186200" cy="23700"/>
-          </a:xfrm>
-          <a:prstGeom prst="straightConnector1">
-            <a:avLst/>
-          </a:prstGeom>
-          <a:noFill/>
-          <a:ln w="9525" cap="flat" cmpd="sng">
-            <a:solidFill>
-              <a:schemeClr val="accent1"/>
-            </a:solidFill>
-            <a:prstDash val="solid"/>
-            <a:miter lim="800000"/>
-            <a:headEnd type="none" w="sm" len="sm"/>
-            <a:tailEnd type="triangle" w="med" len="med"/>
-          </a:ln>
-        </p:spPr>
-      </p:cxnSp>
-      <p:sp>
-        <p:nvSpPr>
-          <p:cNvPr id="116" name="Google Shape;116;p1"/>
-          <p:cNvSpPr/>
-          <p:nvPr/>
-        </p:nvSpPr>
-        <p:spPr>
-          <a:xfrm>
-            <a:off x="1914439" y="1610663"/>
-            <a:ext cx="1730001" cy="381533"/>
-          </a:xfrm>
-          <a:prstGeom prst="rect">
-            <a:avLst/>
-          </a:prstGeom>
-          <a:solidFill>
-            <a:schemeClr val="lt1"/>
-          </a:solidFill>
-          <a:ln w="12700" cap="flat" cmpd="sng">
-            <a:solidFill>
-              <a:srgbClr val="31538F"/>
-            </a:solidFill>
-            <a:prstDash val="solid"/>
-            <a:miter lim="800000"/>
-            <a:headEnd type="none" w="sm" len="sm"/>
-            <a:tailEnd type="none" w="sm" len="sm"/>
-          </a:ln>
-        </p:spPr>
-        <p:txBody>
-          <a:bodyPr spcFirstLastPara="1" wrap="square" lIns="91425" tIns="45700" rIns="91425" bIns="45700" anchor="ctr" anchorCtr="0">
-            <a:noAutofit/>
-          </a:bodyPr>
-          <a:lstStyle/>
-          <a:p>
-            <a:pPr marL="0" marR="0" lvl="0" indent="0" algn="ctr" rtl="0">
-              <a:spcBef>
-                <a:spcPts val="0"/>
-              </a:spcBef>
-              <a:spcAft>
-                <a:spcPts val="0"/>
-              </a:spcAft>
-              <a:buNone/>
-            </a:pPr>
-            <a:r>
-              <a:rPr lang="en-GB" sz="1200" b="0" i="1" u="none" strike="noStrike" cap="none">
-                <a:solidFill>
-                  <a:schemeClr val="dk1"/>
-                </a:solidFill>
-                <a:latin typeface="Calibri"/>
-                <a:ea typeface="Calibri"/>
-                <a:cs typeface="Calibri"/>
-                <a:sym typeface="Calibri"/>
-              </a:rPr>
-              <a:t>edge_effect IN (‘0’,’1’) vector_refine = 1 (true)</a:t>
-            </a:r>
-            <a:endParaRPr/>
-          </a:p>
-        </p:txBody>
-      </p:sp>
-      <p:sp>
-        <p:nvSpPr>
-          <p:cNvPr id="117" name="Google Shape;117;p1"/>
-          <p:cNvSpPr/>
-          <p:nvPr/>
-        </p:nvSpPr>
-        <p:spPr>
-          <a:xfrm>
-            <a:off x="3698960" y="1610663"/>
-            <a:ext cx="1224523" cy="390710"/>
-          </a:xfrm>
-          <a:prstGeom prst="rect">
-            <a:avLst/>
-          </a:prstGeom>
-          <a:solidFill>
-            <a:srgbClr val="EDEDED"/>
-          </a:solidFill>
-          <a:ln w="12700" cap="flat" cmpd="sng">
-            <a:solidFill>
-              <a:srgbClr val="31538F"/>
-            </a:solidFill>
-            <a:prstDash val="solid"/>
-            <a:miter lim="800000"/>
-            <a:headEnd type="none" w="sm" len="sm"/>
-            <a:tailEnd type="none" w="sm" len="sm"/>
-          </a:ln>
-        </p:spPr>
-        <p:txBody>
-          <a:bodyPr spcFirstLastPara="1" wrap="square" lIns="91425" tIns="45700" rIns="91425" bIns="45700" anchor="ctr" anchorCtr="0">
-            <a:noAutofit/>
-          </a:bodyPr>
-          <a:lstStyle/>
-          <a:p>
-            <a:pPr marL="0" marR="0" lvl="0" indent="0" algn="ctr" rtl="0">
-              <a:spcBef>
-                <a:spcPts val="0"/>
-              </a:spcBef>
-              <a:spcAft>
-                <a:spcPts val="0"/>
-              </a:spcAft>
-              <a:buNone/>
-            </a:pPr>
-            <a:r>
-              <a:rPr lang="en-GB" sz="1200" b="0" i="0" u="none" strike="noStrike" cap="none">
-                <a:solidFill>
-                  <a:schemeClr val="dk1"/>
-                </a:solidFill>
-                <a:latin typeface="Calibri"/>
-                <a:ea typeface="Calibri"/>
-                <a:cs typeface="Calibri"/>
-                <a:sym typeface="Calibri"/>
-              </a:rPr>
-              <a:t>Delete filtered data</a:t>
-            </a:r>
-            <a:endParaRPr sz="1200" b="0" i="1" u="none" strike="noStrike" cap="none">
-              <a:solidFill>
-                <a:schemeClr val="dk1"/>
-              </a:solidFill>
-              <a:latin typeface="Calibri"/>
-              <a:ea typeface="Calibri"/>
-              <a:cs typeface="Calibri"/>
-              <a:sym typeface="Calibri"/>
-            </a:endParaRPr>
-          </a:p>
-        </p:txBody>
-      </p:sp>
-      <p:sp>
-        <p:nvSpPr>
-          <p:cNvPr id="118" name="Google Shape;118;p1"/>
-          <p:cNvSpPr/>
-          <p:nvPr/>
-        </p:nvSpPr>
-        <p:spPr>
-          <a:xfrm>
-            <a:off x="5021200" y="1591889"/>
-            <a:ext cx="963271" cy="390711"/>
-          </a:xfrm>
-          <a:prstGeom prst="rect">
-            <a:avLst/>
-          </a:prstGeom>
-          <a:solidFill>
-            <a:schemeClr val="lt1"/>
-          </a:solidFill>
-          <a:ln w="12700" cap="flat" cmpd="sng">
-            <a:solidFill>
-              <a:srgbClr val="31538F"/>
-            </a:solidFill>
-            <a:prstDash val="solid"/>
-            <a:miter lim="800000"/>
-            <a:headEnd type="none" w="sm" len="sm"/>
-            <a:tailEnd type="none" w="sm" len="sm"/>
-          </a:ln>
-        </p:spPr>
-        <p:txBody>
-          <a:bodyPr spcFirstLastPara="1" wrap="square" lIns="91425" tIns="45700" rIns="91425" bIns="45700" anchor="ctr" anchorCtr="0">
-            <a:noAutofit/>
-          </a:bodyPr>
-          <a:lstStyle/>
-          <a:p>
-            <a:pPr marL="0" marR="0" lvl="0" indent="0" algn="ctr" rtl="0">
-              <a:spcBef>
-                <a:spcPts val="0"/>
-              </a:spcBef>
-              <a:spcAft>
-                <a:spcPts val="0"/>
-              </a:spcAft>
-              <a:buNone/>
-            </a:pPr>
-            <a:r>
-              <a:rPr lang="en-GB" sz="1200" b="0" i="1" u="none" strike="noStrike" cap="none">
-                <a:solidFill>
-                  <a:schemeClr val="dk1"/>
-                </a:solidFill>
-                <a:latin typeface="Calibri"/>
-                <a:ea typeface="Calibri"/>
-                <a:cs typeface="Calibri"/>
-                <a:sym typeface="Calibri"/>
-              </a:rPr>
-              <a:t>User has own data</a:t>
-            </a:r>
-            <a:endParaRPr/>
-          </a:p>
-        </p:txBody>
-      </p:sp>
-      <p:sp>
-        <p:nvSpPr>
-          <p:cNvPr id="119" name="Google Shape;119;p1"/>
-          <p:cNvSpPr/>
-          <p:nvPr/>
-        </p:nvSpPr>
-        <p:spPr>
-          <a:xfrm>
-            <a:off x="38894" y="3679627"/>
-            <a:ext cx="1666702" cy="351855"/>
-          </a:xfrm>
-          <a:prstGeom prst="rect">
-            <a:avLst/>
-          </a:prstGeom>
-          <a:solidFill>
-            <a:schemeClr val="lt1"/>
-          </a:solidFill>
-          <a:ln w="12700" cap="flat" cmpd="sng">
-            <a:solidFill>
-              <a:srgbClr val="31538F"/>
-            </a:solidFill>
-            <a:prstDash val="solid"/>
-            <a:miter lim="800000"/>
-            <a:headEnd type="none" w="sm" len="sm"/>
-            <a:tailEnd type="none" w="sm" len="sm"/>
-          </a:ln>
-        </p:spPr>
-        <p:txBody>
-          <a:bodyPr spcFirstLastPara="1" wrap="square" lIns="91425" tIns="45700" rIns="91425" bIns="45700" anchor="ctr" anchorCtr="0">
-            <a:noAutofit/>
-          </a:bodyPr>
-          <a:lstStyle/>
-          <a:p>
-            <a:pPr marL="0" marR="0" lvl="0" indent="0" algn="ctr" rtl="0">
-              <a:spcBef>
-                <a:spcPts val="0"/>
-              </a:spcBef>
-              <a:spcAft>
-                <a:spcPts val="0"/>
-              </a:spcAft>
-              <a:buNone/>
-            </a:pPr>
-            <a:r>
-              <a:rPr lang="en-GB" sz="1200" b="0" i="1" u="none" strike="noStrike" cap="none">
-                <a:solidFill>
-                  <a:schemeClr val="dk1"/>
-                </a:solidFill>
-                <a:latin typeface="Calibri"/>
-                <a:ea typeface="Calibri"/>
-                <a:cs typeface="Calibri"/>
-                <a:sym typeface="Calibri"/>
-              </a:rPr>
-              <a:t>edge_effect = 0 (true)</a:t>
-            </a:r>
-            <a:endParaRPr/>
-          </a:p>
-          <a:p>
-            <a:pPr marL="0" marR="0" lvl="0" indent="0" algn="ctr" rtl="0">
-              <a:spcBef>
-                <a:spcPts val="0"/>
-              </a:spcBef>
-              <a:spcAft>
-                <a:spcPts val="0"/>
-              </a:spcAft>
-              <a:buNone/>
-            </a:pPr>
-            <a:r>
-              <a:rPr lang="en-GB" sz="1200" b="0" i="1" u="none" strike="noStrike" cap="none">
-                <a:solidFill>
-                  <a:schemeClr val="dk1"/>
-                </a:solidFill>
-                <a:latin typeface="Calibri"/>
-                <a:ea typeface="Calibri"/>
-                <a:cs typeface="Calibri"/>
-                <a:sym typeface="Calibri"/>
-              </a:rPr>
-              <a:t>vector_refine = 0 (false)</a:t>
-            </a:r>
-            <a:endParaRPr/>
-          </a:p>
-        </p:txBody>
-      </p:sp>
-      <p:cxnSp>
-        <p:nvCxnSpPr>
-          <p:cNvPr id="120" name="Google Shape;120;p1"/>
-          <p:cNvCxnSpPr>
-            <a:stCxn id="117" idx="2"/>
-            <a:endCxn id="121" idx="0"/>
-          </p:cNvCxnSpPr>
-          <p:nvPr/>
-        </p:nvCxnSpPr>
-        <p:spPr>
-          <a:xfrm>
-            <a:off x="4311222" y="2001373"/>
-            <a:ext cx="0" cy="581700"/>
-          </a:xfrm>
-          <a:prstGeom prst="straightConnector1">
-            <a:avLst/>
-          </a:prstGeom>
-          <a:noFill/>
-          <a:ln w="9525" cap="flat" cmpd="sng">
-            <a:solidFill>
-              <a:schemeClr val="accent1"/>
-            </a:solidFill>
-            <a:prstDash val="solid"/>
-            <a:miter lim="800000"/>
-            <a:headEnd type="none" w="sm" len="sm"/>
-            <a:tailEnd type="triangle" w="med" len="med"/>
-          </a:ln>
-        </p:spPr>
-      </p:cxnSp>
-      <p:sp>
-        <p:nvSpPr>
-          <p:cNvPr id="122" name="Google Shape;122;p1"/>
-          <p:cNvSpPr/>
-          <p:nvPr/>
-        </p:nvSpPr>
-        <p:spPr>
-          <a:xfrm>
-            <a:off x="3698961" y="2067377"/>
-            <a:ext cx="1224523" cy="359898"/>
-          </a:xfrm>
-          <a:prstGeom prst="rect">
-            <a:avLst/>
-          </a:prstGeom>
-          <a:solidFill>
-            <a:schemeClr val="lt1"/>
-          </a:solidFill>
-          <a:ln w="12700" cap="flat" cmpd="sng">
-            <a:solidFill>
-              <a:srgbClr val="31538F"/>
-            </a:solidFill>
-            <a:prstDash val="solid"/>
-            <a:miter lim="800000"/>
-            <a:headEnd type="none" w="sm" len="sm"/>
-            <a:tailEnd type="none" w="sm" len="sm"/>
-          </a:ln>
-        </p:spPr>
-        <p:txBody>
-          <a:bodyPr spcFirstLastPara="1" wrap="square" lIns="91425" tIns="45700" rIns="91425" bIns="45700" anchor="ctr" anchorCtr="0">
-            <a:noAutofit/>
-          </a:bodyPr>
-          <a:lstStyle/>
-          <a:p>
-            <a:pPr marL="0" marR="0" lvl="0" indent="0" algn="ctr" rtl="0">
-              <a:spcBef>
-                <a:spcPts val="0"/>
-              </a:spcBef>
-              <a:spcAft>
-                <a:spcPts val="0"/>
-              </a:spcAft>
-              <a:buNone/>
-            </a:pPr>
-            <a:r>
-              <a:rPr lang="en-GB" sz="1200" b="0" i="1" u="none" strike="noStrike" cap="none">
-                <a:solidFill>
-                  <a:schemeClr val="dk1"/>
-                </a:solidFill>
-                <a:latin typeface="Calibri"/>
-                <a:ea typeface="Calibri"/>
-                <a:cs typeface="Calibri"/>
-                <a:sym typeface="Calibri"/>
-              </a:rPr>
-              <a:t>User doesn’t have own data</a:t>
-            </a:r>
-            <a:endParaRPr/>
-          </a:p>
-        </p:txBody>
-      </p:sp>
-      <p:cxnSp>
-        <p:nvCxnSpPr>
-          <p:cNvPr id="123" name="Google Shape;123;p1"/>
-          <p:cNvCxnSpPr/>
-          <p:nvPr/>
-        </p:nvCxnSpPr>
-        <p:spPr>
-          <a:xfrm rot="10800000" flipH="1">
-            <a:off x="4677334" y="2714793"/>
-            <a:ext cx="1485223" cy="1079"/>
-          </a:xfrm>
-          <a:prstGeom prst="straightConnector1">
-            <a:avLst/>
-          </a:prstGeom>
-          <a:noFill/>
-          <a:ln w="9525" cap="flat" cmpd="sng">
-            <a:solidFill>
-              <a:schemeClr val="accent1"/>
-            </a:solidFill>
-            <a:prstDash val="solid"/>
-            <a:miter lim="800000"/>
-            <a:headEnd type="none" w="sm" len="sm"/>
-            <a:tailEnd type="triangle" w="med" len="med"/>
-          </a:ln>
-        </p:spPr>
-      </p:cxnSp>
-      <p:sp>
-        <p:nvSpPr>
-          <p:cNvPr id="102" name="Google Shape;102;p1"/>
-          <p:cNvSpPr/>
-          <p:nvPr/>
-        </p:nvSpPr>
-        <p:spPr>
-          <a:xfrm>
-            <a:off x="1176595" y="5829089"/>
-            <a:ext cx="1962593" cy="543999"/>
-          </a:xfrm>
-          <a:prstGeom prst="rect">
-            <a:avLst/>
-          </a:prstGeom>
-          <a:solidFill>
-            <a:srgbClr val="EDEDED"/>
-          </a:solidFill>
-          <a:ln w="12700" cap="flat" cmpd="sng">
-            <a:solidFill>
-              <a:srgbClr val="31538F"/>
-            </a:solidFill>
-            <a:prstDash val="solid"/>
-            <a:miter lim="800000"/>
-            <a:headEnd type="none" w="sm" len="sm"/>
-            <a:tailEnd type="none" w="sm" len="sm"/>
-          </a:ln>
-        </p:spPr>
-        <p:txBody>
-          <a:bodyPr spcFirstLastPara="1" wrap="square" lIns="91425" tIns="45700" rIns="91425" bIns="45700" anchor="ctr" anchorCtr="0">
-            <a:noAutofit/>
-          </a:bodyPr>
-          <a:lstStyle/>
-          <a:p>
-            <a:pPr marL="0" marR="0" lvl="0" indent="0" algn="ctr" rtl="0">
-              <a:spcBef>
-                <a:spcPts val="0"/>
-              </a:spcBef>
-              <a:spcAft>
-                <a:spcPts val="0"/>
-              </a:spcAft>
-              <a:buNone/>
-            </a:pPr>
-            <a:r>
-              <a:rPr lang="en-GB" sz="1200" b="1" i="0" u="none" strike="noStrike" cap="none">
-                <a:solidFill>
-                  <a:schemeClr val="dk1"/>
-                </a:solidFill>
-                <a:latin typeface="Calibri"/>
-                <a:ea typeface="Calibri"/>
-                <a:cs typeface="Calibri"/>
-                <a:sym typeface="Calibri"/>
-              </a:rPr>
-              <a:t>Landscape impedance, </a:t>
-            </a:r>
-            <a:r>
-              <a:rPr lang="en-GB" sz="1200" b="1" i="1" u="none" strike="noStrike" cap="none">
-                <a:solidFill>
-                  <a:schemeClr val="dk1"/>
-                </a:solidFill>
-                <a:latin typeface="Calibri"/>
-                <a:ea typeface="Calibri"/>
-                <a:cs typeface="Calibri"/>
-                <a:sym typeface="Calibri"/>
-              </a:rPr>
-              <a:t>geotiff (&lt;=1…&lt;=1000)</a:t>
-            </a:r>
-            <a:endParaRPr/>
-          </a:p>
-        </p:txBody>
-      </p:sp>
-      <p:sp>
-        <p:nvSpPr>
-          <p:cNvPr id="104" name="Google Shape;104;p1"/>
-          <p:cNvSpPr/>
-          <p:nvPr/>
-        </p:nvSpPr>
-        <p:spPr>
-          <a:xfrm>
-            <a:off x="6179713" y="1664225"/>
-            <a:ext cx="1534759" cy="232877"/>
-          </a:xfrm>
-          <a:prstGeom prst="rect">
-            <a:avLst/>
-          </a:prstGeom>
-          <a:solidFill>
-            <a:srgbClr val="FFF2CC"/>
-          </a:solidFill>
-          <a:ln w="12700" cap="flat" cmpd="sng">
-            <a:solidFill>
-              <a:schemeClr val="dk1"/>
-            </a:solidFill>
-            <a:prstDash val="solid"/>
-            <a:miter lim="800000"/>
-            <a:headEnd type="none" w="sm" len="sm"/>
-            <a:tailEnd type="none" w="sm" len="sm"/>
-          </a:ln>
-        </p:spPr>
-        <p:txBody>
-          <a:bodyPr spcFirstLastPara="1" wrap="square" lIns="91425" tIns="45700" rIns="91425" bIns="45700" anchor="ctr" anchorCtr="0">
-            <a:noAutofit/>
-          </a:bodyPr>
-          <a:lstStyle/>
-          <a:p>
-            <a:pPr marL="0" marR="0" lvl="0" indent="0" algn="ctr" rtl="0">
-              <a:spcBef>
-                <a:spcPts val="0"/>
-              </a:spcBef>
-              <a:spcAft>
-                <a:spcPts val="0"/>
-              </a:spcAft>
-              <a:buNone/>
-            </a:pPr>
-            <a:r>
-              <a:rPr lang="en-GB" sz="1200" b="1" i="0" u="none" strike="noStrike" cap="none">
-                <a:solidFill>
-                  <a:schemeClr val="dk1"/>
-                </a:solidFill>
-                <a:latin typeface="Calibri"/>
-                <a:ea typeface="Calibri"/>
-                <a:cs typeface="Calibri"/>
-                <a:sym typeface="Calibri"/>
-              </a:rPr>
-              <a:t>Vector_refine.</a:t>
-            </a:r>
-            <a:r>
-              <a:rPr lang="en-GB" sz="1200" b="1" i="1" u="none" strike="noStrike" cap="none">
-                <a:solidFill>
-                  <a:schemeClr val="dk1"/>
-                </a:solidFill>
-                <a:latin typeface="Calibri"/>
-                <a:ea typeface="Calibri"/>
-                <a:cs typeface="Calibri"/>
-                <a:sym typeface="Calibri"/>
-              </a:rPr>
-              <a:t>gpkg</a:t>
-            </a:r>
-            <a:endParaRPr sz="1200" b="1" i="1" u="none" strike="noStrike" cap="none">
-              <a:solidFill>
-                <a:schemeClr val="dk1"/>
-              </a:solidFill>
-              <a:latin typeface="Calibri"/>
-              <a:ea typeface="Calibri"/>
-              <a:cs typeface="Calibri"/>
-              <a:sym typeface="Calibri"/>
-            </a:endParaRPr>
-          </a:p>
-        </p:txBody>
-      </p:sp>
-      <p:sp>
-        <p:nvSpPr>
-          <p:cNvPr id="124" name="Google Shape;124;p1"/>
-          <p:cNvSpPr/>
-          <p:nvPr/>
-        </p:nvSpPr>
-        <p:spPr>
-          <a:xfrm>
-            <a:off x="5026056" y="2546367"/>
-            <a:ext cx="957522" cy="333207"/>
-          </a:xfrm>
-          <a:prstGeom prst="rect">
-            <a:avLst/>
-          </a:prstGeom>
-          <a:solidFill>
-            <a:schemeClr val="lt1"/>
-          </a:solidFill>
-          <a:ln w="12700" cap="flat" cmpd="sng">
-            <a:solidFill>
-              <a:srgbClr val="31538F"/>
-            </a:solidFill>
-            <a:prstDash val="solid"/>
-            <a:miter lim="800000"/>
-            <a:headEnd type="none" w="sm" len="sm"/>
-            <a:tailEnd type="none" w="sm" len="sm"/>
-          </a:ln>
-        </p:spPr>
-        <p:txBody>
-          <a:bodyPr spcFirstLastPara="1" wrap="square" lIns="91425" tIns="45700" rIns="91425" bIns="45700" anchor="ctr" anchorCtr="0">
-            <a:noAutofit/>
-          </a:bodyPr>
-          <a:lstStyle/>
-          <a:p>
-            <a:pPr marL="0" marR="0" lvl="0" indent="0" algn="ctr" rtl="0">
-              <a:spcBef>
-                <a:spcPts val="0"/>
-              </a:spcBef>
-              <a:spcAft>
-                <a:spcPts val="0"/>
-              </a:spcAft>
-              <a:buNone/>
-            </a:pPr>
-            <a:r>
-              <a:rPr lang="en-GB" sz="1200" b="0" i="1" u="none" strike="noStrike" cap="none">
-                <a:solidFill>
-                  <a:schemeClr val="dk1"/>
-                </a:solidFill>
-                <a:latin typeface="Calibri"/>
-                <a:ea typeface="Calibri"/>
-                <a:cs typeface="Calibri"/>
-                <a:sym typeface="Calibri"/>
-              </a:rPr>
-              <a:t>edge_effect = 1 (true)</a:t>
-            </a:r>
-            <a:endParaRPr/>
-          </a:p>
-        </p:txBody>
-      </p:sp>
-      <p:cxnSp>
-        <p:nvCxnSpPr>
-          <p:cNvPr id="125" name="Google Shape;125;p1"/>
-          <p:cNvCxnSpPr>
-            <a:endCxn id="106" idx="1"/>
-          </p:cNvCxnSpPr>
-          <p:nvPr/>
-        </p:nvCxnSpPr>
-        <p:spPr>
-          <a:xfrm>
-            <a:off x="4576306" y="3065079"/>
-            <a:ext cx="1595700" cy="6300"/>
-          </a:xfrm>
-          <a:prstGeom prst="straightConnector1">
-            <a:avLst/>
-          </a:prstGeom>
-          <a:noFill/>
-          <a:ln w="9525" cap="flat" cmpd="sng">
-            <a:solidFill>
-              <a:schemeClr val="accent1"/>
-            </a:solidFill>
-            <a:prstDash val="solid"/>
-            <a:miter lim="800000"/>
-            <a:headEnd type="none" w="sm" len="sm"/>
-            <a:tailEnd type="triangle" w="med" len="med"/>
-          </a:ln>
-        </p:spPr>
-      </p:cxnSp>
-      <p:sp>
-        <p:nvSpPr>
-          <p:cNvPr id="126" name="Google Shape;126;p1"/>
-          <p:cNvSpPr/>
-          <p:nvPr/>
-        </p:nvSpPr>
-        <p:spPr>
-          <a:xfrm>
-            <a:off x="5030232" y="2941246"/>
-            <a:ext cx="951121" cy="388467"/>
-          </a:xfrm>
-          <a:prstGeom prst="rect">
-            <a:avLst/>
-          </a:prstGeom>
-          <a:solidFill>
-            <a:schemeClr val="lt1"/>
-          </a:solidFill>
-          <a:ln w="12700" cap="flat" cmpd="sng">
-            <a:solidFill>
-              <a:srgbClr val="31538F"/>
-            </a:solidFill>
-            <a:prstDash val="solid"/>
-            <a:miter lim="800000"/>
-            <a:headEnd type="none" w="sm" len="sm"/>
-            <a:tailEnd type="none" w="sm" len="sm"/>
-          </a:ln>
-        </p:spPr>
-        <p:txBody>
-          <a:bodyPr spcFirstLastPara="1" wrap="square" lIns="91425" tIns="45700" rIns="91425" bIns="45700" anchor="ctr" anchorCtr="0">
-            <a:noAutofit/>
-          </a:bodyPr>
-          <a:lstStyle/>
-          <a:p>
-            <a:pPr marL="0" marR="0" lvl="0" indent="0" algn="ctr" rtl="0">
-              <a:spcBef>
-                <a:spcPts val="0"/>
-              </a:spcBef>
-              <a:spcAft>
-                <a:spcPts val="0"/>
-              </a:spcAft>
-              <a:buNone/>
-            </a:pPr>
-            <a:r>
-              <a:rPr lang="en-GB" sz="1200" b="0" i="1" u="none" strike="noStrike" cap="none">
-                <a:solidFill>
-                  <a:schemeClr val="dk1"/>
-                </a:solidFill>
-                <a:latin typeface="Calibri"/>
-                <a:ea typeface="Calibri"/>
-                <a:cs typeface="Calibri"/>
-                <a:sym typeface="Calibri"/>
-              </a:rPr>
-              <a:t>edge_effect </a:t>
-            </a:r>
-            <a:endParaRPr/>
-          </a:p>
-          <a:p>
-            <a:pPr marL="0" marR="0" lvl="0" indent="0" algn="ctr" rtl="0">
-              <a:spcBef>
-                <a:spcPts val="0"/>
-              </a:spcBef>
-              <a:spcAft>
-                <a:spcPts val="0"/>
-              </a:spcAft>
-              <a:buNone/>
-            </a:pPr>
-            <a:r>
-              <a:rPr lang="en-GB" sz="1200" b="0" i="1" u="none" strike="noStrike" cap="none">
-                <a:solidFill>
-                  <a:schemeClr val="dk1"/>
-                </a:solidFill>
-                <a:latin typeface="Calibri"/>
-                <a:ea typeface="Calibri"/>
-                <a:cs typeface="Calibri"/>
-                <a:sym typeface="Calibri"/>
-              </a:rPr>
-              <a:t>= 0 (false)</a:t>
-            </a:r>
-            <a:endParaRPr/>
-          </a:p>
-        </p:txBody>
-      </p:sp>
-      <p:sp>
-        <p:nvSpPr>
-          <p:cNvPr id="121" name="Google Shape;121;p1"/>
-          <p:cNvSpPr/>
-          <p:nvPr/>
-        </p:nvSpPr>
-        <p:spPr>
-          <a:xfrm>
-            <a:off x="3698961" y="2583214"/>
-            <a:ext cx="1224523" cy="738962"/>
-          </a:xfrm>
-          <a:prstGeom prst="rect">
-            <a:avLst/>
-          </a:prstGeom>
-          <a:solidFill>
-            <a:srgbClr val="FFF2CC"/>
-          </a:solidFill>
-          <a:ln w="12700" cap="flat" cmpd="sng">
-            <a:solidFill>
-              <a:schemeClr val="dk1"/>
-            </a:solidFill>
-            <a:prstDash val="solid"/>
-            <a:miter lim="800000"/>
-            <a:headEnd type="none" w="sm" len="sm"/>
-            <a:tailEnd type="none" w="sm" len="sm"/>
-          </a:ln>
-        </p:spPr>
-        <p:txBody>
-          <a:bodyPr spcFirstLastPara="1" wrap="square" lIns="91425" tIns="45700" rIns="91425" bIns="45700" anchor="ctr" anchorCtr="0">
-            <a:noAutofit/>
-          </a:bodyPr>
-          <a:lstStyle/>
-          <a:p>
-            <a:pPr marL="0" marR="0" lvl="0" indent="0" algn="ctr" rtl="0">
-              <a:spcBef>
-                <a:spcPts val="0"/>
-              </a:spcBef>
-              <a:spcAft>
-                <a:spcPts val="0"/>
-              </a:spcAft>
-              <a:buNone/>
-            </a:pPr>
-            <a:r>
-              <a:rPr lang="en-GB" sz="1200" b="0" i="0" u="none" strike="noStrike" cap="none">
-                <a:solidFill>
-                  <a:schemeClr val="dk1"/>
-                </a:solidFill>
-                <a:latin typeface="Calibri"/>
-                <a:ea typeface="Calibri"/>
-                <a:cs typeface="Calibri"/>
-                <a:sym typeface="Calibri"/>
-              </a:rPr>
-              <a:t>Nominatim API </a:t>
-            </a:r>
-            <a:endParaRPr/>
-          </a:p>
-          <a:p>
-            <a:pPr marL="0" marR="0" lvl="0" indent="0" algn="ctr" rtl="0">
-              <a:spcBef>
-                <a:spcPts val="0"/>
-              </a:spcBef>
-              <a:spcAft>
-                <a:spcPts val="0"/>
-              </a:spcAft>
-              <a:buNone/>
-            </a:pPr>
-            <a:r>
-              <a:rPr lang="en-GB" sz="1200" b="0" i="0" u="none" strike="noStrike" cap="none">
-                <a:solidFill>
-                  <a:schemeClr val="dk1"/>
-                </a:solidFill>
-                <a:latin typeface="Calibri"/>
-                <a:ea typeface="Calibri"/>
-                <a:cs typeface="Calibri"/>
-                <a:sym typeface="Calibri"/>
-              </a:rPr>
-              <a:t>– Open Street Map Data</a:t>
-            </a:r>
-            <a:endParaRPr/>
-          </a:p>
-        </p:txBody>
-      </p:sp>
-    </p:spTree>
-  </p:cSld>
-  <p:clrMapOvr>
-    <a:masterClrMapping/>
-  </p:clrMapOvr>
-</p:sld>
-</file>
-
-<file path=ppt/slides/slide2.xml><?xml version="1.0" encoding="utf-8"?>
-<p:sld xmlns:a="http://schemas.openxmlformats.org/drawingml/2006/main" xmlns:r="http://schemas.openxmlformats.org/officeDocument/2006/relationships" xmlns:p="http://schemas.openxmlformats.org/presentationml/2006/main">
-  <p:cSld>
-    <p:spTree>
-      <p:nvGrpSpPr>
         <p:cNvPr id="1" name="Shape 130"/>
         <p:cNvGrpSpPr/>
         <p:nvPr/>
@@ -13841,14 +11337,14 @@
           <p:cNvPr id="142" name="Google Shape;142;g2b6b2123d36_0_0"/>
           <p:cNvCxnSpPr>
             <a:cxnSpLocks/>
-            <a:stCxn id="178" idx="3"/>
+            <a:endCxn id="30" idx="3"/>
           </p:cNvCxnSpPr>
           <p:nvPr/>
         </p:nvCxnSpPr>
         <p:spPr>
-          <a:xfrm flipV="1">
-            <a:off x="2697380" y="6062047"/>
-            <a:ext cx="3048996" cy="2"/>
+          <a:xfrm flipH="1" flipV="1">
+            <a:off x="4646561" y="6102658"/>
+            <a:ext cx="3047851" cy="27212"/>
           </a:xfrm>
           <a:prstGeom prst="straightConnector1">
             <a:avLst/>
@@ -13935,7 +11431,7 @@
         </p:nvCxnSpPr>
         <p:spPr>
           <a:xfrm>
-            <a:off x="1884613" y="5393111"/>
+            <a:off x="8507179" y="5400982"/>
             <a:ext cx="1" cy="396988"/>
           </a:xfrm>
           <a:prstGeom prst="straightConnector1">
@@ -14330,7 +11826,7 @@
           </a:xfrm>
           <a:prstGeom prst="bentConnector3">
             <a:avLst>
-              <a:gd name="adj1" fmla="val 50000"/>
+              <a:gd name="adj1" fmla="val 6611"/>
             </a:avLst>
           </a:prstGeom>
           <a:noFill/>
@@ -15629,7 +13125,7 @@
         </p:nvSpPr>
         <p:spPr>
           <a:xfrm>
-            <a:off x="5770245" y="5811047"/>
+            <a:off x="3117043" y="5851658"/>
             <a:ext cx="1529518" cy="502000"/>
           </a:xfrm>
           <a:prstGeom prst="rect">
@@ -16517,7 +14013,7 @@
         </p:nvSpPr>
         <p:spPr>
           <a:xfrm>
-            <a:off x="1071847" y="5790099"/>
+            <a:off x="7694413" y="5797970"/>
             <a:ext cx="1625533" cy="543899"/>
           </a:xfrm>
           <a:prstGeom prst="rect">
@@ -16589,8 +14085,8 @@
         </p:nvSpPr>
         <p:spPr>
           <a:xfrm>
-            <a:off x="3452728" y="5786737"/>
-            <a:ext cx="1625533" cy="526310"/>
+            <a:off x="5536909" y="5805943"/>
+            <a:ext cx="1625533" cy="535926"/>
           </a:xfrm>
           <a:prstGeom prst="rect">
             <a:avLst/>
@@ -16679,7 +14175,7 @@
         </p:nvCxnSpPr>
         <p:spPr>
           <a:xfrm>
-            <a:off x="4331978" y="5393111"/>
+            <a:off x="6416159" y="5412317"/>
             <a:ext cx="1" cy="369961"/>
           </a:xfrm>
           <a:prstGeom prst="straightConnector1">
@@ -17673,6 +15169,42 @@
           <a:xfrm flipV="1">
             <a:off x="9148593" y="1274642"/>
             <a:ext cx="822537" cy="66585"/>
+          </a:xfrm>
+          <a:prstGeom prst="straightConnector1">
+            <a:avLst/>
+          </a:prstGeom>
+          <a:noFill/>
+          <a:ln w="9525" cap="flat" cmpd="sng">
+            <a:solidFill>
+              <a:srgbClr val="343434"/>
+            </a:solidFill>
+            <a:prstDash val="solid"/>
+            <a:miter lim="800000"/>
+            <a:headEnd type="none" w="sm" len="sm"/>
+            <a:tailEnd type="triangle" w="med" len="med"/>
+          </a:ln>
+        </p:spPr>
+      </p:cxnSp>
+      <p:cxnSp>
+        <p:nvCxnSpPr>
+          <p:cNvPr id="7" name="Google Shape;141;g2b6b2123d36_0_0">
+            <a:extLst>
+              <a:ext uri="{FF2B5EF4-FFF2-40B4-BE49-F238E27FC236}">
+                <a16:creationId xmlns:a16="http://schemas.microsoft.com/office/drawing/2014/main" id="{72744ED7-6BE6-4D70-FF5B-B14F1097DF9E}"/>
+              </a:ext>
+            </a:extLst>
+          </p:cNvPr>
+          <p:cNvCxnSpPr>
+            <a:cxnSpLocks/>
+            <a:stCxn id="208" idx="2"/>
+            <a:endCxn id="213" idx="0"/>
+          </p:cNvCxnSpPr>
+          <p:nvPr/>
+        </p:nvCxnSpPr>
+        <p:spPr>
+          <a:xfrm flipH="1">
+            <a:off x="6385640" y="495067"/>
+            <a:ext cx="219810" cy="85713"/>
           </a:xfrm>
           <a:prstGeom prst="straightConnector1">
             <a:avLst/>

--- a/preprocessing/visualisation/workflow.pptx
+++ b/preprocessing/visualisation/workflow.pptx
@@ -5,25 +5,26 @@
     <p:sldMasterId id="2147483648" r:id="rId1"/>
   </p:sldMasterIdLst>
   <p:notesMasterIdLst>
-    <p:notesMasterId r:id="rId3"/>
+    <p:notesMasterId r:id="rId4"/>
   </p:notesMasterIdLst>
   <p:sldIdLst>
     <p:sldId id="257" r:id="rId2"/>
+    <p:sldId id="258" r:id="rId3"/>
   </p:sldIdLst>
   <p:sldSz cx="12192000" cy="6858000"/>
   <p:notesSz cx="6858000" cy="9144000"/>
   <p:embeddedFontLst>
     <p:embeddedFont>
       <p:font typeface="Josefin Sans" pitchFamily="2" charset="0"/>
-      <p:regular r:id="rId4"/>
-      <p:bold r:id="rId5"/>
-      <p:italic r:id="rId6"/>
-      <p:boldItalic r:id="rId7"/>
+      <p:regular r:id="rId5"/>
+      <p:bold r:id="rId6"/>
+      <p:italic r:id="rId7"/>
+      <p:boldItalic r:id="rId8"/>
     </p:embeddedFont>
     <p:embeddedFont>
       <p:font typeface="Roboto Slab" pitchFamily="2" charset="0"/>
-      <p:regular r:id="rId8"/>
-      <p:bold r:id="rId9"/>
+      <p:regular r:id="rId9"/>
+      <p:bold r:id="rId10"/>
     </p:embeddedFont>
   </p:embeddedFontLst>
   <p:defaultTextStyle>
@@ -765,6 +766,110 @@
       <p:sp>
         <p:nvSpPr>
           <p:cNvPr id="129" name="Google Shape;129;g2b6b2123d36_0_0:notes"/>
+          <p:cNvSpPr>
+            <a:spLocks noGrp="1" noRot="1" noChangeAspect="1"/>
+          </p:cNvSpPr>
+          <p:nvPr>
+            <p:ph type="sldImg" idx="2"/>
+          </p:nvPr>
+        </p:nvSpPr>
+        <p:spPr>
+          <a:xfrm>
+            <a:off x="381000" y="685800"/>
+            <a:ext cx="6096000" cy="3429000"/>
+          </a:xfrm>
+          <a:custGeom>
+            <a:avLst/>
+            <a:gdLst/>
+            <a:ahLst/>
+            <a:cxnLst/>
+            <a:rect l="l" t="t" r="r" b="b"/>
+            <a:pathLst>
+              <a:path w="120000" h="120000" extrusionOk="0">
+                <a:moveTo>
+                  <a:pt x="0" y="0"/>
+                </a:moveTo>
+                <a:lnTo>
+                  <a:pt x="120000" y="0"/>
+                </a:lnTo>
+                <a:lnTo>
+                  <a:pt x="120000" y="120000"/>
+                </a:lnTo>
+                <a:lnTo>
+                  <a:pt x="0" y="120000"/>
+                </a:lnTo>
+                <a:close/>
+              </a:path>
+            </a:pathLst>
+          </a:custGeom>
+        </p:spPr>
+      </p:sp>
+    </p:spTree>
+  </p:cSld>
+  <p:clrMapOvr>
+    <a:masterClrMapping/>
+  </p:clrMapOvr>
+</p:notes>
+</file>
+
+<file path=ppt/notesSlides/notesSlide2.xml><?xml version="1.0" encoding="utf-8"?>
+<p:notes xmlns:a="http://schemas.openxmlformats.org/drawingml/2006/main" xmlns:r="http://schemas.openxmlformats.org/officeDocument/2006/relationships" xmlns:p="http://schemas.openxmlformats.org/presentationml/2006/main" showMasterSp="0" showMasterPhAnim="0">
+  <p:cSld>
+    <p:spTree>
+      <p:nvGrpSpPr>
+        <p:cNvPr id="1" name="Shape 112"/>
+        <p:cNvGrpSpPr/>
+        <p:nvPr/>
+      </p:nvGrpSpPr>
+      <p:grpSpPr>
+        <a:xfrm>
+          <a:off x="0" y="0"/>
+          <a:ext cx="0" cy="0"/>
+          <a:chOff x="0" y="0"/>
+          <a:chExt cx="0" cy="0"/>
+        </a:xfrm>
+      </p:grpSpPr>
+      <p:sp>
+        <p:nvSpPr>
+          <p:cNvPr id="113" name="Google Shape;113;g2b6ec6cbb0c_0_0:notes"/>
+          <p:cNvSpPr txBox="1">
+            <a:spLocks noGrp="1"/>
+          </p:cNvSpPr>
+          <p:nvPr>
+            <p:ph type="body" idx="1"/>
+          </p:nvPr>
+        </p:nvSpPr>
+        <p:spPr>
+          <a:xfrm>
+            <a:off x="685800" y="4343400"/>
+            <a:ext cx="5486400" cy="4114800"/>
+          </a:xfrm>
+          <a:prstGeom prst="rect">
+            <a:avLst/>
+          </a:prstGeom>
+        </p:spPr>
+        <p:txBody>
+          <a:bodyPr spcFirstLastPara="1" wrap="square" lIns="91425" tIns="91425" rIns="91425" bIns="91425" anchor="t" anchorCtr="0">
+            <a:noAutofit/>
+          </a:bodyPr>
+          <a:lstStyle/>
+          <a:p>
+            <a:pPr marL="0" lvl="0" indent="0" algn="l" rtl="0">
+              <a:spcBef>
+                <a:spcPts val="0"/>
+              </a:spcBef>
+              <a:spcAft>
+                <a:spcPts val="0"/>
+              </a:spcAft>
+              <a:buNone/>
+            </a:pPr>
+            <a:endParaRPr/>
+          </a:p>
+        </p:txBody>
+      </p:sp>
+      <p:sp>
+        <p:nvSpPr>
+          <p:cNvPr id="114" name="Google Shape;114;g2b6ec6cbb0c_0_0:notes"/>
           <p:cNvSpPr>
             <a:spLocks noGrp="1" noRot="1" noChangeAspect="1"/>
           </p:cNvSpPr>
@@ -13180,8 +13285,8 @@
         </p:nvSpPr>
         <p:spPr>
           <a:xfrm>
-            <a:off x="9571122" y="5563102"/>
-            <a:ext cx="2537013" cy="1181755"/>
+            <a:off x="9571122" y="5421666"/>
+            <a:ext cx="2537013" cy="1323192"/>
           </a:xfrm>
           <a:prstGeom prst="rect">
             <a:avLst/>
@@ -13233,7 +13338,7 @@
         </p:nvSpPr>
         <p:spPr>
           <a:xfrm>
-            <a:off x="9681775" y="5687931"/>
+            <a:off x="9681775" y="5581980"/>
             <a:ext cx="382814" cy="100843"/>
           </a:xfrm>
           <a:prstGeom prst="rect">
@@ -13286,7 +13391,7 @@
         </p:nvSpPr>
         <p:spPr>
           <a:xfrm>
-            <a:off x="9681775" y="5929300"/>
+            <a:off x="9681775" y="5823349"/>
             <a:ext cx="382814" cy="100843"/>
           </a:xfrm>
           <a:prstGeom prst="rect">
@@ -13340,7 +13445,7 @@
         </p:nvSpPr>
         <p:spPr>
           <a:xfrm>
-            <a:off x="10040269" y="5676273"/>
+            <a:off x="10040269" y="5570322"/>
             <a:ext cx="2067866" cy="180528"/>
           </a:xfrm>
           <a:prstGeom prst="rect">
@@ -13396,7 +13501,7 @@
         </p:nvSpPr>
         <p:spPr>
           <a:xfrm>
-            <a:off x="10040269" y="5936956"/>
+            <a:off x="10040269" y="5831005"/>
             <a:ext cx="2067865" cy="100844"/>
           </a:xfrm>
           <a:prstGeom prst="rect">
@@ -13898,7 +14003,7 @@
         </p:nvSpPr>
         <p:spPr>
           <a:xfrm>
-            <a:off x="9779037" y="6045456"/>
+            <a:off x="8475293" y="6961768"/>
             <a:ext cx="2412963" cy="738664"/>
           </a:xfrm>
           <a:prstGeom prst="rect">
@@ -14186,7 +14291,7 @@
             <a:solidFill>
               <a:schemeClr val="tx1"/>
             </a:solidFill>
-            <a:prstDash val="dash"/>
+            <a:prstDash val="solid"/>
             <a:miter lim="800000"/>
             <a:headEnd type="none" w="sm" len="sm"/>
             <a:tailEnd type="triangle" w="med" len="med"/>
@@ -15127,7 +15232,7 @@
               <a:t>andscape impedance and affinity, </a:t>
             </a:r>
             <a:r>
-              <a:rPr lang="en-GB" sz="1100" b="1" i="0" u="none" strike="noStrike" cap="none" dirty="0" err="1">
+              <a:rPr lang="en-GB" sz="1100" b="1" i="1" u="none" strike="noStrike" cap="none" dirty="0" err="1">
                 <a:solidFill>
                   <a:schemeClr val="tx1"/>
                 </a:solidFill>
@@ -15138,7 +15243,7 @@
               </a:rPr>
               <a:t>geotiff</a:t>
             </a:r>
-            <a:endParaRPr lang="en-GB" sz="1100" b="1" dirty="0">
+            <a:endParaRPr lang="en-GB" sz="1100" b="1" i="1" dirty="0">
               <a:solidFill>
                 <a:schemeClr val="tx1"/>
               </a:solidFill>
@@ -15220,6 +15325,5876 @@
             <a:tailEnd type="triangle" w="med" len="med"/>
           </a:ln>
         </p:spPr>
+      </p:cxnSp>
+      <p:sp>
+        <p:nvSpPr>
+          <p:cNvPr id="2" name="Google Shape;167;g2b6b2123d36_0_0">
+            <a:extLst>
+              <a:ext uri="{FF2B5EF4-FFF2-40B4-BE49-F238E27FC236}">
+                <a16:creationId xmlns:a16="http://schemas.microsoft.com/office/drawing/2014/main" id="{D631B06A-7D11-5C8D-D6F7-850B87290A55}"/>
+              </a:ext>
+            </a:extLst>
+          </p:cNvPr>
+          <p:cNvSpPr/>
+          <p:nvPr/>
+        </p:nvSpPr>
+        <p:spPr>
+          <a:xfrm>
+            <a:off x="2547910" y="907787"/>
+            <a:ext cx="259567" cy="285639"/>
+          </a:xfrm>
+          <a:prstGeom prst="rect">
+            <a:avLst/>
+          </a:prstGeom>
+          <a:solidFill>
+            <a:srgbClr val="69F0BC"/>
+          </a:solidFill>
+          <a:ln w="28575">
+            <a:solidFill>
+              <a:schemeClr val="tx1"/>
+            </a:solidFill>
+            <a:prstDash val="dash"/>
+          </a:ln>
+        </p:spPr>
+        <p:txBody>
+          <a:bodyPr spcFirstLastPara="1" wrap="square" lIns="91425" tIns="45700" rIns="91425" bIns="45700" anchor="ctr" anchorCtr="0">
+            <a:noAutofit/>
+          </a:bodyPr>
+          <a:lstStyle/>
+          <a:p>
+            <a:pPr marL="0" marR="0" lvl="0" indent="0" algn="ctr" rtl="0">
+              <a:spcBef>
+                <a:spcPts val="0"/>
+              </a:spcBef>
+              <a:spcAft>
+                <a:spcPts val="0"/>
+              </a:spcAft>
+              <a:buNone/>
+            </a:pPr>
+            <a:r>
+              <a:rPr lang="en-GB" sz="2000" b="1" dirty="0">
+                <a:latin typeface="Roboto Slab"/>
+                <a:ea typeface="Roboto Slab"/>
+                <a:cs typeface="Roboto Slab"/>
+                <a:sym typeface="Roboto Slab"/>
+              </a:rPr>
+              <a:t>1</a:t>
+            </a:r>
+            <a:endParaRPr sz="2000" b="1" dirty="0">
+              <a:latin typeface="Roboto Slab"/>
+              <a:ea typeface="Roboto Slab"/>
+              <a:cs typeface="Roboto Slab"/>
+              <a:sym typeface="Roboto Slab"/>
+            </a:endParaRPr>
+          </a:p>
+        </p:txBody>
+      </p:sp>
+      <p:sp>
+        <p:nvSpPr>
+          <p:cNvPr id="3" name="Google Shape;167;g2b6b2123d36_0_0">
+            <a:extLst>
+              <a:ext uri="{FF2B5EF4-FFF2-40B4-BE49-F238E27FC236}">
+                <a16:creationId xmlns:a16="http://schemas.microsoft.com/office/drawing/2014/main" id="{6BF62653-814B-F18C-2DEF-5EED70786093}"/>
+              </a:ext>
+            </a:extLst>
+          </p:cNvPr>
+          <p:cNvSpPr/>
+          <p:nvPr/>
+        </p:nvSpPr>
+        <p:spPr>
+          <a:xfrm>
+            <a:off x="5592294" y="1222217"/>
+            <a:ext cx="259567" cy="285639"/>
+          </a:xfrm>
+          <a:prstGeom prst="rect">
+            <a:avLst/>
+          </a:prstGeom>
+          <a:solidFill>
+            <a:srgbClr val="69F0BC"/>
+          </a:solidFill>
+          <a:ln w="28575">
+            <a:solidFill>
+              <a:schemeClr val="tx1"/>
+            </a:solidFill>
+            <a:prstDash val="dash"/>
+          </a:ln>
+        </p:spPr>
+        <p:txBody>
+          <a:bodyPr spcFirstLastPara="1" wrap="square" lIns="91425" tIns="45700" rIns="91425" bIns="45700" anchor="ctr" anchorCtr="0">
+            <a:noAutofit/>
+          </a:bodyPr>
+          <a:lstStyle/>
+          <a:p>
+            <a:pPr marL="0" marR="0" lvl="0" indent="0" algn="ctr" rtl="0">
+              <a:spcBef>
+                <a:spcPts val="0"/>
+              </a:spcBef>
+              <a:spcAft>
+                <a:spcPts val="0"/>
+              </a:spcAft>
+              <a:buNone/>
+            </a:pPr>
+            <a:r>
+              <a:rPr lang="en-GB" sz="2000" b="1" dirty="0">
+                <a:latin typeface="Roboto Slab"/>
+                <a:ea typeface="Roboto Slab"/>
+                <a:cs typeface="Roboto Slab"/>
+                <a:sym typeface="Roboto Slab"/>
+              </a:rPr>
+              <a:t>1</a:t>
+            </a:r>
+            <a:endParaRPr sz="2000" b="1" dirty="0">
+              <a:latin typeface="Roboto Slab"/>
+              <a:ea typeface="Roboto Slab"/>
+              <a:cs typeface="Roboto Slab"/>
+              <a:sym typeface="Roboto Slab"/>
+            </a:endParaRPr>
+          </a:p>
+        </p:txBody>
+      </p:sp>
+      <p:sp>
+        <p:nvSpPr>
+          <p:cNvPr id="4" name="Google Shape;167;g2b6b2123d36_0_0">
+            <a:extLst>
+              <a:ext uri="{FF2B5EF4-FFF2-40B4-BE49-F238E27FC236}">
+                <a16:creationId xmlns:a16="http://schemas.microsoft.com/office/drawing/2014/main" id="{5FF4927F-2F79-053A-1F9B-D13C082C129A}"/>
+              </a:ext>
+            </a:extLst>
+          </p:cNvPr>
+          <p:cNvSpPr/>
+          <p:nvPr/>
+        </p:nvSpPr>
+        <p:spPr>
+          <a:xfrm>
+            <a:off x="8377395" y="5397518"/>
+            <a:ext cx="259567" cy="285639"/>
+          </a:xfrm>
+          <a:prstGeom prst="rect">
+            <a:avLst/>
+          </a:prstGeom>
+          <a:solidFill>
+            <a:srgbClr val="69F0BC"/>
+          </a:solidFill>
+          <a:ln w="28575">
+            <a:solidFill>
+              <a:schemeClr val="tx1"/>
+            </a:solidFill>
+            <a:prstDash val="solid"/>
+          </a:ln>
+        </p:spPr>
+        <p:txBody>
+          <a:bodyPr spcFirstLastPara="1" wrap="square" lIns="91425" tIns="45700" rIns="91425" bIns="45700" anchor="ctr" anchorCtr="0">
+            <a:noAutofit/>
+          </a:bodyPr>
+          <a:lstStyle/>
+          <a:p>
+            <a:pPr marL="0" marR="0" lvl="0" indent="0" algn="ctr" rtl="0">
+              <a:spcBef>
+                <a:spcPts val="0"/>
+              </a:spcBef>
+              <a:spcAft>
+                <a:spcPts val="0"/>
+              </a:spcAft>
+              <a:buNone/>
+            </a:pPr>
+            <a:r>
+              <a:rPr lang="en-GB" sz="2000" b="1" dirty="0">
+                <a:latin typeface="Roboto Slab"/>
+                <a:ea typeface="Roboto Slab"/>
+                <a:cs typeface="Roboto Slab"/>
+                <a:sym typeface="Roboto Slab"/>
+              </a:rPr>
+              <a:t>3</a:t>
+            </a:r>
+            <a:endParaRPr sz="2000" b="1" dirty="0">
+              <a:latin typeface="Roboto Slab"/>
+              <a:ea typeface="Roboto Slab"/>
+              <a:cs typeface="Roboto Slab"/>
+              <a:sym typeface="Roboto Slab"/>
+            </a:endParaRPr>
+          </a:p>
+        </p:txBody>
+      </p:sp>
+      <p:sp>
+        <p:nvSpPr>
+          <p:cNvPr id="6" name="Google Shape;167;g2b6b2123d36_0_0">
+            <a:extLst>
+              <a:ext uri="{FF2B5EF4-FFF2-40B4-BE49-F238E27FC236}">
+                <a16:creationId xmlns:a16="http://schemas.microsoft.com/office/drawing/2014/main" id="{70A493CE-63D8-4E87-4CCB-59564112F90A}"/>
+              </a:ext>
+            </a:extLst>
+          </p:cNvPr>
+          <p:cNvSpPr/>
+          <p:nvPr/>
+        </p:nvSpPr>
+        <p:spPr>
+          <a:xfrm>
+            <a:off x="6286375" y="5421665"/>
+            <a:ext cx="259567" cy="285639"/>
+          </a:xfrm>
+          <a:prstGeom prst="rect">
+            <a:avLst/>
+          </a:prstGeom>
+          <a:solidFill>
+            <a:srgbClr val="69F0BC"/>
+          </a:solidFill>
+          <a:ln w="28575">
+            <a:solidFill>
+              <a:schemeClr val="tx1"/>
+            </a:solidFill>
+            <a:prstDash val="dash"/>
+          </a:ln>
+        </p:spPr>
+        <p:txBody>
+          <a:bodyPr spcFirstLastPara="1" wrap="square" lIns="91425" tIns="45700" rIns="91425" bIns="45700" anchor="ctr" anchorCtr="0">
+            <a:noAutofit/>
+          </a:bodyPr>
+          <a:lstStyle/>
+          <a:p>
+            <a:pPr marL="0" marR="0" lvl="0" indent="0" algn="ctr" rtl="0">
+              <a:spcBef>
+                <a:spcPts val="0"/>
+              </a:spcBef>
+              <a:spcAft>
+                <a:spcPts val="0"/>
+              </a:spcAft>
+              <a:buNone/>
+            </a:pPr>
+            <a:r>
+              <a:rPr lang="en-GB" sz="2000" b="1" dirty="0">
+                <a:latin typeface="Roboto Slab"/>
+                <a:ea typeface="Roboto Slab"/>
+                <a:cs typeface="Roboto Slab"/>
+                <a:sym typeface="Roboto Slab"/>
+              </a:rPr>
+              <a:t>4</a:t>
+            </a:r>
+            <a:endParaRPr sz="2000" b="1" dirty="0">
+              <a:latin typeface="Roboto Slab"/>
+              <a:ea typeface="Roboto Slab"/>
+              <a:cs typeface="Roboto Slab"/>
+              <a:sym typeface="Roboto Slab"/>
+            </a:endParaRPr>
+          </a:p>
+        </p:txBody>
+      </p:sp>
+      <p:sp>
+        <p:nvSpPr>
+          <p:cNvPr id="8" name="Google Shape;167;g2b6b2123d36_0_0">
+            <a:extLst>
+              <a:ext uri="{FF2B5EF4-FFF2-40B4-BE49-F238E27FC236}">
+                <a16:creationId xmlns:a16="http://schemas.microsoft.com/office/drawing/2014/main" id="{E6FDE526-94A2-C158-70F4-A1B3F72EB409}"/>
+              </a:ext>
+            </a:extLst>
+          </p:cNvPr>
+          <p:cNvSpPr/>
+          <p:nvPr/>
+        </p:nvSpPr>
+        <p:spPr>
+          <a:xfrm>
+            <a:off x="3035162" y="2874941"/>
+            <a:ext cx="259567" cy="285639"/>
+          </a:xfrm>
+          <a:prstGeom prst="rect">
+            <a:avLst/>
+          </a:prstGeom>
+          <a:solidFill>
+            <a:srgbClr val="69F0BC"/>
+          </a:solidFill>
+          <a:ln w="28575">
+            <a:solidFill>
+              <a:schemeClr val="tx1"/>
+            </a:solidFill>
+            <a:prstDash val="solid"/>
+          </a:ln>
+        </p:spPr>
+        <p:txBody>
+          <a:bodyPr spcFirstLastPara="1" wrap="square" lIns="91425" tIns="45700" rIns="91425" bIns="45700" anchor="ctr" anchorCtr="0">
+            <a:noAutofit/>
+          </a:bodyPr>
+          <a:lstStyle/>
+          <a:p>
+            <a:pPr marL="0" marR="0" lvl="0" indent="0" algn="ctr" rtl="0">
+              <a:spcBef>
+                <a:spcPts val="0"/>
+              </a:spcBef>
+              <a:spcAft>
+                <a:spcPts val="0"/>
+              </a:spcAft>
+              <a:buNone/>
+            </a:pPr>
+            <a:r>
+              <a:rPr lang="en-GB" sz="2000" b="1" dirty="0">
+                <a:latin typeface="Roboto Slab"/>
+                <a:ea typeface="Roboto Slab"/>
+                <a:cs typeface="Roboto Slab"/>
+                <a:sym typeface="Roboto Slab"/>
+              </a:rPr>
+              <a:t>2</a:t>
+            </a:r>
+            <a:endParaRPr sz="2000" b="1" dirty="0">
+              <a:latin typeface="Roboto Slab"/>
+              <a:ea typeface="Roboto Slab"/>
+              <a:cs typeface="Roboto Slab"/>
+              <a:sym typeface="Roboto Slab"/>
+            </a:endParaRPr>
+          </a:p>
+        </p:txBody>
+      </p:sp>
+      <p:sp>
+        <p:nvSpPr>
+          <p:cNvPr id="9" name="Google Shape;167;g2b6b2123d36_0_0">
+            <a:extLst>
+              <a:ext uri="{FF2B5EF4-FFF2-40B4-BE49-F238E27FC236}">
+                <a16:creationId xmlns:a16="http://schemas.microsoft.com/office/drawing/2014/main" id="{32C19EF7-C50E-E38C-6015-29195B80D607}"/>
+              </a:ext>
+            </a:extLst>
+          </p:cNvPr>
+          <p:cNvSpPr/>
+          <p:nvPr/>
+        </p:nvSpPr>
+        <p:spPr>
+          <a:xfrm>
+            <a:off x="1511442" y="2446551"/>
+            <a:ext cx="259567" cy="285639"/>
+          </a:xfrm>
+          <a:prstGeom prst="rect">
+            <a:avLst/>
+          </a:prstGeom>
+          <a:solidFill>
+            <a:srgbClr val="69F0BC"/>
+          </a:solidFill>
+          <a:ln w="28575">
+            <a:solidFill>
+              <a:schemeClr val="tx1"/>
+            </a:solidFill>
+            <a:prstDash val="solid"/>
+          </a:ln>
+        </p:spPr>
+        <p:txBody>
+          <a:bodyPr spcFirstLastPara="1" wrap="square" lIns="91425" tIns="45700" rIns="91425" bIns="45700" anchor="ctr" anchorCtr="0">
+            <a:noAutofit/>
+          </a:bodyPr>
+          <a:lstStyle/>
+          <a:p>
+            <a:pPr marL="0" marR="0" lvl="0" indent="0" algn="ctr" rtl="0">
+              <a:spcBef>
+                <a:spcPts val="0"/>
+              </a:spcBef>
+              <a:spcAft>
+                <a:spcPts val="0"/>
+              </a:spcAft>
+              <a:buNone/>
+            </a:pPr>
+            <a:r>
+              <a:rPr lang="en-GB" sz="2000" b="1" dirty="0">
+                <a:latin typeface="Roboto Slab"/>
+                <a:ea typeface="Roboto Slab"/>
+                <a:cs typeface="Roboto Slab"/>
+                <a:sym typeface="Roboto Slab"/>
+              </a:rPr>
+              <a:t>2</a:t>
+            </a:r>
+            <a:endParaRPr sz="2000" b="1" dirty="0">
+              <a:latin typeface="Roboto Slab"/>
+              <a:ea typeface="Roboto Slab"/>
+              <a:cs typeface="Roboto Slab"/>
+              <a:sym typeface="Roboto Slab"/>
+            </a:endParaRPr>
+          </a:p>
+        </p:txBody>
+      </p:sp>
+      <p:sp>
+        <p:nvSpPr>
+          <p:cNvPr id="11" name="Google Shape;167;g2b6b2123d36_0_0">
+            <a:extLst>
+              <a:ext uri="{FF2B5EF4-FFF2-40B4-BE49-F238E27FC236}">
+                <a16:creationId xmlns:a16="http://schemas.microsoft.com/office/drawing/2014/main" id="{BCC42CE6-BDA2-54CA-0A6B-D30AB16F2A32}"/>
+              </a:ext>
+            </a:extLst>
+          </p:cNvPr>
+          <p:cNvSpPr/>
+          <p:nvPr/>
+        </p:nvSpPr>
+        <p:spPr>
+          <a:xfrm>
+            <a:off x="1514047" y="4220993"/>
+            <a:ext cx="259567" cy="285639"/>
+          </a:xfrm>
+          <a:prstGeom prst="rect">
+            <a:avLst/>
+          </a:prstGeom>
+          <a:solidFill>
+            <a:srgbClr val="69F0BC"/>
+          </a:solidFill>
+          <a:ln w="28575">
+            <a:solidFill>
+              <a:schemeClr val="tx1"/>
+            </a:solidFill>
+            <a:prstDash val="solid"/>
+          </a:ln>
+        </p:spPr>
+        <p:txBody>
+          <a:bodyPr spcFirstLastPara="1" wrap="square" lIns="91425" tIns="45700" rIns="91425" bIns="45700" anchor="ctr" anchorCtr="0">
+            <a:noAutofit/>
+          </a:bodyPr>
+          <a:lstStyle/>
+          <a:p>
+            <a:pPr marL="0" marR="0" lvl="0" indent="0" algn="ctr" rtl="0">
+              <a:spcBef>
+                <a:spcPts val="0"/>
+              </a:spcBef>
+              <a:spcAft>
+                <a:spcPts val="0"/>
+              </a:spcAft>
+              <a:buNone/>
+            </a:pPr>
+            <a:r>
+              <a:rPr lang="en-GB" sz="2000" b="1" dirty="0">
+                <a:latin typeface="Roboto Slab"/>
+                <a:ea typeface="Roboto Slab"/>
+                <a:cs typeface="Roboto Slab"/>
+                <a:sym typeface="Roboto Slab"/>
+              </a:rPr>
+              <a:t>3</a:t>
+            </a:r>
+            <a:endParaRPr sz="2000" b="1" dirty="0">
+              <a:latin typeface="Roboto Slab"/>
+              <a:ea typeface="Roboto Slab"/>
+              <a:cs typeface="Roboto Slab"/>
+              <a:sym typeface="Roboto Slab"/>
+            </a:endParaRPr>
+          </a:p>
+        </p:txBody>
+      </p:sp>
+      <p:sp>
+        <p:nvSpPr>
+          <p:cNvPr id="12" name="Google Shape;167;g2b6b2123d36_0_0">
+            <a:extLst>
+              <a:ext uri="{FF2B5EF4-FFF2-40B4-BE49-F238E27FC236}">
+                <a16:creationId xmlns:a16="http://schemas.microsoft.com/office/drawing/2014/main" id="{A3A55ED5-1C78-A9D8-2AEB-B6FEEA9A5477}"/>
+              </a:ext>
+            </a:extLst>
+          </p:cNvPr>
+          <p:cNvSpPr/>
+          <p:nvPr/>
+        </p:nvSpPr>
+        <p:spPr>
+          <a:xfrm>
+            <a:off x="2857476" y="1885197"/>
+            <a:ext cx="259567" cy="285639"/>
+          </a:xfrm>
+          <a:prstGeom prst="rect">
+            <a:avLst/>
+          </a:prstGeom>
+          <a:solidFill>
+            <a:srgbClr val="69F0BC"/>
+          </a:solidFill>
+          <a:ln w="28575">
+            <a:solidFill>
+              <a:schemeClr val="tx1"/>
+            </a:solidFill>
+            <a:prstDash val="solid"/>
+          </a:ln>
+        </p:spPr>
+        <p:txBody>
+          <a:bodyPr spcFirstLastPara="1" wrap="square" lIns="91425" tIns="45700" rIns="91425" bIns="45700" anchor="ctr" anchorCtr="0">
+            <a:noAutofit/>
+          </a:bodyPr>
+          <a:lstStyle/>
+          <a:p>
+            <a:pPr marL="0" marR="0" lvl="0" indent="0" algn="ctr" rtl="0">
+              <a:spcBef>
+                <a:spcPts val="0"/>
+              </a:spcBef>
+              <a:spcAft>
+                <a:spcPts val="0"/>
+              </a:spcAft>
+              <a:buNone/>
+            </a:pPr>
+            <a:r>
+              <a:rPr lang="en-GB" sz="2000" b="1" dirty="0">
+                <a:latin typeface="Roboto Slab"/>
+                <a:ea typeface="Roboto Slab"/>
+                <a:cs typeface="Roboto Slab"/>
+                <a:sym typeface="Roboto Slab"/>
+              </a:rPr>
+              <a:t>3</a:t>
+            </a:r>
+            <a:endParaRPr sz="2000" b="1" dirty="0">
+              <a:latin typeface="Roboto Slab"/>
+              <a:ea typeface="Roboto Slab"/>
+              <a:cs typeface="Roboto Slab"/>
+              <a:sym typeface="Roboto Slab"/>
+            </a:endParaRPr>
+          </a:p>
+        </p:txBody>
+      </p:sp>
+      <p:sp>
+        <p:nvSpPr>
+          <p:cNvPr id="13" name="Google Shape;167;g2b6b2123d36_0_0">
+            <a:extLst>
+              <a:ext uri="{FF2B5EF4-FFF2-40B4-BE49-F238E27FC236}">
+                <a16:creationId xmlns:a16="http://schemas.microsoft.com/office/drawing/2014/main" id="{F65A6C5C-03A9-C985-9921-EBA7DF23A8AD}"/>
+              </a:ext>
+            </a:extLst>
+          </p:cNvPr>
+          <p:cNvSpPr/>
+          <p:nvPr/>
+        </p:nvSpPr>
+        <p:spPr>
+          <a:xfrm>
+            <a:off x="6533480" y="1835367"/>
+            <a:ext cx="259567" cy="285639"/>
+          </a:xfrm>
+          <a:prstGeom prst="rect">
+            <a:avLst/>
+          </a:prstGeom>
+          <a:solidFill>
+            <a:srgbClr val="69F0BC"/>
+          </a:solidFill>
+          <a:ln w="28575">
+            <a:solidFill>
+              <a:schemeClr val="tx1"/>
+            </a:solidFill>
+            <a:prstDash val="solid"/>
+          </a:ln>
+        </p:spPr>
+        <p:txBody>
+          <a:bodyPr spcFirstLastPara="1" wrap="square" lIns="91425" tIns="45700" rIns="91425" bIns="45700" anchor="ctr" anchorCtr="0">
+            <a:noAutofit/>
+          </a:bodyPr>
+          <a:lstStyle/>
+          <a:p>
+            <a:pPr marL="0" marR="0" lvl="0" indent="0" algn="ctr" rtl="0">
+              <a:spcBef>
+                <a:spcPts val="0"/>
+              </a:spcBef>
+              <a:spcAft>
+                <a:spcPts val="0"/>
+              </a:spcAft>
+              <a:buNone/>
+            </a:pPr>
+            <a:r>
+              <a:rPr lang="en-GB" sz="2000" b="1" dirty="0">
+                <a:latin typeface="Roboto Slab"/>
+                <a:ea typeface="Roboto Slab"/>
+                <a:cs typeface="Roboto Slab"/>
+                <a:sym typeface="Roboto Slab"/>
+              </a:rPr>
+              <a:t>3</a:t>
+            </a:r>
+            <a:endParaRPr sz="2000" b="1" dirty="0">
+              <a:latin typeface="Roboto Slab"/>
+              <a:ea typeface="Roboto Slab"/>
+              <a:cs typeface="Roboto Slab"/>
+              <a:sym typeface="Roboto Slab"/>
+            </a:endParaRPr>
+          </a:p>
+        </p:txBody>
+      </p:sp>
+      <p:sp>
+        <p:nvSpPr>
+          <p:cNvPr id="15" name="Google Shape;167;g2b6b2123d36_0_0">
+            <a:extLst>
+              <a:ext uri="{FF2B5EF4-FFF2-40B4-BE49-F238E27FC236}">
+                <a16:creationId xmlns:a16="http://schemas.microsoft.com/office/drawing/2014/main" id="{537528B9-5F4F-F963-45AA-98459F33FDA6}"/>
+              </a:ext>
+            </a:extLst>
+          </p:cNvPr>
+          <p:cNvSpPr/>
+          <p:nvPr/>
+        </p:nvSpPr>
+        <p:spPr>
+          <a:xfrm>
+            <a:off x="7488678" y="3612777"/>
+            <a:ext cx="259567" cy="285639"/>
+          </a:xfrm>
+          <a:prstGeom prst="rect">
+            <a:avLst/>
+          </a:prstGeom>
+          <a:solidFill>
+            <a:srgbClr val="69F0BC"/>
+          </a:solidFill>
+          <a:ln w="28575">
+            <a:solidFill>
+              <a:schemeClr val="tx1"/>
+            </a:solidFill>
+            <a:prstDash val="dash"/>
+          </a:ln>
+        </p:spPr>
+        <p:txBody>
+          <a:bodyPr spcFirstLastPara="1" wrap="square" lIns="91425" tIns="45700" rIns="91425" bIns="45700" anchor="ctr" anchorCtr="0">
+            <a:noAutofit/>
+          </a:bodyPr>
+          <a:lstStyle/>
+          <a:p>
+            <a:pPr marL="0" marR="0" lvl="0" indent="0" algn="ctr" rtl="0">
+              <a:spcBef>
+                <a:spcPts val="0"/>
+              </a:spcBef>
+              <a:spcAft>
+                <a:spcPts val="0"/>
+              </a:spcAft>
+              <a:buNone/>
+            </a:pPr>
+            <a:r>
+              <a:rPr lang="en-GB" sz="2000" b="1" dirty="0">
+                <a:latin typeface="Roboto Slab"/>
+                <a:ea typeface="Roboto Slab"/>
+                <a:cs typeface="Roboto Slab"/>
+                <a:sym typeface="Roboto Slab"/>
+              </a:rPr>
+              <a:t>4</a:t>
+            </a:r>
+            <a:endParaRPr sz="2000" b="1" dirty="0">
+              <a:latin typeface="Roboto Slab"/>
+              <a:ea typeface="Roboto Slab"/>
+              <a:cs typeface="Roboto Slab"/>
+              <a:sym typeface="Roboto Slab"/>
+            </a:endParaRPr>
+          </a:p>
+        </p:txBody>
+      </p:sp>
+      <p:sp>
+        <p:nvSpPr>
+          <p:cNvPr id="16" name="Google Shape;167;g2b6b2123d36_0_0">
+            <a:extLst>
+              <a:ext uri="{FF2B5EF4-FFF2-40B4-BE49-F238E27FC236}">
+                <a16:creationId xmlns:a16="http://schemas.microsoft.com/office/drawing/2014/main" id="{C774B4CA-37A0-6DFA-4CEB-1C7F6B41A478}"/>
+              </a:ext>
+            </a:extLst>
+          </p:cNvPr>
+          <p:cNvSpPr/>
+          <p:nvPr/>
+        </p:nvSpPr>
+        <p:spPr>
+          <a:xfrm>
+            <a:off x="8566854" y="4700863"/>
+            <a:ext cx="259567" cy="285639"/>
+          </a:xfrm>
+          <a:prstGeom prst="rect">
+            <a:avLst/>
+          </a:prstGeom>
+          <a:solidFill>
+            <a:srgbClr val="69F0BC"/>
+          </a:solidFill>
+          <a:ln w="28575">
+            <a:solidFill>
+              <a:schemeClr val="tx1"/>
+            </a:solidFill>
+            <a:prstDash val="dash"/>
+          </a:ln>
+        </p:spPr>
+        <p:txBody>
+          <a:bodyPr spcFirstLastPara="1" wrap="square" lIns="91425" tIns="45700" rIns="91425" bIns="45700" anchor="ctr" anchorCtr="0">
+            <a:noAutofit/>
+          </a:bodyPr>
+          <a:lstStyle/>
+          <a:p>
+            <a:pPr marL="0" marR="0" lvl="0" indent="0" algn="ctr" rtl="0">
+              <a:spcBef>
+                <a:spcPts val="0"/>
+              </a:spcBef>
+              <a:spcAft>
+                <a:spcPts val="0"/>
+              </a:spcAft>
+              <a:buNone/>
+            </a:pPr>
+            <a:r>
+              <a:rPr lang="en-GB" sz="2000" b="1" dirty="0">
+                <a:latin typeface="Roboto Slab"/>
+                <a:ea typeface="Roboto Slab"/>
+                <a:cs typeface="Roboto Slab"/>
+                <a:sym typeface="Roboto Slab"/>
+              </a:rPr>
+              <a:t>4</a:t>
+            </a:r>
+            <a:endParaRPr sz="2000" b="1" dirty="0">
+              <a:latin typeface="Roboto Slab"/>
+              <a:ea typeface="Roboto Slab"/>
+              <a:cs typeface="Roboto Slab"/>
+              <a:sym typeface="Roboto Slab"/>
+            </a:endParaRPr>
+          </a:p>
+        </p:txBody>
+      </p:sp>
+      <p:cxnSp>
+        <p:nvCxnSpPr>
+          <p:cNvPr id="17" name="Google Shape;147;g2b6b2123d36_0_0">
+            <a:extLst>
+              <a:ext uri="{FF2B5EF4-FFF2-40B4-BE49-F238E27FC236}">
+                <a16:creationId xmlns:a16="http://schemas.microsoft.com/office/drawing/2014/main" id="{BC5672E9-0620-1F56-9A3C-C083A1733C08}"/>
+              </a:ext>
+            </a:extLst>
+          </p:cNvPr>
+          <p:cNvCxnSpPr>
+            <a:cxnSpLocks/>
+          </p:cNvCxnSpPr>
+          <p:nvPr/>
+        </p:nvCxnSpPr>
+        <p:spPr>
+          <a:xfrm flipH="1">
+            <a:off x="3748676" y="3950097"/>
+            <a:ext cx="3600" cy="1009679"/>
+          </a:xfrm>
+          <a:prstGeom prst="straightConnector1">
+            <a:avLst/>
+          </a:prstGeom>
+          <a:noFill/>
+          <a:ln w="9525" cap="flat" cmpd="sng">
+            <a:solidFill>
+              <a:srgbClr val="343434"/>
+            </a:solidFill>
+            <a:prstDash val="solid"/>
+            <a:miter lim="800000"/>
+            <a:headEnd type="none" w="sm" len="sm"/>
+            <a:tailEnd type="triangle" w="med" len="med"/>
+          </a:ln>
+        </p:spPr>
+      </p:cxnSp>
+      <p:sp>
+        <p:nvSpPr>
+          <p:cNvPr id="14" name="Google Shape;167;g2b6b2123d36_0_0">
+            <a:extLst>
+              <a:ext uri="{FF2B5EF4-FFF2-40B4-BE49-F238E27FC236}">
+                <a16:creationId xmlns:a16="http://schemas.microsoft.com/office/drawing/2014/main" id="{94ECFFE9-6CA9-5526-9C85-C35CB1C1F973}"/>
+              </a:ext>
+            </a:extLst>
+          </p:cNvPr>
+          <p:cNvSpPr/>
+          <p:nvPr/>
+        </p:nvSpPr>
+        <p:spPr>
+          <a:xfrm>
+            <a:off x="3630580" y="4244217"/>
+            <a:ext cx="259567" cy="285639"/>
+          </a:xfrm>
+          <a:prstGeom prst="rect">
+            <a:avLst/>
+          </a:prstGeom>
+          <a:solidFill>
+            <a:srgbClr val="69F0BC"/>
+          </a:solidFill>
+          <a:ln w="28575">
+            <a:solidFill>
+              <a:schemeClr val="tx1"/>
+            </a:solidFill>
+            <a:prstDash val="solid"/>
+          </a:ln>
+        </p:spPr>
+        <p:txBody>
+          <a:bodyPr spcFirstLastPara="1" wrap="square" lIns="91425" tIns="45700" rIns="91425" bIns="45700" anchor="ctr" anchorCtr="0">
+            <a:noAutofit/>
+          </a:bodyPr>
+          <a:lstStyle/>
+          <a:p>
+            <a:pPr marL="0" marR="0" lvl="0" indent="0" algn="ctr" rtl="0">
+              <a:spcBef>
+                <a:spcPts val="0"/>
+              </a:spcBef>
+              <a:spcAft>
+                <a:spcPts val="0"/>
+              </a:spcAft>
+              <a:buNone/>
+            </a:pPr>
+            <a:r>
+              <a:rPr lang="en-GB" sz="2000" b="1" dirty="0">
+                <a:latin typeface="Roboto Slab"/>
+                <a:ea typeface="Roboto Slab"/>
+                <a:cs typeface="Roboto Slab"/>
+                <a:sym typeface="Roboto Slab"/>
+              </a:rPr>
+              <a:t>3</a:t>
+            </a:r>
+            <a:endParaRPr sz="2000" b="1" dirty="0">
+              <a:latin typeface="Roboto Slab"/>
+              <a:ea typeface="Roboto Slab"/>
+              <a:cs typeface="Roboto Slab"/>
+              <a:sym typeface="Roboto Slab"/>
+            </a:endParaRPr>
+          </a:p>
+        </p:txBody>
+      </p:sp>
+      <p:sp>
+        <p:nvSpPr>
+          <p:cNvPr id="19" name="Google Shape;167;g2b6b2123d36_0_0">
+            <a:extLst>
+              <a:ext uri="{FF2B5EF4-FFF2-40B4-BE49-F238E27FC236}">
+                <a16:creationId xmlns:a16="http://schemas.microsoft.com/office/drawing/2014/main" id="{590AC08C-5888-3D31-F0C5-34B609F124AF}"/>
+              </a:ext>
+            </a:extLst>
+          </p:cNvPr>
+          <p:cNvSpPr/>
+          <p:nvPr/>
+        </p:nvSpPr>
+        <p:spPr>
+          <a:xfrm>
+            <a:off x="8566854" y="3035567"/>
+            <a:ext cx="259567" cy="285639"/>
+          </a:xfrm>
+          <a:prstGeom prst="rect">
+            <a:avLst/>
+          </a:prstGeom>
+          <a:solidFill>
+            <a:srgbClr val="69F0BC"/>
+          </a:solidFill>
+          <a:ln w="28575">
+            <a:solidFill>
+              <a:schemeClr val="tx1"/>
+            </a:solidFill>
+            <a:prstDash val="solid"/>
+          </a:ln>
+        </p:spPr>
+        <p:txBody>
+          <a:bodyPr spcFirstLastPara="1" wrap="square" lIns="91425" tIns="45700" rIns="91425" bIns="45700" anchor="ctr" anchorCtr="0">
+            <a:noAutofit/>
+          </a:bodyPr>
+          <a:lstStyle/>
+          <a:p>
+            <a:pPr marL="0" marR="0" lvl="0" indent="0" algn="ctr" rtl="0">
+              <a:spcBef>
+                <a:spcPts val="0"/>
+              </a:spcBef>
+              <a:spcAft>
+                <a:spcPts val="0"/>
+              </a:spcAft>
+              <a:buNone/>
+            </a:pPr>
+            <a:r>
+              <a:rPr lang="en-GB" sz="2000" b="1" dirty="0">
+                <a:latin typeface="Roboto Slab"/>
+                <a:ea typeface="Roboto Slab"/>
+                <a:cs typeface="Roboto Slab"/>
+                <a:sym typeface="Roboto Slab"/>
+              </a:rPr>
+              <a:t>3</a:t>
+            </a:r>
+            <a:endParaRPr sz="2000" b="1" dirty="0">
+              <a:latin typeface="Roboto Slab"/>
+              <a:ea typeface="Roboto Slab"/>
+              <a:cs typeface="Roboto Slab"/>
+              <a:sym typeface="Roboto Slab"/>
+            </a:endParaRPr>
+          </a:p>
+        </p:txBody>
+      </p:sp>
+      <p:sp>
+        <p:nvSpPr>
+          <p:cNvPr id="20" name="Google Shape;167;g2b6b2123d36_0_0">
+            <a:extLst>
+              <a:ext uri="{FF2B5EF4-FFF2-40B4-BE49-F238E27FC236}">
+                <a16:creationId xmlns:a16="http://schemas.microsoft.com/office/drawing/2014/main" id="{6057F5F7-1EA6-8DCD-4434-AD1D80781032}"/>
+              </a:ext>
+            </a:extLst>
+          </p:cNvPr>
+          <p:cNvSpPr/>
+          <p:nvPr/>
+        </p:nvSpPr>
+        <p:spPr>
+          <a:xfrm>
+            <a:off x="10099995" y="4269148"/>
+            <a:ext cx="259567" cy="285639"/>
+          </a:xfrm>
+          <a:prstGeom prst="rect">
+            <a:avLst/>
+          </a:prstGeom>
+          <a:solidFill>
+            <a:srgbClr val="69F0BC"/>
+          </a:solidFill>
+          <a:ln w="28575">
+            <a:solidFill>
+              <a:schemeClr val="tx1"/>
+            </a:solidFill>
+            <a:prstDash val="solid"/>
+          </a:ln>
+        </p:spPr>
+        <p:txBody>
+          <a:bodyPr spcFirstLastPara="1" wrap="square" lIns="91425" tIns="45700" rIns="91425" bIns="45700" anchor="ctr" anchorCtr="0">
+            <a:noAutofit/>
+          </a:bodyPr>
+          <a:lstStyle/>
+          <a:p>
+            <a:pPr marL="0" marR="0" lvl="0" indent="0" algn="ctr" rtl="0">
+              <a:spcBef>
+                <a:spcPts val="0"/>
+              </a:spcBef>
+              <a:spcAft>
+                <a:spcPts val="0"/>
+              </a:spcAft>
+              <a:buNone/>
+            </a:pPr>
+            <a:r>
+              <a:rPr lang="en-GB" sz="2000" b="1" dirty="0">
+                <a:latin typeface="Roboto Slab"/>
+                <a:ea typeface="Roboto Slab"/>
+                <a:cs typeface="Roboto Slab"/>
+                <a:sym typeface="Roboto Slab"/>
+              </a:rPr>
+              <a:t>3</a:t>
+            </a:r>
+            <a:endParaRPr sz="2000" b="1" dirty="0">
+              <a:latin typeface="Roboto Slab"/>
+              <a:ea typeface="Roboto Slab"/>
+              <a:cs typeface="Roboto Slab"/>
+              <a:sym typeface="Roboto Slab"/>
+            </a:endParaRPr>
+          </a:p>
+        </p:txBody>
+      </p:sp>
+      <p:sp>
+        <p:nvSpPr>
+          <p:cNvPr id="21" name="Google Shape;167;g2b6b2123d36_0_0">
+            <a:extLst>
+              <a:ext uri="{FF2B5EF4-FFF2-40B4-BE49-F238E27FC236}">
+                <a16:creationId xmlns:a16="http://schemas.microsoft.com/office/drawing/2014/main" id="{1BA8830E-7B6D-EFAF-6468-80528C145986}"/>
+              </a:ext>
+            </a:extLst>
+          </p:cNvPr>
+          <p:cNvSpPr/>
+          <p:nvPr/>
+        </p:nvSpPr>
+        <p:spPr>
+          <a:xfrm>
+            <a:off x="9392799" y="1172178"/>
+            <a:ext cx="259567" cy="285639"/>
+          </a:xfrm>
+          <a:prstGeom prst="rect">
+            <a:avLst/>
+          </a:prstGeom>
+          <a:solidFill>
+            <a:srgbClr val="69F0BC"/>
+          </a:solidFill>
+          <a:ln w="28575">
+            <a:solidFill>
+              <a:schemeClr val="tx1"/>
+            </a:solidFill>
+            <a:prstDash val="dash"/>
+          </a:ln>
+        </p:spPr>
+        <p:txBody>
+          <a:bodyPr spcFirstLastPara="1" wrap="square" lIns="91425" tIns="45700" rIns="91425" bIns="45700" anchor="ctr" anchorCtr="0">
+            <a:noAutofit/>
+          </a:bodyPr>
+          <a:lstStyle/>
+          <a:p>
+            <a:pPr marL="0" marR="0" lvl="0" indent="0" algn="ctr" rtl="0">
+              <a:spcBef>
+                <a:spcPts val="0"/>
+              </a:spcBef>
+              <a:spcAft>
+                <a:spcPts val="0"/>
+              </a:spcAft>
+              <a:buNone/>
+            </a:pPr>
+            <a:r>
+              <a:rPr lang="en-GB" sz="2000" b="1" dirty="0">
+                <a:latin typeface="Roboto Slab"/>
+                <a:ea typeface="Roboto Slab"/>
+                <a:cs typeface="Roboto Slab"/>
+                <a:sym typeface="Roboto Slab"/>
+              </a:rPr>
+              <a:t>1</a:t>
+            </a:r>
+            <a:endParaRPr sz="2000" b="1" dirty="0">
+              <a:latin typeface="Roboto Slab"/>
+              <a:ea typeface="Roboto Slab"/>
+              <a:cs typeface="Roboto Slab"/>
+              <a:sym typeface="Roboto Slab"/>
+            </a:endParaRPr>
+          </a:p>
+        </p:txBody>
+      </p:sp>
+      <p:sp>
+        <p:nvSpPr>
+          <p:cNvPr id="22" name="Google Shape;167;g2b6b2123d36_0_0">
+            <a:extLst>
+              <a:ext uri="{FF2B5EF4-FFF2-40B4-BE49-F238E27FC236}">
+                <a16:creationId xmlns:a16="http://schemas.microsoft.com/office/drawing/2014/main" id="{DFFE730B-FF3A-329B-C25C-EE7DE629FEEC}"/>
+              </a:ext>
+            </a:extLst>
+          </p:cNvPr>
+          <p:cNvSpPr/>
+          <p:nvPr/>
+        </p:nvSpPr>
+        <p:spPr>
+          <a:xfrm>
+            <a:off x="9779025" y="6039143"/>
+            <a:ext cx="259567" cy="285639"/>
+          </a:xfrm>
+          <a:prstGeom prst="rect">
+            <a:avLst/>
+          </a:prstGeom>
+          <a:solidFill>
+            <a:srgbClr val="69F0BC"/>
+          </a:solidFill>
+          <a:ln w="28575">
+            <a:solidFill>
+              <a:schemeClr val="tx1"/>
+            </a:solidFill>
+            <a:prstDash val="dash"/>
+          </a:ln>
+        </p:spPr>
+        <p:txBody>
+          <a:bodyPr spcFirstLastPara="1" wrap="square" lIns="91425" tIns="45700" rIns="91425" bIns="45700" anchor="ctr" anchorCtr="0">
+            <a:noAutofit/>
+          </a:bodyPr>
+          <a:lstStyle/>
+          <a:p>
+            <a:pPr marL="0" marR="0" lvl="0" indent="0" algn="ctr" rtl="0">
+              <a:spcBef>
+                <a:spcPts val="0"/>
+              </a:spcBef>
+              <a:spcAft>
+                <a:spcPts val="0"/>
+              </a:spcAft>
+              <a:buNone/>
+            </a:pPr>
+            <a:r>
+              <a:rPr lang="en-GB" sz="2000" b="1" dirty="0">
+                <a:latin typeface="Roboto Slab"/>
+                <a:ea typeface="Roboto Slab"/>
+                <a:cs typeface="Roboto Slab"/>
+                <a:sym typeface="Roboto Slab"/>
+              </a:rPr>
+              <a:t>1</a:t>
+            </a:r>
+            <a:endParaRPr sz="2000" b="1" dirty="0">
+              <a:latin typeface="Roboto Slab"/>
+              <a:ea typeface="Roboto Slab"/>
+              <a:cs typeface="Roboto Slab"/>
+              <a:sym typeface="Roboto Slab"/>
+            </a:endParaRPr>
+          </a:p>
+        </p:txBody>
+      </p:sp>
+      <p:sp>
+        <p:nvSpPr>
+          <p:cNvPr id="23" name="Google Shape;167;g2b6b2123d36_0_0">
+            <a:extLst>
+              <a:ext uri="{FF2B5EF4-FFF2-40B4-BE49-F238E27FC236}">
+                <a16:creationId xmlns:a16="http://schemas.microsoft.com/office/drawing/2014/main" id="{F036C0AE-3A57-FB4F-92D6-DDCD56B00E30}"/>
+              </a:ext>
+            </a:extLst>
+          </p:cNvPr>
+          <p:cNvSpPr/>
+          <p:nvPr/>
+        </p:nvSpPr>
+        <p:spPr>
+          <a:xfrm>
+            <a:off x="9779025" y="6400020"/>
+            <a:ext cx="259567" cy="285639"/>
+          </a:xfrm>
+          <a:prstGeom prst="rect">
+            <a:avLst/>
+          </a:prstGeom>
+          <a:solidFill>
+            <a:srgbClr val="69F0BC"/>
+          </a:solidFill>
+          <a:ln w="28575">
+            <a:solidFill>
+              <a:schemeClr val="tx1"/>
+            </a:solidFill>
+            <a:prstDash val="solid"/>
+          </a:ln>
+        </p:spPr>
+        <p:txBody>
+          <a:bodyPr spcFirstLastPara="1" wrap="square" lIns="91425" tIns="45700" rIns="91425" bIns="45700" anchor="ctr" anchorCtr="0">
+            <a:noAutofit/>
+          </a:bodyPr>
+          <a:lstStyle/>
+          <a:p>
+            <a:pPr marL="0" marR="0" lvl="0" indent="0" algn="ctr" rtl="0">
+              <a:spcBef>
+                <a:spcPts val="0"/>
+              </a:spcBef>
+              <a:spcAft>
+                <a:spcPts val="0"/>
+              </a:spcAft>
+              <a:buNone/>
+            </a:pPr>
+            <a:r>
+              <a:rPr lang="en-GB" sz="2000" b="1" dirty="0">
+                <a:latin typeface="Roboto Slab"/>
+                <a:ea typeface="Roboto Slab"/>
+                <a:cs typeface="Roboto Slab"/>
+                <a:sym typeface="Roboto Slab"/>
+              </a:rPr>
+              <a:t>2</a:t>
+            </a:r>
+            <a:endParaRPr sz="2000" b="1" dirty="0">
+              <a:latin typeface="Roboto Slab"/>
+              <a:ea typeface="Roboto Slab"/>
+              <a:cs typeface="Roboto Slab"/>
+              <a:sym typeface="Roboto Slab"/>
+            </a:endParaRPr>
+          </a:p>
+        </p:txBody>
+      </p:sp>
+      <p:sp>
+        <p:nvSpPr>
+          <p:cNvPr id="24" name="Google Shape;121;g2b6ec6cbb0c_0_0">
+            <a:extLst>
+              <a:ext uri="{FF2B5EF4-FFF2-40B4-BE49-F238E27FC236}">
+                <a16:creationId xmlns:a16="http://schemas.microsoft.com/office/drawing/2014/main" id="{0576157D-3C25-45E1-13FD-4B9D9F7730B0}"/>
+              </a:ext>
+            </a:extLst>
+          </p:cNvPr>
+          <p:cNvSpPr/>
+          <p:nvPr/>
+        </p:nvSpPr>
+        <p:spPr>
+          <a:xfrm>
+            <a:off x="10040269" y="6115512"/>
+            <a:ext cx="2067865" cy="100844"/>
+          </a:xfrm>
+          <a:prstGeom prst="rect">
+            <a:avLst/>
+          </a:prstGeom>
+          <a:noFill/>
+          <a:ln>
+            <a:noFill/>
+          </a:ln>
+          <a:effectLst/>
+        </p:spPr>
+        <p:txBody>
+          <a:bodyPr spcFirstLastPara="1" wrap="square" lIns="91425" tIns="45700" rIns="91425" bIns="45700" anchor="ctr" anchorCtr="0">
+            <a:noAutofit/>
+          </a:bodyPr>
+          <a:lstStyle/>
+          <a:p>
+            <a:r>
+              <a:rPr lang="en-GB" sz="1100" i="1" dirty="0">
+                <a:solidFill>
+                  <a:schemeClr val="dk1"/>
+                </a:solidFill>
+                <a:latin typeface="Roboto Slab"/>
+                <a:ea typeface="Roboto Slab"/>
+                <a:cs typeface="Roboto Slab"/>
+                <a:sym typeface="Roboto Slab"/>
+              </a:rPr>
+              <a:t>Optional Notebook</a:t>
+            </a:r>
+            <a:endParaRPr sz="1100" i="1" dirty="0">
+              <a:solidFill>
+                <a:schemeClr val="dk1"/>
+              </a:solidFill>
+              <a:latin typeface="Roboto Slab"/>
+              <a:ea typeface="Roboto Slab"/>
+              <a:cs typeface="Roboto Slab"/>
+              <a:sym typeface="Roboto Slab"/>
+            </a:endParaRPr>
+          </a:p>
+        </p:txBody>
+      </p:sp>
+      <p:sp>
+        <p:nvSpPr>
+          <p:cNvPr id="25" name="Google Shape;121;g2b6ec6cbb0c_0_0">
+            <a:extLst>
+              <a:ext uri="{FF2B5EF4-FFF2-40B4-BE49-F238E27FC236}">
+                <a16:creationId xmlns:a16="http://schemas.microsoft.com/office/drawing/2014/main" id="{F824CABC-AD52-94A2-8AF2-C9D01C2108D9}"/>
+              </a:ext>
+            </a:extLst>
+          </p:cNvPr>
+          <p:cNvSpPr/>
+          <p:nvPr/>
+        </p:nvSpPr>
+        <p:spPr>
+          <a:xfrm>
+            <a:off x="10040269" y="6492417"/>
+            <a:ext cx="2067865" cy="100844"/>
+          </a:xfrm>
+          <a:prstGeom prst="rect">
+            <a:avLst/>
+          </a:prstGeom>
+          <a:noFill/>
+          <a:ln>
+            <a:noFill/>
+          </a:ln>
+          <a:effectLst/>
+        </p:spPr>
+        <p:txBody>
+          <a:bodyPr spcFirstLastPara="1" wrap="square" lIns="91425" tIns="45700" rIns="91425" bIns="45700" anchor="ctr" anchorCtr="0">
+            <a:noAutofit/>
+          </a:bodyPr>
+          <a:lstStyle/>
+          <a:p>
+            <a:r>
+              <a:rPr lang="en-GB" sz="1100" i="1" dirty="0">
+                <a:solidFill>
+                  <a:schemeClr val="dk1"/>
+                </a:solidFill>
+                <a:latin typeface="Roboto Slab"/>
+                <a:ea typeface="Roboto Slab"/>
+                <a:cs typeface="Roboto Slab"/>
+                <a:sym typeface="Roboto Slab"/>
+              </a:rPr>
+              <a:t>Mandatory Notebook</a:t>
+            </a:r>
+            <a:endParaRPr sz="1100" i="1" dirty="0">
+              <a:solidFill>
+                <a:schemeClr val="dk1"/>
+              </a:solidFill>
+              <a:latin typeface="Roboto Slab"/>
+              <a:ea typeface="Roboto Slab"/>
+              <a:cs typeface="Roboto Slab"/>
+              <a:sym typeface="Roboto Slab"/>
+            </a:endParaRPr>
+          </a:p>
+        </p:txBody>
+      </p:sp>
+    </p:spTree>
+  </p:cSld>
+  <p:clrMapOvr>
+    <a:masterClrMapping/>
+  </p:clrMapOvr>
+</p:sld>
+</file>
+
+<file path=ppt/slides/slide2.xml><?xml version="1.0" encoding="utf-8"?>
+<p:sld xmlns:a="http://schemas.openxmlformats.org/drawingml/2006/main" xmlns:r="http://schemas.openxmlformats.org/officeDocument/2006/relationships" xmlns:p="http://schemas.openxmlformats.org/presentationml/2006/main">
+  <p:cSld>
+    <p:spTree>
+      <p:nvGrpSpPr>
+        <p:cNvPr id="1" name="Shape 115"/>
+        <p:cNvGrpSpPr/>
+        <p:nvPr/>
+      </p:nvGrpSpPr>
+      <p:grpSpPr>
+        <a:xfrm>
+          <a:off x="0" y="0"/>
+          <a:ext cx="0" cy="0"/>
+          <a:chOff x="0" y="0"/>
+          <a:chExt cx="0" cy="0"/>
+        </a:xfrm>
+      </p:grpSpPr>
+      <p:sp>
+        <p:nvSpPr>
+          <p:cNvPr id="116" name="Google Shape;116;g2b6ec6cbb0c_0_0"/>
+          <p:cNvSpPr/>
+          <p:nvPr/>
+        </p:nvSpPr>
+        <p:spPr>
+          <a:xfrm>
+            <a:off x="9953485" y="776299"/>
+            <a:ext cx="1907445" cy="228462"/>
+          </a:xfrm>
+          <a:prstGeom prst="rect">
+            <a:avLst/>
+          </a:prstGeom>
+          <a:solidFill>
+            <a:srgbClr val="69F0BC"/>
+          </a:solidFill>
+          <a:ln>
+            <a:noFill/>
+          </a:ln>
+        </p:spPr>
+        <p:txBody>
+          <a:bodyPr spcFirstLastPara="1" wrap="square" lIns="63294" tIns="31638" rIns="63294" bIns="31638" anchor="ctr" anchorCtr="0">
+            <a:noAutofit/>
+          </a:bodyPr>
+          <a:lstStyle/>
+          <a:p>
+            <a:pPr algn="ctr"/>
+            <a:r>
+              <a:rPr lang="en-GB" sz="762" b="1" dirty="0">
+                <a:solidFill>
+                  <a:schemeClr val="dk1"/>
+                </a:solidFill>
+                <a:latin typeface="Roboto Slab"/>
+                <a:ea typeface="Roboto Slab"/>
+                <a:cs typeface="Roboto Slab"/>
+                <a:sym typeface="Roboto Slab"/>
+              </a:rPr>
+              <a:t>Open Street Map (OSM)</a:t>
+            </a:r>
+            <a:endParaRPr sz="762" b="1" i="1" dirty="0">
+              <a:solidFill>
+                <a:schemeClr val="dk1"/>
+              </a:solidFill>
+              <a:latin typeface="Roboto Slab"/>
+              <a:ea typeface="Roboto Slab"/>
+              <a:cs typeface="Roboto Slab"/>
+              <a:sym typeface="Roboto Slab"/>
+            </a:endParaRPr>
+          </a:p>
+        </p:txBody>
+      </p:sp>
+      <p:sp>
+        <p:nvSpPr>
+          <p:cNvPr id="117" name="Google Shape;117;g2b6ec6cbb0c_0_0"/>
+          <p:cNvSpPr/>
+          <p:nvPr/>
+        </p:nvSpPr>
+        <p:spPr>
+          <a:xfrm>
+            <a:off x="9953486" y="1493806"/>
+            <a:ext cx="1907446" cy="228462"/>
+          </a:xfrm>
+          <a:prstGeom prst="rect">
+            <a:avLst/>
+          </a:prstGeom>
+          <a:solidFill>
+            <a:srgbClr val="69F0BC"/>
+          </a:solidFill>
+          <a:ln>
+            <a:noFill/>
+          </a:ln>
+        </p:spPr>
+        <p:txBody>
+          <a:bodyPr spcFirstLastPara="1" wrap="square" lIns="63294" tIns="31638" rIns="63294" bIns="31638" anchor="ctr" anchorCtr="0">
+            <a:noAutofit/>
+          </a:bodyPr>
+          <a:lstStyle/>
+          <a:p>
+            <a:pPr algn="ctr"/>
+            <a:r>
+              <a:rPr lang="en-GB" sz="762" b="1" dirty="0">
+                <a:solidFill>
+                  <a:schemeClr val="dk1"/>
+                </a:solidFill>
+                <a:latin typeface="Roboto Slab"/>
+                <a:ea typeface="Roboto Slab"/>
+                <a:cs typeface="Roboto Slab"/>
+                <a:sym typeface="Roboto Slab"/>
+              </a:rPr>
+              <a:t>Overpass Turbo API queries</a:t>
+            </a:r>
+            <a:endParaRPr sz="762" b="1" i="1" dirty="0">
+              <a:solidFill>
+                <a:schemeClr val="dk1"/>
+              </a:solidFill>
+              <a:latin typeface="Roboto Slab"/>
+              <a:ea typeface="Roboto Slab"/>
+              <a:cs typeface="Roboto Slab"/>
+              <a:sym typeface="Roboto Slab"/>
+            </a:endParaRPr>
+          </a:p>
+        </p:txBody>
+      </p:sp>
+      <p:sp>
+        <p:nvSpPr>
+          <p:cNvPr id="118" name="Google Shape;118;g2b6ec6cbb0c_0_0"/>
+          <p:cNvSpPr/>
+          <p:nvPr/>
+        </p:nvSpPr>
+        <p:spPr>
+          <a:xfrm>
+            <a:off x="7505102" y="777914"/>
+            <a:ext cx="1951477" cy="231162"/>
+          </a:xfrm>
+          <a:prstGeom prst="rect">
+            <a:avLst/>
+          </a:prstGeom>
+          <a:solidFill>
+            <a:srgbClr val="27A845"/>
+          </a:solidFill>
+          <a:ln>
+            <a:noFill/>
+          </a:ln>
+        </p:spPr>
+        <p:txBody>
+          <a:bodyPr spcFirstLastPara="1" wrap="square" lIns="63294" tIns="31638" rIns="63294" bIns="31638" anchor="ctr" anchorCtr="0">
+            <a:noAutofit/>
+          </a:bodyPr>
+          <a:lstStyle/>
+          <a:p>
+            <a:pPr algn="ctr"/>
+            <a:r>
+              <a:rPr lang="en-GB" sz="762" b="1" dirty="0">
+                <a:solidFill>
+                  <a:schemeClr val="lt1"/>
+                </a:solidFill>
+                <a:latin typeface="Roboto Slab"/>
+                <a:ea typeface="Roboto Slab"/>
+                <a:cs typeface="Roboto Slab"/>
+                <a:sym typeface="Roboto Slab"/>
+              </a:rPr>
+              <a:t>Land-use/land-cover (LULC), </a:t>
+            </a:r>
+            <a:r>
+              <a:rPr lang="en-GB" sz="762" b="1" dirty="0" err="1">
+                <a:solidFill>
+                  <a:schemeClr val="lt1"/>
+                </a:solidFill>
+                <a:latin typeface="Roboto Slab"/>
+                <a:ea typeface="Roboto Slab"/>
+                <a:cs typeface="Roboto Slab"/>
+                <a:sym typeface="Roboto Slab"/>
+              </a:rPr>
+              <a:t>GeoTIFF</a:t>
+            </a:r>
+            <a:endParaRPr sz="762" b="1" dirty="0">
+              <a:solidFill>
+                <a:schemeClr val="lt1"/>
+              </a:solidFill>
+              <a:latin typeface="Roboto Slab"/>
+              <a:ea typeface="Roboto Slab"/>
+              <a:cs typeface="Roboto Slab"/>
+              <a:sym typeface="Roboto Slab"/>
+            </a:endParaRPr>
+          </a:p>
+        </p:txBody>
+      </p:sp>
+      <p:sp>
+        <p:nvSpPr>
+          <p:cNvPr id="119" name="Google Shape;119;g2b6ec6cbb0c_0_0"/>
+          <p:cNvSpPr/>
+          <p:nvPr/>
+        </p:nvSpPr>
+        <p:spPr>
+          <a:xfrm>
+            <a:off x="7492594" y="1949468"/>
+            <a:ext cx="2794915" cy="219531"/>
+          </a:xfrm>
+          <a:prstGeom prst="rect">
+            <a:avLst/>
+          </a:prstGeom>
+          <a:solidFill>
+            <a:srgbClr val="E9F4EA"/>
+          </a:solidFill>
+          <a:ln>
+            <a:noFill/>
+          </a:ln>
+          <a:effectLst>
+            <a:outerShdw blurRad="57150" dist="19050" dir="5400000" algn="bl" rotWithShape="0">
+              <a:srgbClr val="000000">
+                <a:alpha val="50000"/>
+              </a:srgbClr>
+            </a:outerShdw>
+          </a:effectLst>
+        </p:spPr>
+        <p:txBody>
+          <a:bodyPr spcFirstLastPara="1" wrap="square" lIns="63294" tIns="31638" rIns="63294" bIns="31638" anchor="ctr" anchorCtr="0">
+            <a:noAutofit/>
+          </a:bodyPr>
+          <a:lstStyle/>
+          <a:p>
+            <a:pPr algn="ctr"/>
+            <a:r>
+              <a:rPr lang="en-GB" sz="762" b="1" i="1">
+                <a:solidFill>
+                  <a:schemeClr val="dk1"/>
+                </a:solidFill>
+                <a:latin typeface="Roboto Slab"/>
+                <a:ea typeface="Roboto Slab"/>
+                <a:cs typeface="Roboto Slab"/>
+                <a:sym typeface="Roboto Slab"/>
+              </a:rPr>
+              <a:t>Lines/multilines</a:t>
+            </a:r>
+            <a:endParaRPr sz="762" b="1" i="1">
+              <a:solidFill>
+                <a:schemeClr val="dk1"/>
+              </a:solidFill>
+              <a:latin typeface="Roboto Slab"/>
+              <a:ea typeface="Roboto Slab"/>
+              <a:cs typeface="Roboto Slab"/>
+              <a:sym typeface="Roboto Slab"/>
+            </a:endParaRPr>
+          </a:p>
+        </p:txBody>
+      </p:sp>
+      <p:sp>
+        <p:nvSpPr>
+          <p:cNvPr id="120" name="Google Shape;120;g2b6ec6cbb0c_0_0"/>
+          <p:cNvSpPr/>
+          <p:nvPr/>
+        </p:nvSpPr>
+        <p:spPr>
+          <a:xfrm>
+            <a:off x="10480044" y="1954807"/>
+            <a:ext cx="1384527" cy="230123"/>
+          </a:xfrm>
+          <a:prstGeom prst="rect">
+            <a:avLst/>
+          </a:prstGeom>
+          <a:solidFill>
+            <a:srgbClr val="F3F4FF"/>
+          </a:solidFill>
+          <a:ln>
+            <a:noFill/>
+          </a:ln>
+          <a:effectLst>
+            <a:outerShdw blurRad="57150" dist="19050" dir="5400000" algn="bl" rotWithShape="0">
+              <a:srgbClr val="000000">
+                <a:alpha val="50000"/>
+              </a:srgbClr>
+            </a:outerShdw>
+          </a:effectLst>
+        </p:spPr>
+        <p:txBody>
+          <a:bodyPr spcFirstLastPara="1" wrap="square" lIns="63294" tIns="31638" rIns="63294" bIns="31638" anchor="ctr" anchorCtr="0">
+            <a:noAutofit/>
+          </a:bodyPr>
+          <a:lstStyle/>
+          <a:p>
+            <a:pPr algn="ctr"/>
+            <a:r>
+              <a:rPr lang="en-GB" sz="762" b="1" i="1">
+                <a:solidFill>
+                  <a:schemeClr val="dk1"/>
+                </a:solidFill>
+                <a:latin typeface="Roboto Slab"/>
+                <a:ea typeface="Roboto Slab"/>
+                <a:cs typeface="Roboto Slab"/>
+                <a:sym typeface="Roboto Slab"/>
+              </a:rPr>
+              <a:t>Polygons/multipolygons</a:t>
+            </a:r>
+            <a:endParaRPr sz="762" b="1" i="1">
+              <a:solidFill>
+                <a:schemeClr val="dk1"/>
+              </a:solidFill>
+              <a:latin typeface="Roboto Slab"/>
+              <a:ea typeface="Roboto Slab"/>
+              <a:cs typeface="Roboto Slab"/>
+              <a:sym typeface="Roboto Slab"/>
+            </a:endParaRPr>
+          </a:p>
+        </p:txBody>
+      </p:sp>
+      <p:cxnSp>
+        <p:nvCxnSpPr>
+          <p:cNvPr id="127" name="Google Shape;127;g2b6ec6cbb0c_0_0"/>
+          <p:cNvCxnSpPr>
+            <a:cxnSpLocks/>
+            <a:stCxn id="99" idx="2"/>
+            <a:endCxn id="128" idx="0"/>
+          </p:cNvCxnSpPr>
+          <p:nvPr/>
+        </p:nvCxnSpPr>
+        <p:spPr>
+          <a:xfrm>
+            <a:off x="9953485" y="4029600"/>
+            <a:ext cx="22306" cy="1071288"/>
+          </a:xfrm>
+          <a:prstGeom prst="straightConnector1">
+            <a:avLst/>
+          </a:prstGeom>
+          <a:noFill/>
+          <a:ln w="19050" cap="flat" cmpd="sng">
+            <a:solidFill>
+              <a:srgbClr val="343434"/>
+            </a:solidFill>
+            <a:prstDash val="solid"/>
+            <a:miter lim="800000"/>
+            <a:headEnd type="none" w="sm" len="sm"/>
+            <a:tailEnd type="triangle" w="med" len="med"/>
+          </a:ln>
+        </p:spPr>
+      </p:cxnSp>
+      <p:sp>
+        <p:nvSpPr>
+          <p:cNvPr id="128" name="Google Shape;128;g2b6ec6cbb0c_0_0"/>
+          <p:cNvSpPr/>
+          <p:nvPr/>
+        </p:nvSpPr>
+        <p:spPr>
+          <a:xfrm>
+            <a:off x="8578333" y="5100888"/>
+            <a:ext cx="2794915" cy="315900"/>
+          </a:xfrm>
+          <a:prstGeom prst="rect">
+            <a:avLst/>
+          </a:prstGeom>
+          <a:solidFill>
+            <a:srgbClr val="69F0BC"/>
+          </a:solidFill>
+          <a:ln>
+            <a:noFill/>
+          </a:ln>
+        </p:spPr>
+        <p:txBody>
+          <a:bodyPr spcFirstLastPara="1" wrap="square" lIns="63294" tIns="31638" rIns="63294" bIns="31638" anchor="ctr" anchorCtr="0">
+            <a:noAutofit/>
+          </a:bodyPr>
+          <a:lstStyle/>
+          <a:p>
+            <a:pPr algn="ctr">
+              <a:buSzPts val="1200"/>
+            </a:pPr>
+            <a:r>
+              <a:rPr lang="en-GB" sz="762" b="1" dirty="0">
+                <a:latin typeface="Roboto Slab"/>
+                <a:ea typeface="Roboto Slab"/>
+                <a:cs typeface="Roboto Slab"/>
+                <a:sym typeface="Roboto Slab"/>
+              </a:rPr>
+              <a:t>Follow-up preprocessing</a:t>
+            </a:r>
+            <a:endParaRPr sz="762" b="1" dirty="0">
+              <a:latin typeface="Roboto Slab"/>
+              <a:ea typeface="Roboto Slab"/>
+              <a:cs typeface="Roboto Slab"/>
+              <a:sym typeface="Roboto Slab"/>
+            </a:endParaRPr>
+          </a:p>
+          <a:p>
+            <a:pPr algn="ctr"/>
+            <a:r>
+              <a:rPr lang="en-GB" sz="762" b="1" dirty="0">
+                <a:latin typeface="Roboto Slab"/>
+                <a:ea typeface="Roboto Slab"/>
+                <a:cs typeface="Roboto Slab"/>
+                <a:sym typeface="Roboto Slab"/>
+              </a:rPr>
+              <a:t>Enriching LULC data</a:t>
+            </a:r>
+            <a:endParaRPr sz="762" dirty="0">
+              <a:latin typeface="Roboto Slab"/>
+              <a:ea typeface="Roboto Slab"/>
+              <a:cs typeface="Roboto Slab"/>
+              <a:sym typeface="Roboto Slab"/>
+            </a:endParaRPr>
+          </a:p>
+        </p:txBody>
+      </p:sp>
+      <p:sp>
+        <p:nvSpPr>
+          <p:cNvPr id="129" name="Google Shape;129;g2b6ec6cbb0c_0_0"/>
+          <p:cNvSpPr/>
+          <p:nvPr/>
+        </p:nvSpPr>
+        <p:spPr>
+          <a:xfrm>
+            <a:off x="8578336" y="4730047"/>
+            <a:ext cx="2794913" cy="208315"/>
+          </a:xfrm>
+          <a:prstGeom prst="rect">
+            <a:avLst/>
+          </a:prstGeom>
+          <a:solidFill>
+            <a:schemeClr val="lt1"/>
+          </a:solidFill>
+          <a:ln>
+            <a:noFill/>
+          </a:ln>
+          <a:effectLst>
+            <a:outerShdw blurRad="57150" dist="19050" dir="5400000" algn="bl" rotWithShape="0">
+              <a:srgbClr val="000000">
+                <a:alpha val="50000"/>
+              </a:srgbClr>
+            </a:outerShdw>
+          </a:effectLst>
+        </p:spPr>
+        <p:txBody>
+          <a:bodyPr spcFirstLastPara="1" wrap="square" lIns="63294" tIns="31638" rIns="63294" bIns="31638" anchor="ctr" anchorCtr="0">
+            <a:noAutofit/>
+          </a:bodyPr>
+          <a:lstStyle/>
+          <a:p>
+            <a:pPr algn="ctr">
+              <a:buSzPts val="1200"/>
+            </a:pPr>
+            <a:r>
+              <a:rPr lang="en-GB" sz="762" dirty="0">
+                <a:latin typeface="Roboto Slab"/>
+                <a:ea typeface="Roboto Slab"/>
+                <a:cs typeface="Roboto Slab"/>
+                <a:sym typeface="Roboto Slab"/>
+              </a:rPr>
+              <a:t>Exporting to temporary </a:t>
+            </a:r>
+            <a:r>
+              <a:rPr lang="en-GB" sz="762" dirty="0" err="1">
+                <a:latin typeface="Roboto Slab"/>
+                <a:ea typeface="Roboto Slab"/>
+                <a:cs typeface="Roboto Slab"/>
+                <a:sym typeface="Roboto Slab"/>
+              </a:rPr>
+              <a:t>GeoPackage</a:t>
+            </a:r>
+            <a:endParaRPr sz="762" dirty="0">
+              <a:latin typeface="Roboto Slab"/>
+              <a:ea typeface="Roboto Slab"/>
+              <a:cs typeface="Roboto Slab"/>
+              <a:sym typeface="Roboto Slab"/>
+            </a:endParaRPr>
+          </a:p>
+        </p:txBody>
+      </p:sp>
+      <p:cxnSp>
+        <p:nvCxnSpPr>
+          <p:cNvPr id="131" name="Google Shape;131;g2b6ec6cbb0c_0_0"/>
+          <p:cNvCxnSpPr>
+            <a:cxnSpLocks/>
+            <a:stCxn id="116" idx="2"/>
+            <a:endCxn id="117" idx="0"/>
+          </p:cNvCxnSpPr>
+          <p:nvPr/>
+        </p:nvCxnSpPr>
+        <p:spPr>
+          <a:xfrm>
+            <a:off x="10907208" y="1004761"/>
+            <a:ext cx="1" cy="489045"/>
+          </a:xfrm>
+          <a:prstGeom prst="straightConnector1">
+            <a:avLst/>
+          </a:prstGeom>
+          <a:noFill/>
+          <a:ln w="19050" cap="flat" cmpd="sng">
+            <a:solidFill>
+              <a:srgbClr val="343434"/>
+            </a:solidFill>
+            <a:prstDash val="solid"/>
+            <a:miter lim="800000"/>
+            <a:headEnd type="none" w="sm" len="sm"/>
+            <a:tailEnd type="triangle" w="med" len="med"/>
+          </a:ln>
+        </p:spPr>
+      </p:cxnSp>
+      <p:sp>
+        <p:nvSpPr>
+          <p:cNvPr id="133" name="Google Shape;133;g2b6ec6cbb0c_0_0"/>
+          <p:cNvSpPr/>
+          <p:nvPr/>
+        </p:nvSpPr>
+        <p:spPr>
+          <a:xfrm>
+            <a:off x="7492589" y="2257945"/>
+            <a:ext cx="2794915" cy="309896"/>
+          </a:xfrm>
+          <a:prstGeom prst="rect">
+            <a:avLst/>
+          </a:prstGeom>
+          <a:solidFill>
+            <a:srgbClr val="E9F4EA"/>
+          </a:solidFill>
+          <a:ln>
+            <a:noFill/>
+          </a:ln>
+          <a:effectLst>
+            <a:outerShdw blurRad="57150" dist="19050" dir="5400000" algn="bl" rotWithShape="0">
+              <a:srgbClr val="000000">
+                <a:alpha val="50000"/>
+              </a:srgbClr>
+            </a:outerShdw>
+          </a:effectLst>
+        </p:spPr>
+        <p:txBody>
+          <a:bodyPr spcFirstLastPara="1" wrap="square" lIns="63294" tIns="31638" rIns="63294" bIns="31638" anchor="ctr" anchorCtr="0">
+            <a:noAutofit/>
+          </a:bodyPr>
+          <a:lstStyle/>
+          <a:p>
+            <a:r>
+              <a:rPr lang="en-GB" sz="762" b="1" i="1" dirty="0">
+                <a:solidFill>
+                  <a:schemeClr val="dk1"/>
+                </a:solidFill>
+                <a:latin typeface="Roboto Slab"/>
+                <a:ea typeface="Roboto Slab"/>
+                <a:cs typeface="Roboto Slab"/>
+                <a:sym typeface="Roboto Slab"/>
+              </a:rPr>
+              <a:t>Roads</a:t>
+            </a:r>
+            <a:endParaRPr sz="762" dirty="0">
+              <a:latin typeface="Roboto Slab"/>
+              <a:ea typeface="Roboto Slab"/>
+              <a:cs typeface="Roboto Slab"/>
+              <a:sym typeface="Roboto Slab"/>
+            </a:endParaRPr>
+          </a:p>
+          <a:p>
+            <a:r>
+              <a:rPr lang="en-GB" sz="623" b="1" dirty="0">
+                <a:solidFill>
+                  <a:schemeClr val="accent1"/>
+                </a:solidFill>
+                <a:latin typeface="Roboto Slab"/>
+                <a:ea typeface="Roboto Slab"/>
+                <a:cs typeface="Roboto Slab"/>
+                <a:sym typeface="Roboto Slab"/>
+              </a:rPr>
+              <a:t>tags</a:t>
+            </a:r>
+            <a:r>
+              <a:rPr lang="en-GB" sz="623" dirty="0">
+                <a:solidFill>
+                  <a:srgbClr val="CCCCCC"/>
+                </a:solidFill>
+                <a:latin typeface="Roboto Slab"/>
+                <a:ea typeface="Roboto Slab"/>
+                <a:cs typeface="Roboto Slab"/>
+                <a:sym typeface="Roboto Slab"/>
+              </a:rPr>
+              <a:t> </a:t>
+            </a:r>
+            <a:r>
+              <a:rPr lang="en-GB" sz="623" dirty="0">
+                <a:solidFill>
+                  <a:schemeClr val="bg1">
+                    <a:lumMod val="65000"/>
+                  </a:schemeClr>
+                </a:solidFill>
+                <a:latin typeface="Roboto Slab"/>
+                <a:ea typeface="Roboto Slab"/>
+                <a:cs typeface="Roboto Slab"/>
+                <a:sym typeface="Roboto Slab"/>
+              </a:rPr>
+              <a:t>= "</a:t>
+            </a:r>
+            <a:r>
+              <a:rPr lang="en-GB" sz="623" dirty="0">
+                <a:solidFill>
+                  <a:srgbClr val="FF0000"/>
+                </a:solidFill>
+                <a:latin typeface="Roboto Slab"/>
+                <a:ea typeface="Roboto Slab"/>
+                <a:cs typeface="Roboto Slab"/>
+                <a:sym typeface="Roboto Slab"/>
+              </a:rPr>
+              <a:t>highway</a:t>
+            </a:r>
+            <a:r>
+              <a:rPr lang="en-GB" sz="623" dirty="0">
+                <a:solidFill>
+                  <a:schemeClr val="bg1">
+                    <a:lumMod val="65000"/>
+                  </a:schemeClr>
+                </a:solidFill>
+                <a:latin typeface="Roboto Slab"/>
+                <a:ea typeface="Roboto Slab"/>
+                <a:cs typeface="Roboto Slab"/>
+                <a:sym typeface="Roboto Slab"/>
+              </a:rPr>
+              <a:t>"~"</a:t>
+            </a:r>
+            <a:r>
+              <a:rPr lang="en-GB" sz="623" dirty="0">
+                <a:solidFill>
+                  <a:srgbClr val="CE9178"/>
+                </a:solidFill>
+                <a:latin typeface="Roboto Slab"/>
+                <a:ea typeface="Roboto Slab"/>
+                <a:cs typeface="Roboto Slab"/>
+                <a:sym typeface="Roboto Slab"/>
+              </a:rPr>
+              <a:t>(</a:t>
+            </a:r>
+            <a:r>
+              <a:rPr lang="en-GB" sz="623" dirty="0" err="1">
+                <a:solidFill>
+                  <a:srgbClr val="CE9178"/>
+                </a:solidFill>
+                <a:latin typeface="Roboto Slab"/>
+                <a:ea typeface="Roboto Slab"/>
+                <a:cs typeface="Roboto Slab"/>
+                <a:sym typeface="Roboto Slab"/>
+              </a:rPr>
+              <a:t>motorway|trunk|primary|secondary|tertiary</a:t>
+            </a:r>
+            <a:r>
+              <a:rPr lang="en-GB" sz="623" dirty="0">
+                <a:solidFill>
+                  <a:srgbClr val="CE9178"/>
+                </a:solidFill>
+                <a:latin typeface="Roboto Slab"/>
+                <a:ea typeface="Roboto Slab"/>
+                <a:cs typeface="Roboto Slab"/>
+                <a:sym typeface="Roboto Slab"/>
+              </a:rPr>
+              <a:t>)</a:t>
+            </a:r>
+            <a:r>
+              <a:rPr lang="en-GB" sz="623" dirty="0">
+                <a:solidFill>
+                  <a:schemeClr val="bg1">
+                    <a:lumMod val="65000"/>
+                  </a:schemeClr>
+                </a:solidFill>
+                <a:latin typeface="Roboto Slab"/>
+                <a:ea typeface="Roboto Slab"/>
+                <a:cs typeface="Roboto Slab"/>
+                <a:sym typeface="Roboto Slab"/>
+              </a:rPr>
+              <a:t>"</a:t>
+            </a:r>
+          </a:p>
+        </p:txBody>
+      </p:sp>
+      <p:sp>
+        <p:nvSpPr>
+          <p:cNvPr id="134" name="Google Shape;134;g2b6ec6cbb0c_0_0"/>
+          <p:cNvSpPr/>
+          <p:nvPr/>
+        </p:nvSpPr>
+        <p:spPr>
+          <a:xfrm>
+            <a:off x="7492588" y="2620608"/>
+            <a:ext cx="2794915" cy="287654"/>
+          </a:xfrm>
+          <a:prstGeom prst="rect">
+            <a:avLst/>
+          </a:prstGeom>
+          <a:solidFill>
+            <a:srgbClr val="E9F4EA"/>
+          </a:solidFill>
+          <a:ln>
+            <a:noFill/>
+          </a:ln>
+          <a:effectLst>
+            <a:outerShdw blurRad="57150" dist="19050" dir="5400000" algn="bl" rotWithShape="0">
+              <a:srgbClr val="000000">
+                <a:alpha val="50000"/>
+              </a:srgbClr>
+            </a:outerShdw>
+          </a:effectLst>
+        </p:spPr>
+        <p:txBody>
+          <a:bodyPr spcFirstLastPara="1" wrap="square" lIns="63294" tIns="31638" rIns="63294" bIns="31638" anchor="ctr" anchorCtr="0">
+            <a:noAutofit/>
+          </a:bodyPr>
+          <a:lstStyle/>
+          <a:p>
+            <a:r>
+              <a:rPr lang="en-GB" sz="762" b="1" i="1" dirty="0">
+                <a:solidFill>
+                  <a:schemeClr val="dk1"/>
+                </a:solidFill>
+                <a:latin typeface="Roboto Slab"/>
+                <a:ea typeface="Roboto Slab"/>
+                <a:cs typeface="Roboto Slab"/>
+                <a:sym typeface="Roboto Slab"/>
+              </a:rPr>
+              <a:t>Railways</a:t>
+            </a:r>
+            <a:endParaRPr sz="762" dirty="0">
+              <a:latin typeface="Roboto Slab"/>
+              <a:ea typeface="Roboto Slab"/>
+              <a:cs typeface="Roboto Slab"/>
+              <a:sym typeface="Roboto Slab"/>
+            </a:endParaRPr>
+          </a:p>
+          <a:p>
+            <a:r>
+              <a:rPr lang="en-GB" sz="623" b="1" dirty="0">
+                <a:solidFill>
+                  <a:schemeClr val="accent1"/>
+                </a:solidFill>
+                <a:latin typeface="Roboto Slab"/>
+                <a:ea typeface="Roboto Slab"/>
+                <a:cs typeface="Roboto Slab"/>
+                <a:sym typeface="Roboto Slab"/>
+              </a:rPr>
+              <a:t>tags</a:t>
+            </a:r>
+            <a:r>
+              <a:rPr lang="en-GB" sz="623" dirty="0">
+                <a:solidFill>
+                  <a:srgbClr val="CCCCCC"/>
+                </a:solidFill>
+                <a:latin typeface="Roboto Slab"/>
+                <a:ea typeface="Roboto Slab"/>
+                <a:cs typeface="Roboto Slab"/>
+                <a:sym typeface="Roboto Slab"/>
+              </a:rPr>
+              <a:t> </a:t>
+            </a:r>
+            <a:r>
+              <a:rPr lang="en-GB" sz="623" dirty="0">
+                <a:solidFill>
+                  <a:schemeClr val="bg1">
+                    <a:lumMod val="65000"/>
+                  </a:schemeClr>
+                </a:solidFill>
+                <a:latin typeface="Roboto Slab"/>
+                <a:ea typeface="Roboto Slab"/>
+                <a:cs typeface="Roboto Slab"/>
+                <a:sym typeface="Roboto Slab"/>
+              </a:rPr>
+              <a:t>= "</a:t>
+            </a:r>
+            <a:r>
+              <a:rPr lang="en-GB" sz="623" dirty="0">
+                <a:solidFill>
+                  <a:srgbClr val="FF0000"/>
+                </a:solidFill>
+                <a:latin typeface="Roboto Slab"/>
+                <a:ea typeface="Roboto Slab"/>
+                <a:cs typeface="Roboto Slab"/>
+                <a:sym typeface="Roboto Slab"/>
+              </a:rPr>
+              <a:t>railway</a:t>
+            </a:r>
+            <a:r>
+              <a:rPr lang="en-GB" sz="623" dirty="0">
+                <a:solidFill>
+                  <a:schemeClr val="bg1">
+                    <a:lumMod val="65000"/>
+                  </a:schemeClr>
+                </a:solidFill>
+                <a:latin typeface="Roboto Slab"/>
+                <a:ea typeface="Roboto Slab"/>
+                <a:cs typeface="Roboto Slab"/>
+                <a:sym typeface="Roboto Slab"/>
+              </a:rPr>
+              <a:t>"~"</a:t>
+            </a:r>
+            <a:r>
+              <a:rPr lang="en-GB" sz="623" dirty="0">
+                <a:solidFill>
+                  <a:srgbClr val="CE9178"/>
+                </a:solidFill>
+                <a:latin typeface="Roboto Slab"/>
+                <a:ea typeface="Roboto Slab"/>
+                <a:cs typeface="Roboto Slab"/>
+                <a:sym typeface="Roboto Slab"/>
+              </a:rPr>
+              <a:t>(</a:t>
+            </a:r>
+            <a:r>
+              <a:rPr lang="en-GB" sz="623" dirty="0" err="1">
+                <a:solidFill>
+                  <a:srgbClr val="CE9178"/>
+                </a:solidFill>
+                <a:latin typeface="Roboto Slab"/>
+                <a:ea typeface="Roboto Slab"/>
+                <a:cs typeface="Roboto Slab"/>
+                <a:sym typeface="Roboto Slab"/>
+              </a:rPr>
+              <a:t>rail|light_rail|narrow_gauge|tram|preserved</a:t>
+            </a:r>
+            <a:r>
+              <a:rPr lang="en-GB" sz="623" dirty="0">
+                <a:solidFill>
+                  <a:srgbClr val="CE9178"/>
+                </a:solidFill>
+                <a:latin typeface="Roboto Slab"/>
+                <a:ea typeface="Roboto Slab"/>
+                <a:cs typeface="Roboto Slab"/>
+                <a:sym typeface="Roboto Slab"/>
+              </a:rPr>
+              <a:t>)</a:t>
+            </a:r>
+            <a:r>
+              <a:rPr lang="en-GB" sz="623" dirty="0">
+                <a:solidFill>
+                  <a:schemeClr val="bg1">
+                    <a:lumMod val="65000"/>
+                  </a:schemeClr>
+                </a:solidFill>
+                <a:latin typeface="Roboto Slab"/>
+                <a:ea typeface="Roboto Slab"/>
+                <a:cs typeface="Roboto Slab"/>
+                <a:sym typeface="Roboto Slab"/>
+              </a:rPr>
+              <a:t>“</a:t>
+            </a:r>
+          </a:p>
+        </p:txBody>
+      </p:sp>
+      <p:sp>
+        <p:nvSpPr>
+          <p:cNvPr id="135" name="Google Shape;135;g2b6ec6cbb0c_0_0"/>
+          <p:cNvSpPr/>
+          <p:nvPr/>
+        </p:nvSpPr>
+        <p:spPr>
+          <a:xfrm>
+            <a:off x="7492589" y="3006195"/>
+            <a:ext cx="2794915" cy="289108"/>
+          </a:xfrm>
+          <a:prstGeom prst="rect">
+            <a:avLst/>
+          </a:prstGeom>
+          <a:solidFill>
+            <a:srgbClr val="E9F4EA"/>
+          </a:solidFill>
+          <a:ln>
+            <a:noFill/>
+          </a:ln>
+          <a:effectLst>
+            <a:outerShdw blurRad="57150" dist="19050" dir="5400000" algn="bl" rotWithShape="0">
+              <a:srgbClr val="000000">
+                <a:alpha val="50000"/>
+              </a:srgbClr>
+            </a:outerShdw>
+          </a:effectLst>
+        </p:spPr>
+        <p:txBody>
+          <a:bodyPr spcFirstLastPara="1" wrap="square" lIns="63294" tIns="31638" rIns="63294" bIns="31638" anchor="ctr" anchorCtr="0">
+            <a:noAutofit/>
+          </a:bodyPr>
+          <a:lstStyle/>
+          <a:p>
+            <a:r>
+              <a:rPr lang="en-GB" sz="762" b="1" i="1" dirty="0">
+                <a:solidFill>
+                  <a:schemeClr val="dk1"/>
+                </a:solidFill>
+                <a:latin typeface="Roboto Slab"/>
+                <a:ea typeface="Roboto Slab"/>
+                <a:cs typeface="Roboto Slab"/>
+                <a:sym typeface="Roboto Slab"/>
+              </a:rPr>
+              <a:t>Water lines</a:t>
+            </a:r>
+            <a:endParaRPr sz="900" dirty="0">
+              <a:latin typeface="Roboto Slab"/>
+              <a:ea typeface="Roboto Slab"/>
+              <a:cs typeface="Roboto Slab"/>
+              <a:sym typeface="Roboto Slab"/>
+            </a:endParaRPr>
+          </a:p>
+          <a:p>
+            <a:r>
+              <a:rPr lang="en-GB" sz="623" b="1" dirty="0">
+                <a:solidFill>
+                  <a:schemeClr val="accent1"/>
+                </a:solidFill>
+                <a:latin typeface="Roboto Slab"/>
+                <a:ea typeface="Roboto Slab"/>
+                <a:cs typeface="Roboto Slab"/>
+                <a:sym typeface="Roboto Slab"/>
+              </a:rPr>
+              <a:t>tags</a:t>
+            </a:r>
+            <a:r>
+              <a:rPr lang="en-GB" sz="623" dirty="0">
+                <a:solidFill>
+                  <a:srgbClr val="CCCCCC"/>
+                </a:solidFill>
+                <a:latin typeface="Roboto Slab"/>
+                <a:ea typeface="Roboto Slab"/>
+                <a:cs typeface="Roboto Slab"/>
+                <a:sym typeface="Roboto Slab"/>
+              </a:rPr>
+              <a:t> </a:t>
+            </a:r>
+            <a:r>
+              <a:rPr lang="en-GB" sz="623" dirty="0">
+                <a:solidFill>
+                  <a:schemeClr val="bg1">
+                    <a:lumMod val="65000"/>
+                  </a:schemeClr>
+                </a:solidFill>
+                <a:latin typeface="Roboto Slab"/>
+                <a:ea typeface="Roboto Slab"/>
+                <a:cs typeface="Roboto Slab"/>
+                <a:sym typeface="Roboto Slab"/>
+              </a:rPr>
+              <a:t>= “</a:t>
+            </a:r>
+            <a:r>
+              <a:rPr lang="en-GB" sz="623" dirty="0">
+                <a:solidFill>
+                  <a:srgbClr val="FF0000"/>
+                </a:solidFill>
+                <a:latin typeface="Roboto Slab"/>
+                <a:ea typeface="Roboto Slab"/>
+                <a:cs typeface="Roboto Slab"/>
+                <a:sym typeface="Roboto Slab"/>
+              </a:rPr>
+              <a:t>waterway</a:t>
+            </a:r>
+            <a:r>
+              <a:rPr lang="en-GB" sz="623" dirty="0">
+                <a:solidFill>
+                  <a:schemeClr val="bg1">
+                    <a:lumMod val="65000"/>
+                  </a:schemeClr>
+                </a:solidFill>
+                <a:latin typeface="Roboto Slab"/>
+                <a:ea typeface="Roboto Slab"/>
+                <a:cs typeface="Roboto Slab"/>
+                <a:sym typeface="Roboto Slab"/>
+              </a:rPr>
+              <a:t>"~"</a:t>
+            </a:r>
+            <a:r>
+              <a:rPr lang="en-GB" sz="623" dirty="0">
+                <a:solidFill>
+                  <a:srgbClr val="CE9178"/>
+                </a:solidFill>
+                <a:latin typeface="Roboto Slab"/>
+                <a:ea typeface="Roboto Slab"/>
+                <a:cs typeface="Roboto Slab"/>
+                <a:sym typeface="Roboto Slab"/>
+              </a:rPr>
+              <a:t>^(</a:t>
+            </a:r>
+            <a:r>
+              <a:rPr lang="en-GB" sz="623" dirty="0" err="1">
+                <a:solidFill>
+                  <a:srgbClr val="CE9178"/>
+                </a:solidFill>
+                <a:latin typeface="Roboto Slab"/>
+                <a:ea typeface="Roboto Slab"/>
+                <a:cs typeface="Roboto Slab"/>
+                <a:sym typeface="Roboto Slab"/>
+              </a:rPr>
+              <a:t>river|canal|flowline|tidal_channel</a:t>
+            </a:r>
+            <a:r>
+              <a:rPr lang="en-GB" sz="623" dirty="0">
+                <a:solidFill>
+                  <a:srgbClr val="CE9178"/>
+                </a:solidFill>
+                <a:latin typeface="Roboto Slab"/>
+                <a:ea typeface="Roboto Slab"/>
+                <a:cs typeface="Roboto Slab"/>
+                <a:sym typeface="Roboto Slab"/>
+              </a:rPr>
+              <a:t>)$</a:t>
+            </a:r>
+            <a:r>
+              <a:rPr lang="en-GB" sz="623" dirty="0">
+                <a:solidFill>
+                  <a:schemeClr val="bg1">
+                    <a:lumMod val="65000"/>
+                  </a:schemeClr>
+                </a:solidFill>
+                <a:latin typeface="Roboto Slab"/>
+                <a:ea typeface="Roboto Slab"/>
+                <a:cs typeface="Roboto Slab"/>
+                <a:sym typeface="Roboto Slab"/>
+              </a:rPr>
+              <a:t>"</a:t>
+            </a:r>
+          </a:p>
+        </p:txBody>
+      </p:sp>
+      <p:cxnSp>
+        <p:nvCxnSpPr>
+          <p:cNvPr id="138" name="Google Shape;138;g2b6ec6cbb0c_0_0"/>
+          <p:cNvCxnSpPr>
+            <a:cxnSpLocks/>
+            <a:stCxn id="117" idx="2"/>
+            <a:endCxn id="120" idx="0"/>
+          </p:cNvCxnSpPr>
+          <p:nvPr/>
+        </p:nvCxnSpPr>
+        <p:spPr>
+          <a:xfrm rot="16200000" flipH="1">
+            <a:off x="10923489" y="1705987"/>
+            <a:ext cx="232539" cy="265099"/>
+          </a:xfrm>
+          <a:prstGeom prst="bentConnector3">
+            <a:avLst>
+              <a:gd name="adj1" fmla="val 50000"/>
+            </a:avLst>
+          </a:prstGeom>
+          <a:noFill/>
+          <a:ln w="19050" cap="flat" cmpd="sng">
+            <a:solidFill>
+              <a:srgbClr val="343434"/>
+            </a:solidFill>
+            <a:prstDash val="solid"/>
+            <a:miter lim="800000"/>
+            <a:headEnd type="none" w="sm" len="sm"/>
+            <a:tailEnd type="triangle" w="med" len="med"/>
+          </a:ln>
+        </p:spPr>
+      </p:cxnSp>
+      <p:cxnSp>
+        <p:nvCxnSpPr>
+          <p:cNvPr id="139" name="Google Shape;139;g2b6ec6cbb0c_0_0"/>
+          <p:cNvCxnSpPr>
+            <a:cxnSpLocks/>
+            <a:stCxn id="117" idx="2"/>
+            <a:endCxn id="119" idx="0"/>
+          </p:cNvCxnSpPr>
+          <p:nvPr/>
+        </p:nvCxnSpPr>
+        <p:spPr>
+          <a:xfrm rot="5400000">
+            <a:off x="9785031" y="827290"/>
+            <a:ext cx="227200" cy="2017157"/>
+          </a:xfrm>
+          <a:prstGeom prst="bentConnector3">
+            <a:avLst>
+              <a:gd name="adj1" fmla="val 52794"/>
+            </a:avLst>
+          </a:prstGeom>
+          <a:noFill/>
+          <a:ln w="19050" cap="flat" cmpd="sng">
+            <a:solidFill>
+              <a:srgbClr val="343434"/>
+            </a:solidFill>
+            <a:prstDash val="solid"/>
+            <a:miter lim="800000"/>
+            <a:headEnd type="none" w="sm" len="sm"/>
+            <a:tailEnd type="triangle" w="med" len="med"/>
+          </a:ln>
+        </p:spPr>
+      </p:cxnSp>
+      <p:sp>
+        <p:nvSpPr>
+          <p:cNvPr id="2" name="Google Shape;136;g2b6b2123d36_0_0">
+            <a:extLst>
+              <a:ext uri="{FF2B5EF4-FFF2-40B4-BE49-F238E27FC236}">
+                <a16:creationId xmlns:a16="http://schemas.microsoft.com/office/drawing/2014/main" id="{2B025469-826F-976A-45B7-2ECF1E298A8A}"/>
+              </a:ext>
+            </a:extLst>
+          </p:cNvPr>
+          <p:cNvSpPr txBox="1"/>
+          <p:nvPr/>
+        </p:nvSpPr>
+        <p:spPr>
+          <a:xfrm>
+            <a:off x="327424" y="46420"/>
+            <a:ext cx="4172225" cy="662614"/>
+          </a:xfrm>
+          <a:prstGeom prst="rect">
+            <a:avLst/>
+          </a:prstGeom>
+          <a:noFill/>
+          <a:ln>
+            <a:noFill/>
+          </a:ln>
+        </p:spPr>
+        <p:txBody>
+          <a:bodyPr spcFirstLastPara="1" wrap="square" lIns="91425" tIns="45700" rIns="91425" bIns="45700" anchor="ctr" anchorCtr="0">
+            <a:noAutofit/>
+          </a:bodyPr>
+          <a:lstStyle/>
+          <a:p>
+            <a:pPr marL="0" marR="0" lvl="0" indent="0" algn="ctr" rtl="0">
+              <a:spcBef>
+                <a:spcPts val="0"/>
+              </a:spcBef>
+              <a:spcAft>
+                <a:spcPts val="0"/>
+              </a:spcAft>
+              <a:buNone/>
+            </a:pPr>
+            <a:r>
+              <a:rPr lang="en-GB" sz="2400" b="1" u="none" strike="noStrike" cap="none" dirty="0">
+                <a:solidFill>
+                  <a:schemeClr val="dk1"/>
+                </a:solidFill>
+                <a:latin typeface="Josefin Sans"/>
+                <a:ea typeface="Josefin Sans"/>
+                <a:cs typeface="Josefin Sans"/>
+                <a:sym typeface="Josefin Sans"/>
+              </a:rPr>
+              <a:t>February 2024</a:t>
+            </a:r>
+            <a:endParaRPr dirty="0">
+              <a:latin typeface="Josefin Sans"/>
+              <a:ea typeface="Josefin Sans"/>
+              <a:cs typeface="Josefin Sans"/>
+              <a:sym typeface="Josefin Sans"/>
+            </a:endParaRPr>
+          </a:p>
+        </p:txBody>
+      </p:sp>
+      <p:sp>
+        <p:nvSpPr>
+          <p:cNvPr id="31" name="Google Shape;116;g2b6ec6cbb0c_0_0">
+            <a:extLst>
+              <a:ext uri="{FF2B5EF4-FFF2-40B4-BE49-F238E27FC236}">
+                <a16:creationId xmlns:a16="http://schemas.microsoft.com/office/drawing/2014/main" id="{B9CE7388-D5A3-5874-ABFB-F6D6893E2E8F}"/>
+              </a:ext>
+            </a:extLst>
+          </p:cNvPr>
+          <p:cNvSpPr/>
+          <p:nvPr/>
+        </p:nvSpPr>
+        <p:spPr>
+          <a:xfrm>
+            <a:off x="2961650" y="792800"/>
+            <a:ext cx="1907446" cy="228462"/>
+          </a:xfrm>
+          <a:prstGeom prst="rect">
+            <a:avLst/>
+          </a:prstGeom>
+          <a:solidFill>
+            <a:srgbClr val="69F0BC"/>
+          </a:solidFill>
+          <a:ln>
+            <a:noFill/>
+          </a:ln>
+        </p:spPr>
+        <p:txBody>
+          <a:bodyPr spcFirstLastPara="1" wrap="square" lIns="63294" tIns="31638" rIns="63294" bIns="31638" anchor="ctr" anchorCtr="0">
+            <a:noAutofit/>
+          </a:bodyPr>
+          <a:lstStyle/>
+          <a:p>
+            <a:pPr algn="ctr"/>
+            <a:r>
+              <a:rPr lang="en-GB" sz="762" b="1" dirty="0">
+                <a:solidFill>
+                  <a:schemeClr val="dk1"/>
+                </a:solidFill>
+                <a:latin typeface="Roboto Slab"/>
+                <a:ea typeface="Roboto Slab"/>
+                <a:cs typeface="Roboto Slab"/>
+                <a:sym typeface="Roboto Slab"/>
+              </a:rPr>
+              <a:t>Open Street Map (OSM)</a:t>
+            </a:r>
+            <a:endParaRPr sz="762" b="1" i="1" dirty="0">
+              <a:solidFill>
+                <a:schemeClr val="dk1"/>
+              </a:solidFill>
+              <a:latin typeface="Roboto Slab"/>
+              <a:ea typeface="Roboto Slab"/>
+              <a:cs typeface="Roboto Slab"/>
+              <a:sym typeface="Roboto Slab"/>
+            </a:endParaRPr>
+          </a:p>
+        </p:txBody>
+      </p:sp>
+      <p:sp>
+        <p:nvSpPr>
+          <p:cNvPr id="32" name="Google Shape;117;g2b6ec6cbb0c_0_0">
+            <a:extLst>
+              <a:ext uri="{FF2B5EF4-FFF2-40B4-BE49-F238E27FC236}">
+                <a16:creationId xmlns:a16="http://schemas.microsoft.com/office/drawing/2014/main" id="{57300042-E7C9-0F10-DDF7-6633F3265365}"/>
+              </a:ext>
+            </a:extLst>
+          </p:cNvPr>
+          <p:cNvSpPr/>
+          <p:nvPr/>
+        </p:nvSpPr>
+        <p:spPr>
+          <a:xfrm>
+            <a:off x="2961650" y="1510307"/>
+            <a:ext cx="1907446" cy="228462"/>
+          </a:xfrm>
+          <a:prstGeom prst="rect">
+            <a:avLst/>
+          </a:prstGeom>
+          <a:solidFill>
+            <a:srgbClr val="69F0BC"/>
+          </a:solidFill>
+          <a:ln>
+            <a:noFill/>
+          </a:ln>
+        </p:spPr>
+        <p:txBody>
+          <a:bodyPr spcFirstLastPara="1" wrap="square" lIns="63294" tIns="31638" rIns="63294" bIns="31638" anchor="ctr" anchorCtr="0">
+            <a:noAutofit/>
+          </a:bodyPr>
+          <a:lstStyle/>
+          <a:p>
+            <a:pPr algn="ctr"/>
+            <a:r>
+              <a:rPr lang="en-GB" sz="762" b="1" dirty="0" err="1">
+                <a:solidFill>
+                  <a:schemeClr val="dk1"/>
+                </a:solidFill>
+                <a:latin typeface="Roboto Slab"/>
+                <a:ea typeface="Roboto Slab"/>
+                <a:cs typeface="Roboto Slab"/>
+                <a:sym typeface="Roboto Slab"/>
+              </a:rPr>
+              <a:t>NominatimAPI</a:t>
+            </a:r>
+            <a:r>
+              <a:rPr lang="en-GB" sz="762" b="1" dirty="0">
+                <a:solidFill>
+                  <a:schemeClr val="dk1"/>
+                </a:solidFill>
+                <a:latin typeface="Roboto Slab"/>
+                <a:ea typeface="Roboto Slab"/>
+                <a:cs typeface="Roboto Slab"/>
+                <a:sym typeface="Roboto Slab"/>
+              </a:rPr>
+              <a:t> queries</a:t>
+            </a:r>
+            <a:endParaRPr sz="762" b="1" i="1" dirty="0">
+              <a:solidFill>
+                <a:schemeClr val="dk1"/>
+              </a:solidFill>
+              <a:latin typeface="Roboto Slab"/>
+              <a:ea typeface="Roboto Slab"/>
+              <a:cs typeface="Roboto Slab"/>
+              <a:sym typeface="Roboto Slab"/>
+            </a:endParaRPr>
+          </a:p>
+        </p:txBody>
+      </p:sp>
+      <p:sp>
+        <p:nvSpPr>
+          <p:cNvPr id="33" name="Google Shape;118;g2b6ec6cbb0c_0_0">
+            <a:extLst>
+              <a:ext uri="{FF2B5EF4-FFF2-40B4-BE49-F238E27FC236}">
+                <a16:creationId xmlns:a16="http://schemas.microsoft.com/office/drawing/2014/main" id="{9FDE3BF1-C973-2282-A14C-834E6FE4D7BC}"/>
+              </a:ext>
+            </a:extLst>
+          </p:cNvPr>
+          <p:cNvSpPr/>
+          <p:nvPr/>
+        </p:nvSpPr>
+        <p:spPr>
+          <a:xfrm>
+            <a:off x="689182" y="794415"/>
+            <a:ext cx="1951477" cy="231162"/>
+          </a:xfrm>
+          <a:prstGeom prst="rect">
+            <a:avLst/>
+          </a:prstGeom>
+          <a:solidFill>
+            <a:srgbClr val="27A845"/>
+          </a:solidFill>
+          <a:ln>
+            <a:noFill/>
+          </a:ln>
+        </p:spPr>
+        <p:txBody>
+          <a:bodyPr spcFirstLastPara="1" wrap="square" lIns="63294" tIns="31638" rIns="63294" bIns="31638" anchor="ctr" anchorCtr="0">
+            <a:noAutofit/>
+          </a:bodyPr>
+          <a:lstStyle/>
+          <a:p>
+            <a:pPr algn="ctr"/>
+            <a:r>
+              <a:rPr lang="en-GB" sz="762" b="1">
+                <a:solidFill>
+                  <a:schemeClr val="lt1"/>
+                </a:solidFill>
+                <a:latin typeface="Roboto Slab"/>
+                <a:ea typeface="Roboto Slab"/>
+                <a:cs typeface="Roboto Slab"/>
+                <a:sym typeface="Roboto Slab"/>
+              </a:rPr>
+              <a:t>Land-use/land-cover (LULC), geotif</a:t>
+            </a:r>
+            <a:endParaRPr sz="762" b="1">
+              <a:solidFill>
+                <a:schemeClr val="lt1"/>
+              </a:solidFill>
+              <a:latin typeface="Roboto Slab"/>
+              <a:ea typeface="Roboto Slab"/>
+              <a:cs typeface="Roboto Slab"/>
+              <a:sym typeface="Roboto Slab"/>
+            </a:endParaRPr>
+          </a:p>
+        </p:txBody>
+      </p:sp>
+      <p:sp>
+        <p:nvSpPr>
+          <p:cNvPr id="34" name="Google Shape;119;g2b6ec6cbb0c_0_0">
+            <a:extLst>
+              <a:ext uri="{FF2B5EF4-FFF2-40B4-BE49-F238E27FC236}">
+                <a16:creationId xmlns:a16="http://schemas.microsoft.com/office/drawing/2014/main" id="{775DE2D4-CE7D-5D6D-9603-50950ADC1D52}"/>
+              </a:ext>
+            </a:extLst>
+          </p:cNvPr>
+          <p:cNvSpPr/>
+          <p:nvPr/>
+        </p:nvSpPr>
+        <p:spPr>
+          <a:xfrm>
+            <a:off x="676674" y="1965969"/>
+            <a:ext cx="2794915" cy="219531"/>
+          </a:xfrm>
+          <a:prstGeom prst="rect">
+            <a:avLst/>
+          </a:prstGeom>
+          <a:solidFill>
+            <a:srgbClr val="E9F4EA"/>
+          </a:solidFill>
+          <a:ln>
+            <a:noFill/>
+          </a:ln>
+          <a:effectLst>
+            <a:outerShdw blurRad="57150" dist="19050" dir="5400000" algn="bl" rotWithShape="0">
+              <a:srgbClr val="000000">
+                <a:alpha val="50000"/>
+              </a:srgbClr>
+            </a:outerShdw>
+          </a:effectLst>
+        </p:spPr>
+        <p:txBody>
+          <a:bodyPr spcFirstLastPara="1" wrap="square" lIns="63294" tIns="31638" rIns="63294" bIns="31638" anchor="ctr" anchorCtr="0">
+            <a:noAutofit/>
+          </a:bodyPr>
+          <a:lstStyle/>
+          <a:p>
+            <a:pPr algn="ctr"/>
+            <a:r>
+              <a:rPr lang="en-GB" sz="762" b="1" i="1">
+                <a:solidFill>
+                  <a:schemeClr val="dk1"/>
+                </a:solidFill>
+                <a:latin typeface="Roboto Slab"/>
+                <a:ea typeface="Roboto Slab"/>
+                <a:cs typeface="Roboto Slab"/>
+                <a:sym typeface="Roboto Slab"/>
+              </a:rPr>
+              <a:t>Lines/multilines</a:t>
+            </a:r>
+            <a:endParaRPr sz="762" b="1" i="1">
+              <a:solidFill>
+                <a:schemeClr val="dk1"/>
+              </a:solidFill>
+              <a:latin typeface="Roboto Slab"/>
+              <a:ea typeface="Roboto Slab"/>
+              <a:cs typeface="Roboto Slab"/>
+              <a:sym typeface="Roboto Slab"/>
+            </a:endParaRPr>
+          </a:p>
+        </p:txBody>
+      </p:sp>
+      <p:sp>
+        <p:nvSpPr>
+          <p:cNvPr id="35" name="Google Shape;120;g2b6ec6cbb0c_0_0">
+            <a:extLst>
+              <a:ext uri="{FF2B5EF4-FFF2-40B4-BE49-F238E27FC236}">
+                <a16:creationId xmlns:a16="http://schemas.microsoft.com/office/drawing/2014/main" id="{F79E089A-2D30-1360-FDDD-2D400C9E1ADE}"/>
+              </a:ext>
+            </a:extLst>
+          </p:cNvPr>
+          <p:cNvSpPr/>
+          <p:nvPr/>
+        </p:nvSpPr>
+        <p:spPr>
+          <a:xfrm>
+            <a:off x="3664125" y="1971308"/>
+            <a:ext cx="1301400" cy="230123"/>
+          </a:xfrm>
+          <a:prstGeom prst="rect">
+            <a:avLst/>
+          </a:prstGeom>
+          <a:solidFill>
+            <a:srgbClr val="F3F4FF"/>
+          </a:solidFill>
+          <a:ln>
+            <a:noFill/>
+          </a:ln>
+          <a:effectLst>
+            <a:outerShdw blurRad="57150" dist="19050" dir="5400000" algn="bl" rotWithShape="0">
+              <a:srgbClr val="000000">
+                <a:alpha val="50000"/>
+              </a:srgbClr>
+            </a:outerShdw>
+          </a:effectLst>
+        </p:spPr>
+        <p:txBody>
+          <a:bodyPr spcFirstLastPara="1" wrap="square" lIns="63294" tIns="31638" rIns="63294" bIns="31638" anchor="ctr" anchorCtr="0">
+            <a:noAutofit/>
+          </a:bodyPr>
+          <a:lstStyle/>
+          <a:p>
+            <a:pPr algn="ctr"/>
+            <a:r>
+              <a:rPr lang="en-GB" sz="762" b="1" i="1">
+                <a:solidFill>
+                  <a:schemeClr val="dk1"/>
+                </a:solidFill>
+                <a:latin typeface="Roboto Slab"/>
+                <a:ea typeface="Roboto Slab"/>
+                <a:cs typeface="Roboto Slab"/>
+                <a:sym typeface="Roboto Slab"/>
+              </a:rPr>
+              <a:t>Polygons/multipolygons</a:t>
+            </a:r>
+            <a:endParaRPr sz="762" b="1" i="1">
+              <a:solidFill>
+                <a:schemeClr val="dk1"/>
+              </a:solidFill>
+              <a:latin typeface="Roboto Slab"/>
+              <a:ea typeface="Roboto Slab"/>
+              <a:cs typeface="Roboto Slab"/>
+              <a:sym typeface="Roboto Slab"/>
+            </a:endParaRPr>
+          </a:p>
+        </p:txBody>
+      </p:sp>
+      <p:sp>
+        <p:nvSpPr>
+          <p:cNvPr id="36" name="Google Shape;121;g2b6ec6cbb0c_0_0">
+            <a:extLst>
+              <a:ext uri="{FF2B5EF4-FFF2-40B4-BE49-F238E27FC236}">
+                <a16:creationId xmlns:a16="http://schemas.microsoft.com/office/drawing/2014/main" id="{F2E4426E-2CDF-50BF-62CB-00A20E4FF2AE}"/>
+              </a:ext>
+            </a:extLst>
+          </p:cNvPr>
+          <p:cNvSpPr/>
+          <p:nvPr/>
+        </p:nvSpPr>
+        <p:spPr>
+          <a:xfrm>
+            <a:off x="689182" y="1508562"/>
+            <a:ext cx="1951477" cy="230123"/>
+          </a:xfrm>
+          <a:prstGeom prst="rect">
+            <a:avLst/>
+          </a:prstGeom>
+          <a:solidFill>
+            <a:schemeClr val="lt1"/>
+          </a:solidFill>
+          <a:ln>
+            <a:noFill/>
+          </a:ln>
+          <a:effectLst>
+            <a:outerShdw blurRad="57150" dist="19050" dir="5400000" algn="bl" rotWithShape="0">
+              <a:srgbClr val="000000">
+                <a:alpha val="50000"/>
+              </a:srgbClr>
+            </a:outerShdw>
+          </a:effectLst>
+        </p:spPr>
+        <p:txBody>
+          <a:bodyPr spcFirstLastPara="1" wrap="square" lIns="63294" tIns="31638" rIns="63294" bIns="31638" anchor="ctr" anchorCtr="0">
+            <a:noAutofit/>
+          </a:bodyPr>
+          <a:lstStyle/>
+          <a:p>
+            <a:pPr algn="ctr"/>
+            <a:r>
+              <a:rPr lang="en-GB" sz="762" dirty="0">
+                <a:solidFill>
+                  <a:schemeClr val="dk1"/>
+                </a:solidFill>
+                <a:latin typeface="Roboto Slab"/>
+                <a:ea typeface="Roboto Slab"/>
+                <a:cs typeface="Roboto Slab"/>
+                <a:sym typeface="Roboto Slab"/>
+              </a:rPr>
+              <a:t>Extracting of raster extent </a:t>
+            </a:r>
+          </a:p>
+          <a:p>
+            <a:pPr algn="ctr"/>
+            <a:r>
+              <a:rPr lang="en-GB" sz="762" dirty="0">
+                <a:solidFill>
+                  <a:schemeClr val="dk1"/>
+                </a:solidFill>
+                <a:latin typeface="Roboto Slab"/>
+                <a:ea typeface="Roboto Slab"/>
+                <a:cs typeface="Roboto Slab"/>
+                <a:sym typeface="Roboto Slab"/>
+              </a:rPr>
+              <a:t>(bounding box) </a:t>
+            </a:r>
+            <a:endParaRPr sz="762" i="1" dirty="0">
+              <a:solidFill>
+                <a:schemeClr val="dk1"/>
+              </a:solidFill>
+              <a:latin typeface="Roboto Slab"/>
+              <a:ea typeface="Roboto Slab"/>
+              <a:cs typeface="Roboto Slab"/>
+              <a:sym typeface="Roboto Slab"/>
+            </a:endParaRPr>
+          </a:p>
+        </p:txBody>
+      </p:sp>
+      <p:cxnSp>
+        <p:nvCxnSpPr>
+          <p:cNvPr id="37" name="Google Shape;122;g2b6ec6cbb0c_0_0">
+            <a:extLst>
+              <a:ext uri="{FF2B5EF4-FFF2-40B4-BE49-F238E27FC236}">
+                <a16:creationId xmlns:a16="http://schemas.microsoft.com/office/drawing/2014/main" id="{859FFA2E-DC53-B436-AC90-4617D2366946}"/>
+              </a:ext>
+            </a:extLst>
+          </p:cNvPr>
+          <p:cNvCxnSpPr>
+            <a:stCxn id="36" idx="3"/>
+            <a:endCxn id="32" idx="1"/>
+          </p:cNvCxnSpPr>
+          <p:nvPr/>
+        </p:nvCxnSpPr>
+        <p:spPr>
+          <a:xfrm>
+            <a:off x="2640659" y="1623624"/>
+            <a:ext cx="321092" cy="831"/>
+          </a:xfrm>
+          <a:prstGeom prst="straightConnector1">
+            <a:avLst/>
+          </a:prstGeom>
+          <a:noFill/>
+          <a:ln w="19050" cap="flat" cmpd="sng">
+            <a:solidFill>
+              <a:srgbClr val="343434"/>
+            </a:solidFill>
+            <a:prstDash val="solid"/>
+            <a:miter lim="800000"/>
+            <a:headEnd type="none" w="sm" len="sm"/>
+            <a:tailEnd type="triangle" w="med" len="med"/>
+          </a:ln>
+        </p:spPr>
+      </p:cxnSp>
+      <p:cxnSp>
+        <p:nvCxnSpPr>
+          <p:cNvPr id="38" name="Google Shape;123;g2b6ec6cbb0c_0_0">
+            <a:extLst>
+              <a:ext uri="{FF2B5EF4-FFF2-40B4-BE49-F238E27FC236}">
+                <a16:creationId xmlns:a16="http://schemas.microsoft.com/office/drawing/2014/main" id="{09C0A13E-13DA-2CA7-EC23-481044B8776D}"/>
+              </a:ext>
+            </a:extLst>
+          </p:cNvPr>
+          <p:cNvCxnSpPr>
+            <a:stCxn id="33" idx="2"/>
+            <a:endCxn id="36" idx="0"/>
+          </p:cNvCxnSpPr>
+          <p:nvPr/>
+        </p:nvCxnSpPr>
+        <p:spPr>
+          <a:xfrm>
+            <a:off x="1664921" y="1025577"/>
+            <a:ext cx="0" cy="482885"/>
+          </a:xfrm>
+          <a:prstGeom prst="straightConnector1">
+            <a:avLst/>
+          </a:prstGeom>
+          <a:noFill/>
+          <a:ln w="19050" cap="flat" cmpd="sng">
+            <a:solidFill>
+              <a:srgbClr val="343434"/>
+            </a:solidFill>
+            <a:prstDash val="solid"/>
+            <a:miter lim="800000"/>
+            <a:headEnd type="none" w="sm" len="sm"/>
+            <a:tailEnd type="triangle" w="med" len="med"/>
+          </a:ln>
+        </p:spPr>
+      </p:cxnSp>
+      <p:sp>
+        <p:nvSpPr>
+          <p:cNvPr id="39" name="Google Shape;124;g2b6ec6cbb0c_0_0">
+            <a:extLst>
+              <a:ext uri="{FF2B5EF4-FFF2-40B4-BE49-F238E27FC236}">
+                <a16:creationId xmlns:a16="http://schemas.microsoft.com/office/drawing/2014/main" id="{D9D07569-268E-3715-A873-C223936B9E58}"/>
+              </a:ext>
+            </a:extLst>
+          </p:cNvPr>
+          <p:cNvSpPr/>
+          <p:nvPr/>
+        </p:nvSpPr>
+        <p:spPr>
+          <a:xfrm>
+            <a:off x="1284698" y="4758517"/>
+            <a:ext cx="3353815" cy="261485"/>
+          </a:xfrm>
+          <a:prstGeom prst="rect">
+            <a:avLst/>
+          </a:prstGeom>
+          <a:solidFill>
+            <a:schemeClr val="lt1"/>
+          </a:solidFill>
+          <a:ln>
+            <a:noFill/>
+          </a:ln>
+          <a:effectLst>
+            <a:outerShdw blurRad="57150" dist="19050" dir="5400000" algn="bl" rotWithShape="0">
+              <a:srgbClr val="000000">
+                <a:alpha val="50000"/>
+              </a:srgbClr>
+            </a:outerShdw>
+          </a:effectLst>
+        </p:spPr>
+        <p:txBody>
+          <a:bodyPr spcFirstLastPara="1" wrap="square" lIns="63294" tIns="31638" rIns="63294" bIns="31638" anchor="ctr" anchorCtr="0">
+            <a:noAutofit/>
+          </a:bodyPr>
+          <a:lstStyle/>
+          <a:p>
+            <a:r>
+              <a:rPr lang="en-GB" sz="762" b="1">
+                <a:solidFill>
+                  <a:schemeClr val="dk1"/>
+                </a:solidFill>
+                <a:latin typeface="Roboto Slab"/>
+                <a:ea typeface="Roboto Slab"/>
+                <a:cs typeface="Roboto Slab"/>
+                <a:sym typeface="Roboto Slab"/>
+              </a:rPr>
+              <a:t>Filtering keys as columns</a:t>
+            </a:r>
+            <a:endParaRPr sz="762">
+              <a:latin typeface="Roboto Slab"/>
+              <a:ea typeface="Roboto Slab"/>
+              <a:cs typeface="Roboto Slab"/>
+              <a:sym typeface="Roboto Slab"/>
+            </a:endParaRPr>
+          </a:p>
+          <a:p>
+            <a:r>
+              <a:rPr lang="en-GB" sz="623">
+                <a:solidFill>
+                  <a:schemeClr val="dk1"/>
+                </a:solidFill>
+                <a:latin typeface="Roboto Slab"/>
+                <a:ea typeface="Roboto Slab"/>
+                <a:cs typeface="Roboto Slab"/>
+                <a:sym typeface="Roboto Slab"/>
+              </a:rPr>
+              <a:t>e.g., dropping </a:t>
+            </a:r>
+            <a:r>
+              <a:rPr lang="en-GB" sz="623" i="1">
+                <a:solidFill>
+                  <a:schemeClr val="dk1"/>
+                </a:solidFill>
+                <a:latin typeface="Roboto Slab"/>
+                <a:ea typeface="Roboto Slab"/>
+                <a:cs typeface="Roboto Slab"/>
+                <a:sym typeface="Roboto Slab"/>
+              </a:rPr>
+              <a:t>additional names, addresses, operators, condition, traffic signs,</a:t>
+            </a:r>
+            <a:r>
+              <a:rPr lang="en-GB" sz="623">
+                <a:solidFill>
+                  <a:schemeClr val="dk1"/>
+                </a:solidFill>
+                <a:latin typeface="Roboto Slab"/>
+                <a:ea typeface="Roboto Slab"/>
+                <a:cs typeface="Roboto Slab"/>
+                <a:sym typeface="Roboto Slab"/>
+              </a:rPr>
+              <a:t> etc.</a:t>
+            </a:r>
+            <a:endParaRPr sz="623">
+              <a:solidFill>
+                <a:srgbClr val="CCCCCC"/>
+              </a:solidFill>
+              <a:latin typeface="Roboto Slab"/>
+              <a:ea typeface="Roboto Slab"/>
+              <a:cs typeface="Roboto Slab"/>
+              <a:sym typeface="Roboto Slab"/>
+            </a:endParaRPr>
+          </a:p>
+        </p:txBody>
+      </p:sp>
+      <p:sp>
+        <p:nvSpPr>
+          <p:cNvPr id="40" name="Google Shape;125;g2b6ec6cbb0c_0_0">
+            <a:extLst>
+              <a:ext uri="{FF2B5EF4-FFF2-40B4-BE49-F238E27FC236}">
+                <a16:creationId xmlns:a16="http://schemas.microsoft.com/office/drawing/2014/main" id="{4BF99A32-DA87-70B3-DA43-3CB1C36F8131}"/>
+              </a:ext>
+            </a:extLst>
+          </p:cNvPr>
+          <p:cNvSpPr/>
+          <p:nvPr/>
+        </p:nvSpPr>
+        <p:spPr>
+          <a:xfrm>
+            <a:off x="676672" y="4029616"/>
+            <a:ext cx="2794915" cy="213300"/>
+          </a:xfrm>
+          <a:prstGeom prst="rect">
+            <a:avLst/>
+          </a:prstGeom>
+          <a:solidFill>
+            <a:srgbClr val="E9F4EA"/>
+          </a:solidFill>
+          <a:ln>
+            <a:noFill/>
+          </a:ln>
+          <a:effectLst>
+            <a:outerShdw blurRad="57150" dist="19050" dir="5400000" algn="bl" rotWithShape="0">
+              <a:srgbClr val="000000">
+                <a:alpha val="50000"/>
+              </a:srgbClr>
+            </a:outerShdw>
+          </a:effectLst>
+        </p:spPr>
+        <p:txBody>
+          <a:bodyPr spcFirstLastPara="1" wrap="square" lIns="63294" tIns="31638" rIns="63294" bIns="31638" anchor="ctr" anchorCtr="0">
+            <a:noAutofit/>
+          </a:bodyPr>
+          <a:lstStyle/>
+          <a:p>
+            <a:r>
+              <a:rPr lang="en-GB" sz="762" b="1">
+                <a:solidFill>
+                  <a:schemeClr val="dk1"/>
+                </a:solidFill>
+                <a:latin typeface="Roboto Slab"/>
+                <a:ea typeface="Roboto Slab"/>
+                <a:cs typeface="Roboto Slab"/>
+                <a:sym typeface="Roboto Slab"/>
+              </a:rPr>
+              <a:t>Filtering geometry type </a:t>
+            </a:r>
+            <a:r>
+              <a:rPr lang="en-GB" sz="762">
+                <a:solidFill>
+                  <a:schemeClr val="dk1"/>
+                </a:solidFill>
+                <a:latin typeface="Roboto Slab"/>
+                <a:ea typeface="Roboto Slab"/>
+                <a:cs typeface="Roboto Slab"/>
+                <a:sym typeface="Roboto Slab"/>
+              </a:rPr>
+              <a:t>('LineString', 'MultiLineString’)</a:t>
+            </a:r>
+            <a:endParaRPr sz="762">
+              <a:solidFill>
+                <a:srgbClr val="CCCCCC"/>
+              </a:solidFill>
+              <a:latin typeface="Roboto Slab"/>
+              <a:ea typeface="Roboto Slab"/>
+              <a:cs typeface="Roboto Slab"/>
+              <a:sym typeface="Roboto Slab"/>
+            </a:endParaRPr>
+          </a:p>
+        </p:txBody>
+      </p:sp>
+      <p:sp>
+        <p:nvSpPr>
+          <p:cNvPr id="41" name="Google Shape;126;g2b6ec6cbb0c_0_0">
+            <a:extLst>
+              <a:ext uri="{FF2B5EF4-FFF2-40B4-BE49-F238E27FC236}">
+                <a16:creationId xmlns:a16="http://schemas.microsoft.com/office/drawing/2014/main" id="{3E0A2077-E0AC-619D-553B-1E542BE7A3EC}"/>
+              </a:ext>
+            </a:extLst>
+          </p:cNvPr>
+          <p:cNvSpPr/>
+          <p:nvPr/>
+        </p:nvSpPr>
+        <p:spPr>
+          <a:xfrm>
+            <a:off x="3660490" y="3970624"/>
+            <a:ext cx="1301400" cy="331269"/>
+          </a:xfrm>
+          <a:prstGeom prst="rect">
+            <a:avLst/>
+          </a:prstGeom>
+          <a:solidFill>
+            <a:srgbClr val="F3F4FF"/>
+          </a:solidFill>
+          <a:ln>
+            <a:noFill/>
+          </a:ln>
+          <a:effectLst>
+            <a:outerShdw blurRad="57150" dist="19050" dir="5400000" algn="bl" rotWithShape="0">
+              <a:srgbClr val="000000">
+                <a:alpha val="50000"/>
+              </a:srgbClr>
+            </a:outerShdw>
+          </a:effectLst>
+        </p:spPr>
+        <p:txBody>
+          <a:bodyPr spcFirstLastPara="1" wrap="square" lIns="63294" tIns="31638" rIns="63294" bIns="31638" anchor="ctr" anchorCtr="0">
+            <a:noAutofit/>
+          </a:bodyPr>
+          <a:lstStyle/>
+          <a:p>
+            <a:r>
+              <a:rPr lang="en-GB" sz="762" b="1">
+                <a:solidFill>
+                  <a:schemeClr val="dk1"/>
+                </a:solidFill>
+                <a:latin typeface="Roboto Slab"/>
+                <a:ea typeface="Roboto Slab"/>
+                <a:cs typeface="Roboto Slab"/>
+                <a:sym typeface="Roboto Slab"/>
+              </a:rPr>
+              <a:t>Filtering geometry type</a:t>
+            </a:r>
+            <a:r>
+              <a:rPr lang="en-GB" sz="623" b="1">
+                <a:solidFill>
+                  <a:schemeClr val="dk1"/>
+                </a:solidFill>
+                <a:latin typeface="Roboto Slab"/>
+                <a:ea typeface="Roboto Slab"/>
+                <a:cs typeface="Roboto Slab"/>
+                <a:sym typeface="Roboto Slab"/>
+              </a:rPr>
+              <a:t> </a:t>
+            </a:r>
+            <a:r>
+              <a:rPr lang="en-GB" sz="623">
+                <a:solidFill>
+                  <a:schemeClr val="dk1"/>
+                </a:solidFill>
+                <a:latin typeface="Roboto Slab"/>
+                <a:ea typeface="Roboto Slab"/>
+                <a:cs typeface="Roboto Slab"/>
+                <a:sym typeface="Roboto Slab"/>
+              </a:rPr>
+              <a:t>('Polygon', 'MultiPolygon’)</a:t>
+            </a:r>
+            <a:endParaRPr sz="623">
+              <a:solidFill>
+                <a:srgbClr val="CCCCCC"/>
+              </a:solidFill>
+              <a:latin typeface="Roboto Slab"/>
+              <a:ea typeface="Roboto Slab"/>
+              <a:cs typeface="Roboto Slab"/>
+              <a:sym typeface="Roboto Slab"/>
+            </a:endParaRPr>
+          </a:p>
+        </p:txBody>
+      </p:sp>
+      <p:cxnSp>
+        <p:nvCxnSpPr>
+          <p:cNvPr id="42" name="Google Shape;127;g2b6ec6cbb0c_0_0">
+            <a:extLst>
+              <a:ext uri="{FF2B5EF4-FFF2-40B4-BE49-F238E27FC236}">
+                <a16:creationId xmlns:a16="http://schemas.microsoft.com/office/drawing/2014/main" id="{97725B8A-86CB-573C-2FC9-16DA3268DBC2}"/>
+              </a:ext>
+            </a:extLst>
+          </p:cNvPr>
+          <p:cNvCxnSpPr>
+            <a:stCxn id="39" idx="2"/>
+            <a:endCxn id="43" idx="0"/>
+          </p:cNvCxnSpPr>
+          <p:nvPr/>
+        </p:nvCxnSpPr>
+        <p:spPr>
+          <a:xfrm>
+            <a:off x="2961605" y="5020002"/>
+            <a:ext cx="0" cy="721315"/>
+          </a:xfrm>
+          <a:prstGeom prst="straightConnector1">
+            <a:avLst/>
+          </a:prstGeom>
+          <a:noFill/>
+          <a:ln w="19050" cap="flat" cmpd="sng">
+            <a:solidFill>
+              <a:srgbClr val="343434"/>
+            </a:solidFill>
+            <a:prstDash val="solid"/>
+            <a:miter lim="800000"/>
+            <a:headEnd type="none" w="sm" len="sm"/>
+            <a:tailEnd type="triangle" w="med" len="med"/>
+          </a:ln>
+        </p:spPr>
+      </p:cxnSp>
+      <p:sp>
+        <p:nvSpPr>
+          <p:cNvPr id="43" name="Google Shape;128;g2b6ec6cbb0c_0_0">
+            <a:extLst>
+              <a:ext uri="{FF2B5EF4-FFF2-40B4-BE49-F238E27FC236}">
+                <a16:creationId xmlns:a16="http://schemas.microsoft.com/office/drawing/2014/main" id="{01FFE0DB-A7DA-8786-CE03-567FBC5E190D}"/>
+              </a:ext>
+            </a:extLst>
+          </p:cNvPr>
+          <p:cNvSpPr/>
+          <p:nvPr/>
+        </p:nvSpPr>
+        <p:spPr>
+          <a:xfrm>
+            <a:off x="1284698" y="5741338"/>
+            <a:ext cx="3353815" cy="315900"/>
+          </a:xfrm>
+          <a:prstGeom prst="rect">
+            <a:avLst/>
+          </a:prstGeom>
+          <a:solidFill>
+            <a:srgbClr val="69F0BC"/>
+          </a:solidFill>
+          <a:ln>
+            <a:noFill/>
+          </a:ln>
+        </p:spPr>
+        <p:txBody>
+          <a:bodyPr spcFirstLastPara="1" wrap="square" lIns="63294" tIns="31638" rIns="63294" bIns="31638" anchor="ctr" anchorCtr="0">
+            <a:noAutofit/>
+          </a:bodyPr>
+          <a:lstStyle/>
+          <a:p>
+            <a:pPr algn="ctr">
+              <a:buSzPts val="1200"/>
+            </a:pPr>
+            <a:r>
+              <a:rPr lang="en-GB" sz="762" b="1">
+                <a:latin typeface="Roboto Slab"/>
+                <a:ea typeface="Roboto Slab"/>
+                <a:cs typeface="Roboto Slab"/>
+                <a:sym typeface="Roboto Slab"/>
+              </a:rPr>
+              <a:t>Follow-up preprocessing</a:t>
+            </a:r>
+            <a:endParaRPr sz="762" b="1">
+              <a:latin typeface="Roboto Slab"/>
+              <a:ea typeface="Roboto Slab"/>
+              <a:cs typeface="Roboto Slab"/>
+              <a:sym typeface="Roboto Slab"/>
+            </a:endParaRPr>
+          </a:p>
+          <a:p>
+            <a:pPr algn="ctr"/>
+            <a:r>
+              <a:rPr lang="en-GB" sz="762" b="1">
+                <a:latin typeface="Roboto Slab"/>
+                <a:ea typeface="Roboto Slab"/>
+                <a:cs typeface="Roboto Slab"/>
+                <a:sym typeface="Roboto Slab"/>
+              </a:rPr>
+              <a:t>Enriching LULC data</a:t>
+            </a:r>
+            <a:endParaRPr sz="762">
+              <a:latin typeface="Roboto Slab"/>
+              <a:ea typeface="Roboto Slab"/>
+              <a:cs typeface="Roboto Slab"/>
+              <a:sym typeface="Roboto Slab"/>
+            </a:endParaRPr>
+          </a:p>
+        </p:txBody>
+      </p:sp>
+      <p:sp>
+        <p:nvSpPr>
+          <p:cNvPr id="44" name="Google Shape;129;g2b6ec6cbb0c_0_0">
+            <a:extLst>
+              <a:ext uri="{FF2B5EF4-FFF2-40B4-BE49-F238E27FC236}">
+                <a16:creationId xmlns:a16="http://schemas.microsoft.com/office/drawing/2014/main" id="{4B22D3FA-3FB9-76F0-EC7C-DE7E042B88B5}"/>
+              </a:ext>
+            </a:extLst>
+          </p:cNvPr>
+          <p:cNvSpPr/>
+          <p:nvPr/>
+        </p:nvSpPr>
+        <p:spPr>
+          <a:xfrm>
+            <a:off x="1284696" y="5432000"/>
+            <a:ext cx="3353815" cy="208315"/>
+          </a:xfrm>
+          <a:prstGeom prst="rect">
+            <a:avLst/>
+          </a:prstGeom>
+          <a:solidFill>
+            <a:schemeClr val="lt1"/>
+          </a:solidFill>
+          <a:ln>
+            <a:noFill/>
+          </a:ln>
+          <a:effectLst>
+            <a:outerShdw blurRad="57150" dist="19050" dir="5400000" algn="bl" rotWithShape="0">
+              <a:srgbClr val="000000">
+                <a:alpha val="50000"/>
+              </a:srgbClr>
+            </a:outerShdw>
+          </a:effectLst>
+        </p:spPr>
+        <p:txBody>
+          <a:bodyPr spcFirstLastPara="1" wrap="square" lIns="63294" tIns="31638" rIns="63294" bIns="31638" anchor="ctr" anchorCtr="0">
+            <a:noAutofit/>
+          </a:bodyPr>
+          <a:lstStyle/>
+          <a:p>
+            <a:pPr algn="ctr">
+              <a:buSzPts val="1200"/>
+            </a:pPr>
+            <a:r>
+              <a:rPr lang="en-GB" sz="762">
+                <a:latin typeface="Roboto Slab"/>
+                <a:ea typeface="Roboto Slab"/>
+                <a:cs typeface="Roboto Slab"/>
+                <a:sym typeface="Roboto Slab"/>
+              </a:rPr>
+              <a:t>Exporting to temporary GeoPackage</a:t>
+            </a:r>
+            <a:endParaRPr sz="762">
+              <a:latin typeface="Roboto Slab"/>
+              <a:ea typeface="Roboto Slab"/>
+              <a:cs typeface="Roboto Slab"/>
+              <a:sym typeface="Roboto Slab"/>
+            </a:endParaRPr>
+          </a:p>
+        </p:txBody>
+      </p:sp>
+      <p:sp>
+        <p:nvSpPr>
+          <p:cNvPr id="45" name="Google Shape;130;g2b6ec6cbb0c_0_0">
+            <a:extLst>
+              <a:ext uri="{FF2B5EF4-FFF2-40B4-BE49-F238E27FC236}">
+                <a16:creationId xmlns:a16="http://schemas.microsoft.com/office/drawing/2014/main" id="{2E0A04F0-7E3E-462B-5992-8BC218D220B7}"/>
+              </a:ext>
+            </a:extLst>
+          </p:cNvPr>
+          <p:cNvSpPr/>
+          <p:nvPr/>
+        </p:nvSpPr>
+        <p:spPr>
+          <a:xfrm>
+            <a:off x="1284698" y="5100550"/>
+            <a:ext cx="3353815" cy="208315"/>
+          </a:xfrm>
+          <a:prstGeom prst="rect">
+            <a:avLst/>
+          </a:prstGeom>
+          <a:solidFill>
+            <a:schemeClr val="lt1"/>
+          </a:solidFill>
+          <a:ln>
+            <a:noFill/>
+          </a:ln>
+          <a:effectLst>
+            <a:outerShdw blurRad="57150" dist="19050" dir="5400000" algn="bl" rotWithShape="0">
+              <a:srgbClr val="000000">
+                <a:alpha val="50000"/>
+              </a:srgbClr>
+            </a:outerShdw>
+          </a:effectLst>
+        </p:spPr>
+        <p:txBody>
+          <a:bodyPr spcFirstLastPara="1" wrap="square" lIns="63294" tIns="31638" rIns="63294" bIns="31638" anchor="ctr" anchorCtr="0">
+            <a:noAutofit/>
+          </a:bodyPr>
+          <a:lstStyle/>
+          <a:p>
+            <a:pPr algn="ctr"/>
+            <a:r>
+              <a:rPr lang="en-GB" sz="762">
+                <a:latin typeface="Roboto Slab"/>
+                <a:ea typeface="Roboto Slab"/>
+                <a:cs typeface="Roboto Slab"/>
+                <a:sym typeface="Roboto Slab"/>
+              </a:rPr>
+              <a:t>Transformation of coordinate reference system to UTM</a:t>
+            </a:r>
+            <a:endParaRPr sz="762">
+              <a:latin typeface="Roboto Slab"/>
+              <a:ea typeface="Roboto Slab"/>
+              <a:cs typeface="Roboto Slab"/>
+              <a:sym typeface="Roboto Slab"/>
+            </a:endParaRPr>
+          </a:p>
+        </p:txBody>
+      </p:sp>
+      <p:cxnSp>
+        <p:nvCxnSpPr>
+          <p:cNvPr id="46" name="Google Shape;131;g2b6ec6cbb0c_0_0">
+            <a:extLst>
+              <a:ext uri="{FF2B5EF4-FFF2-40B4-BE49-F238E27FC236}">
+                <a16:creationId xmlns:a16="http://schemas.microsoft.com/office/drawing/2014/main" id="{7B1E0EB2-02AA-8198-E409-FAD0DEA8FAEB}"/>
+              </a:ext>
+            </a:extLst>
+          </p:cNvPr>
+          <p:cNvCxnSpPr>
+            <a:stCxn id="31" idx="2"/>
+            <a:endCxn id="32" idx="0"/>
+          </p:cNvCxnSpPr>
+          <p:nvPr/>
+        </p:nvCxnSpPr>
+        <p:spPr>
+          <a:xfrm>
+            <a:off x="3915373" y="1021262"/>
+            <a:ext cx="0" cy="489115"/>
+          </a:xfrm>
+          <a:prstGeom prst="straightConnector1">
+            <a:avLst/>
+          </a:prstGeom>
+          <a:noFill/>
+          <a:ln w="19050" cap="flat" cmpd="sng">
+            <a:solidFill>
+              <a:srgbClr val="343434"/>
+            </a:solidFill>
+            <a:prstDash val="solid"/>
+            <a:miter lim="800000"/>
+            <a:headEnd type="none" w="sm" len="sm"/>
+            <a:tailEnd type="triangle" w="med" len="med"/>
+          </a:ln>
+        </p:spPr>
+      </p:cxnSp>
+      <p:cxnSp>
+        <p:nvCxnSpPr>
+          <p:cNvPr id="47" name="Google Shape;132;g2b6ec6cbb0c_0_0">
+            <a:extLst>
+              <a:ext uri="{FF2B5EF4-FFF2-40B4-BE49-F238E27FC236}">
+                <a16:creationId xmlns:a16="http://schemas.microsoft.com/office/drawing/2014/main" id="{512DD1E1-9784-BA62-3F15-FB148CB93C7D}"/>
+              </a:ext>
+            </a:extLst>
+          </p:cNvPr>
+          <p:cNvCxnSpPr>
+            <a:stCxn id="34" idx="2"/>
+            <a:endCxn id="40" idx="0"/>
+          </p:cNvCxnSpPr>
+          <p:nvPr/>
+        </p:nvCxnSpPr>
+        <p:spPr>
+          <a:xfrm>
+            <a:off x="2074131" y="2185500"/>
+            <a:ext cx="0" cy="1844100"/>
+          </a:xfrm>
+          <a:prstGeom prst="straightConnector1">
+            <a:avLst/>
+          </a:prstGeom>
+          <a:noFill/>
+          <a:ln w="19050" cap="flat" cmpd="sng">
+            <a:solidFill>
+              <a:srgbClr val="343434"/>
+            </a:solidFill>
+            <a:prstDash val="solid"/>
+            <a:miter lim="800000"/>
+            <a:headEnd type="none" w="sm" len="sm"/>
+            <a:tailEnd type="triangle" w="med" len="med"/>
+          </a:ln>
+        </p:spPr>
+      </p:cxnSp>
+      <p:sp>
+        <p:nvSpPr>
+          <p:cNvPr id="48" name="Google Shape;133;g2b6ec6cbb0c_0_0">
+            <a:extLst>
+              <a:ext uri="{FF2B5EF4-FFF2-40B4-BE49-F238E27FC236}">
+                <a16:creationId xmlns:a16="http://schemas.microsoft.com/office/drawing/2014/main" id="{5C4D9AB4-A6A9-8D43-7819-CF8BFC5EFCEE}"/>
+              </a:ext>
+            </a:extLst>
+          </p:cNvPr>
+          <p:cNvSpPr/>
+          <p:nvPr/>
+        </p:nvSpPr>
+        <p:spPr>
+          <a:xfrm>
+            <a:off x="676679" y="2987270"/>
+            <a:ext cx="2794915" cy="418708"/>
+          </a:xfrm>
+          <a:prstGeom prst="rect">
+            <a:avLst/>
+          </a:prstGeom>
+          <a:solidFill>
+            <a:srgbClr val="E9F4EA"/>
+          </a:solidFill>
+          <a:ln>
+            <a:noFill/>
+          </a:ln>
+          <a:effectLst>
+            <a:outerShdw blurRad="57150" dist="19050" dir="5400000" algn="bl" rotWithShape="0">
+              <a:srgbClr val="000000">
+                <a:alpha val="50000"/>
+              </a:srgbClr>
+            </a:outerShdw>
+          </a:effectLst>
+        </p:spPr>
+        <p:txBody>
+          <a:bodyPr spcFirstLastPara="1" wrap="square" lIns="63294" tIns="31638" rIns="63294" bIns="31638" anchor="ctr" anchorCtr="0">
+            <a:noAutofit/>
+          </a:bodyPr>
+          <a:lstStyle/>
+          <a:p>
+            <a:r>
+              <a:rPr lang="en-GB" sz="762" b="1" i="1">
+                <a:solidFill>
+                  <a:schemeClr val="dk1"/>
+                </a:solidFill>
+                <a:latin typeface="Roboto Slab"/>
+                <a:ea typeface="Roboto Slab"/>
+                <a:cs typeface="Roboto Slab"/>
+                <a:sym typeface="Roboto Slab"/>
+              </a:rPr>
+              <a:t>Roads</a:t>
+            </a:r>
+            <a:endParaRPr sz="762">
+              <a:latin typeface="Roboto Slab"/>
+              <a:ea typeface="Roboto Slab"/>
+              <a:cs typeface="Roboto Slab"/>
+              <a:sym typeface="Roboto Slab"/>
+            </a:endParaRPr>
+          </a:p>
+          <a:p>
+            <a:r>
+              <a:rPr lang="en-GB" sz="623" b="1">
+                <a:solidFill>
+                  <a:schemeClr val="accent1"/>
+                </a:solidFill>
+                <a:latin typeface="Roboto Slab"/>
+                <a:ea typeface="Roboto Slab"/>
+                <a:cs typeface="Roboto Slab"/>
+                <a:sym typeface="Roboto Slab"/>
+              </a:rPr>
+              <a:t>tags</a:t>
+            </a:r>
+            <a:r>
+              <a:rPr lang="en-GB" sz="623">
+                <a:solidFill>
+                  <a:srgbClr val="CCCCCC"/>
+                </a:solidFill>
+                <a:latin typeface="Roboto Slab"/>
+                <a:ea typeface="Roboto Slab"/>
+                <a:cs typeface="Roboto Slab"/>
+                <a:sym typeface="Roboto Slab"/>
+              </a:rPr>
+              <a:t> </a:t>
+            </a:r>
+            <a:r>
+              <a:rPr lang="en-GB" sz="623">
+                <a:solidFill>
+                  <a:srgbClr val="D4D4D4"/>
+                </a:solidFill>
+                <a:latin typeface="Roboto Slab"/>
+                <a:ea typeface="Roboto Slab"/>
+                <a:cs typeface="Roboto Slab"/>
+                <a:sym typeface="Roboto Slab"/>
+              </a:rPr>
+              <a:t>=</a:t>
+            </a:r>
+            <a:r>
+              <a:rPr lang="en-GB" sz="623">
+                <a:solidFill>
+                  <a:srgbClr val="CCCCCC"/>
+                </a:solidFill>
+                <a:latin typeface="Roboto Slab"/>
+                <a:ea typeface="Roboto Slab"/>
+                <a:cs typeface="Roboto Slab"/>
+                <a:sym typeface="Roboto Slab"/>
+              </a:rPr>
+              <a:t> {</a:t>
+            </a:r>
+            <a:r>
+              <a:rPr lang="en-GB" sz="623">
+                <a:solidFill>
+                  <a:srgbClr val="CE9178"/>
+                </a:solidFill>
+                <a:latin typeface="Roboto Slab"/>
+                <a:ea typeface="Roboto Slab"/>
+                <a:cs typeface="Roboto Slab"/>
+                <a:sym typeface="Roboto Slab"/>
+              </a:rPr>
+              <a:t>'highway'</a:t>
+            </a:r>
+            <a:r>
+              <a:rPr lang="en-GB" sz="623">
+                <a:solidFill>
+                  <a:srgbClr val="CCCCCC"/>
+                </a:solidFill>
+                <a:latin typeface="Roboto Slab"/>
+                <a:ea typeface="Roboto Slab"/>
+                <a:cs typeface="Roboto Slab"/>
+                <a:sym typeface="Roboto Slab"/>
+              </a:rPr>
+              <a:t>: [</a:t>
+            </a:r>
+            <a:r>
+              <a:rPr lang="en-GB" sz="623">
+                <a:solidFill>
+                  <a:srgbClr val="CE9178"/>
+                </a:solidFill>
+                <a:latin typeface="Roboto Slab"/>
+                <a:ea typeface="Roboto Slab"/>
+                <a:cs typeface="Roboto Slab"/>
+                <a:sym typeface="Roboto Slab"/>
+              </a:rPr>
+              <a:t>'motorway’</a:t>
+            </a:r>
+            <a:r>
+              <a:rPr lang="en-GB" sz="623">
+                <a:solidFill>
+                  <a:srgbClr val="CCCCCC"/>
+                </a:solidFill>
+                <a:latin typeface="Roboto Slab"/>
+                <a:ea typeface="Roboto Slab"/>
+                <a:cs typeface="Roboto Slab"/>
+                <a:sym typeface="Roboto Slab"/>
+              </a:rPr>
+              <a:t>, </a:t>
+            </a:r>
+            <a:r>
+              <a:rPr lang="en-GB" sz="623">
+                <a:solidFill>
+                  <a:srgbClr val="CE9178"/>
+                </a:solidFill>
+                <a:latin typeface="Roboto Slab"/>
+                <a:ea typeface="Roboto Slab"/>
+                <a:cs typeface="Roboto Slab"/>
+                <a:sym typeface="Roboto Slab"/>
+              </a:rPr>
+              <a:t>'trunk'</a:t>
+            </a:r>
+            <a:r>
+              <a:rPr lang="en-GB" sz="623">
+                <a:solidFill>
+                  <a:srgbClr val="CCCCCC"/>
+                </a:solidFill>
+                <a:latin typeface="Roboto Slab"/>
+                <a:ea typeface="Roboto Slab"/>
+                <a:cs typeface="Roboto Slab"/>
+                <a:sym typeface="Roboto Slab"/>
+              </a:rPr>
+              <a:t>, </a:t>
+            </a:r>
+            <a:r>
+              <a:rPr lang="en-GB" sz="623">
+                <a:solidFill>
+                  <a:srgbClr val="CE9178"/>
+                </a:solidFill>
+                <a:latin typeface="Roboto Slab"/>
+                <a:ea typeface="Roboto Slab"/>
+                <a:cs typeface="Roboto Slab"/>
+                <a:sym typeface="Roboto Slab"/>
+              </a:rPr>
+              <a:t>'primary'</a:t>
+            </a:r>
+            <a:r>
+              <a:rPr lang="en-GB" sz="623">
+                <a:solidFill>
+                  <a:srgbClr val="CCCCCC"/>
+                </a:solidFill>
+                <a:latin typeface="Roboto Slab"/>
+                <a:ea typeface="Roboto Slab"/>
+                <a:cs typeface="Roboto Slab"/>
+                <a:sym typeface="Roboto Slab"/>
+              </a:rPr>
+              <a:t>, </a:t>
+            </a:r>
+            <a:r>
+              <a:rPr lang="en-GB" sz="623">
+                <a:solidFill>
+                  <a:srgbClr val="CE9178"/>
+                </a:solidFill>
+                <a:latin typeface="Roboto Slab"/>
+                <a:ea typeface="Roboto Slab"/>
+                <a:cs typeface="Roboto Slab"/>
+                <a:sym typeface="Roboto Slab"/>
+              </a:rPr>
+              <a:t>'secondary'</a:t>
+            </a:r>
+            <a:r>
+              <a:rPr lang="en-GB" sz="623">
+                <a:solidFill>
+                  <a:srgbClr val="CCCCCC"/>
+                </a:solidFill>
+                <a:latin typeface="Roboto Slab"/>
+                <a:ea typeface="Roboto Slab"/>
+                <a:cs typeface="Roboto Slab"/>
+                <a:sym typeface="Roboto Slab"/>
+              </a:rPr>
+              <a:t>, </a:t>
+            </a:r>
+            <a:r>
+              <a:rPr lang="en-GB" sz="623">
+                <a:solidFill>
+                  <a:srgbClr val="CE9178"/>
+                </a:solidFill>
+                <a:latin typeface="Roboto Slab"/>
+                <a:ea typeface="Roboto Slab"/>
+                <a:cs typeface="Roboto Slab"/>
+                <a:sym typeface="Roboto Slab"/>
+              </a:rPr>
+              <a:t>'tertiary'</a:t>
+            </a:r>
+            <a:r>
+              <a:rPr lang="en-GB" sz="623">
+                <a:solidFill>
+                  <a:srgbClr val="CCCCCC"/>
+                </a:solidFill>
+                <a:latin typeface="Roboto Slab"/>
+                <a:ea typeface="Roboto Slab"/>
+                <a:cs typeface="Roboto Slab"/>
+                <a:sym typeface="Roboto Slab"/>
+              </a:rPr>
+              <a:t>, </a:t>
+            </a:r>
+            <a:r>
+              <a:rPr lang="en-GB" sz="623">
+                <a:solidFill>
+                  <a:srgbClr val="CE9178"/>
+                </a:solidFill>
+                <a:latin typeface="Roboto Slab"/>
+                <a:ea typeface="Roboto Slab"/>
+                <a:cs typeface="Roboto Slab"/>
+                <a:sym typeface="Roboto Slab"/>
+              </a:rPr>
+              <a:t>'motorway_link'</a:t>
+            </a:r>
+            <a:r>
+              <a:rPr lang="en-GB" sz="623">
+                <a:solidFill>
+                  <a:srgbClr val="CCCCCC"/>
+                </a:solidFill>
+                <a:latin typeface="Roboto Slab"/>
+                <a:ea typeface="Roboto Slab"/>
+                <a:cs typeface="Roboto Slab"/>
+                <a:sym typeface="Roboto Slab"/>
+              </a:rPr>
+              <a:t>,</a:t>
+            </a:r>
+            <a:r>
+              <a:rPr lang="en-GB" sz="623">
+                <a:solidFill>
+                  <a:srgbClr val="CE9178"/>
+                </a:solidFill>
+                <a:latin typeface="Roboto Slab"/>
+                <a:ea typeface="Roboto Slab"/>
+                <a:cs typeface="Roboto Slab"/>
+                <a:sym typeface="Roboto Slab"/>
+              </a:rPr>
+              <a:t>'trunk_link'</a:t>
+            </a:r>
+            <a:r>
+              <a:rPr lang="en-GB" sz="623">
+                <a:solidFill>
+                  <a:srgbClr val="CCCCCC"/>
+                </a:solidFill>
+                <a:latin typeface="Roboto Slab"/>
+                <a:ea typeface="Roboto Slab"/>
+                <a:cs typeface="Roboto Slab"/>
+                <a:sym typeface="Roboto Slab"/>
+              </a:rPr>
+              <a:t>,</a:t>
+            </a:r>
+            <a:r>
+              <a:rPr lang="en-GB" sz="623">
+                <a:solidFill>
+                  <a:srgbClr val="CE9178"/>
+                </a:solidFill>
+                <a:latin typeface="Roboto Slab"/>
+                <a:ea typeface="Roboto Slab"/>
+                <a:cs typeface="Roboto Slab"/>
+                <a:sym typeface="Roboto Slab"/>
+              </a:rPr>
+              <a:t>'primary_link'</a:t>
+            </a:r>
+            <a:r>
+              <a:rPr lang="en-GB" sz="623">
+                <a:solidFill>
+                  <a:srgbClr val="CCCCCC"/>
+                </a:solidFill>
+                <a:latin typeface="Roboto Slab"/>
+                <a:ea typeface="Roboto Slab"/>
+                <a:cs typeface="Roboto Slab"/>
+                <a:sym typeface="Roboto Slab"/>
+              </a:rPr>
+              <a:t>,</a:t>
+            </a:r>
+            <a:r>
+              <a:rPr lang="en-GB" sz="623">
+                <a:solidFill>
+                  <a:srgbClr val="CE9178"/>
+                </a:solidFill>
+                <a:latin typeface="Roboto Slab"/>
+                <a:ea typeface="Roboto Slab"/>
+                <a:cs typeface="Roboto Slab"/>
+                <a:sym typeface="Roboto Slab"/>
+              </a:rPr>
+              <a:t>'secondary_link'</a:t>
+            </a:r>
+            <a:r>
+              <a:rPr lang="en-GB" sz="623">
+                <a:solidFill>
+                  <a:srgbClr val="CCCCCC"/>
+                </a:solidFill>
+                <a:latin typeface="Roboto Slab"/>
+                <a:ea typeface="Roboto Slab"/>
+                <a:cs typeface="Roboto Slab"/>
+                <a:sym typeface="Roboto Slab"/>
+              </a:rPr>
+              <a:t>,</a:t>
+            </a:r>
+            <a:r>
+              <a:rPr lang="en-GB" sz="623">
+                <a:solidFill>
+                  <a:srgbClr val="CE9178"/>
+                </a:solidFill>
+                <a:latin typeface="Roboto Slab"/>
+                <a:ea typeface="Roboto Slab"/>
+                <a:cs typeface="Roboto Slab"/>
+                <a:sym typeface="Roboto Slab"/>
+              </a:rPr>
+              <a:t>'tertiary_link'</a:t>
+            </a:r>
+            <a:r>
+              <a:rPr lang="en-GB" sz="623">
+                <a:solidFill>
+                  <a:srgbClr val="CCCCCC"/>
+                </a:solidFill>
+                <a:latin typeface="Roboto Slab"/>
+                <a:ea typeface="Roboto Slab"/>
+                <a:cs typeface="Roboto Slab"/>
+                <a:sym typeface="Roboto Slab"/>
+              </a:rPr>
+              <a:t>]}</a:t>
+            </a:r>
+            <a:endParaRPr sz="623" b="1" i="1">
+              <a:solidFill>
+                <a:schemeClr val="dk1"/>
+              </a:solidFill>
+              <a:latin typeface="Roboto Slab"/>
+              <a:ea typeface="Roboto Slab"/>
+              <a:cs typeface="Roboto Slab"/>
+              <a:sym typeface="Roboto Slab"/>
+            </a:endParaRPr>
+          </a:p>
+        </p:txBody>
+      </p:sp>
+      <p:sp>
+        <p:nvSpPr>
+          <p:cNvPr id="49" name="Google Shape;134;g2b6ec6cbb0c_0_0">
+            <a:extLst>
+              <a:ext uri="{FF2B5EF4-FFF2-40B4-BE49-F238E27FC236}">
+                <a16:creationId xmlns:a16="http://schemas.microsoft.com/office/drawing/2014/main" id="{1D3AD97C-62FD-E6CF-C54C-3B324AE5AF6F}"/>
+              </a:ext>
+            </a:extLst>
+          </p:cNvPr>
+          <p:cNvSpPr/>
+          <p:nvPr/>
+        </p:nvSpPr>
+        <p:spPr>
+          <a:xfrm>
+            <a:off x="676672" y="2638339"/>
+            <a:ext cx="2794915" cy="287654"/>
+          </a:xfrm>
+          <a:prstGeom prst="rect">
+            <a:avLst/>
+          </a:prstGeom>
+          <a:solidFill>
+            <a:srgbClr val="E9F4EA"/>
+          </a:solidFill>
+          <a:ln>
+            <a:noFill/>
+          </a:ln>
+          <a:effectLst>
+            <a:outerShdw blurRad="57150" dist="19050" dir="5400000" algn="bl" rotWithShape="0">
+              <a:srgbClr val="000000">
+                <a:alpha val="50000"/>
+              </a:srgbClr>
+            </a:outerShdw>
+          </a:effectLst>
+        </p:spPr>
+        <p:txBody>
+          <a:bodyPr spcFirstLastPara="1" wrap="square" lIns="63294" tIns="31638" rIns="63294" bIns="31638" anchor="ctr" anchorCtr="0">
+            <a:noAutofit/>
+          </a:bodyPr>
+          <a:lstStyle/>
+          <a:p>
+            <a:r>
+              <a:rPr lang="en-GB" sz="762" b="1" i="1" dirty="0">
+                <a:solidFill>
+                  <a:schemeClr val="dk1"/>
+                </a:solidFill>
+                <a:latin typeface="Roboto Slab"/>
+                <a:ea typeface="Roboto Slab"/>
+                <a:cs typeface="Roboto Slab"/>
+                <a:sym typeface="Roboto Slab"/>
+              </a:rPr>
+              <a:t>Railways</a:t>
+            </a:r>
+            <a:endParaRPr sz="762" dirty="0">
+              <a:latin typeface="Roboto Slab"/>
+              <a:ea typeface="Roboto Slab"/>
+              <a:cs typeface="Roboto Slab"/>
+              <a:sym typeface="Roboto Slab"/>
+            </a:endParaRPr>
+          </a:p>
+          <a:p>
+            <a:r>
+              <a:rPr lang="en-GB" sz="623" b="1" i="1" dirty="0">
+                <a:solidFill>
+                  <a:schemeClr val="accent1"/>
+                </a:solidFill>
+                <a:latin typeface="Roboto Slab"/>
+                <a:ea typeface="Roboto Slab"/>
+                <a:cs typeface="Roboto Slab"/>
+                <a:sym typeface="Roboto Slab"/>
+              </a:rPr>
+              <a:t>tags</a:t>
+            </a:r>
+            <a:r>
+              <a:rPr lang="en-GB" sz="623" i="1" dirty="0">
+                <a:solidFill>
+                  <a:srgbClr val="CCCCCC"/>
+                </a:solidFill>
+                <a:latin typeface="Roboto Slab"/>
+                <a:ea typeface="Roboto Slab"/>
+                <a:cs typeface="Roboto Slab"/>
+                <a:sym typeface="Roboto Slab"/>
+              </a:rPr>
+              <a:t> </a:t>
+            </a:r>
+            <a:r>
+              <a:rPr lang="en-GB" sz="623" i="1" dirty="0">
+                <a:solidFill>
+                  <a:srgbClr val="D4D4D4"/>
+                </a:solidFill>
+                <a:latin typeface="Roboto Slab"/>
+                <a:ea typeface="Roboto Slab"/>
+                <a:cs typeface="Roboto Slab"/>
+                <a:sym typeface="Roboto Slab"/>
+              </a:rPr>
+              <a:t>=</a:t>
+            </a:r>
+            <a:r>
+              <a:rPr lang="en-GB" sz="623" i="1" dirty="0">
+                <a:solidFill>
+                  <a:srgbClr val="CCCCCC"/>
+                </a:solidFill>
+                <a:latin typeface="Roboto Slab"/>
+                <a:ea typeface="Roboto Slab"/>
+                <a:cs typeface="Roboto Slab"/>
+                <a:sym typeface="Roboto Slab"/>
+              </a:rPr>
+              <a:t> </a:t>
+            </a:r>
+            <a:r>
+              <a:rPr lang="en-GB" sz="623" dirty="0">
+                <a:solidFill>
+                  <a:srgbClr val="CCCCCC"/>
+                </a:solidFill>
+                <a:latin typeface="Roboto Slab"/>
+                <a:ea typeface="Roboto Slab"/>
+                <a:cs typeface="Roboto Slab"/>
+                <a:sym typeface="Roboto Slab"/>
+              </a:rPr>
+              <a:t>{</a:t>
+            </a:r>
+            <a:r>
+              <a:rPr lang="en-GB" sz="623" dirty="0">
+                <a:solidFill>
+                  <a:srgbClr val="CE9178"/>
+                </a:solidFill>
+                <a:latin typeface="Roboto Slab"/>
+                <a:ea typeface="Roboto Slab"/>
+                <a:cs typeface="Roboto Slab"/>
+                <a:sym typeface="Roboto Slab"/>
+              </a:rPr>
+              <a:t>'railway'</a:t>
+            </a:r>
+            <a:r>
+              <a:rPr lang="en-GB" sz="623" dirty="0">
+                <a:solidFill>
+                  <a:srgbClr val="CCCCCC"/>
+                </a:solidFill>
+                <a:latin typeface="Roboto Slab"/>
+                <a:ea typeface="Roboto Slab"/>
+                <a:cs typeface="Roboto Slab"/>
+                <a:sym typeface="Roboto Slab"/>
+              </a:rPr>
+              <a:t>: [</a:t>
+            </a:r>
+            <a:r>
+              <a:rPr lang="en-GB" sz="623" dirty="0">
+                <a:solidFill>
+                  <a:srgbClr val="CE9178"/>
+                </a:solidFill>
+                <a:latin typeface="Roboto Slab"/>
+                <a:ea typeface="Roboto Slab"/>
+                <a:cs typeface="Roboto Slab"/>
+                <a:sym typeface="Roboto Slab"/>
+              </a:rPr>
+              <a:t>'rail'</a:t>
+            </a:r>
+            <a:r>
+              <a:rPr lang="en-GB" sz="623" dirty="0">
+                <a:solidFill>
+                  <a:srgbClr val="CCCCCC"/>
+                </a:solidFill>
+                <a:latin typeface="Roboto Slab"/>
+                <a:ea typeface="Roboto Slab"/>
+                <a:cs typeface="Roboto Slab"/>
+                <a:sym typeface="Roboto Slab"/>
+              </a:rPr>
+              <a:t>, </a:t>
+            </a:r>
+            <a:r>
+              <a:rPr lang="en-GB" sz="623" dirty="0">
+                <a:solidFill>
+                  <a:srgbClr val="CE9178"/>
+                </a:solidFill>
+                <a:latin typeface="Roboto Slab"/>
+                <a:ea typeface="Roboto Slab"/>
+                <a:cs typeface="Roboto Slab"/>
+                <a:sym typeface="Roboto Slab"/>
+              </a:rPr>
+              <a:t>'</a:t>
+            </a:r>
+            <a:r>
+              <a:rPr lang="en-GB" sz="623" dirty="0" err="1">
+                <a:solidFill>
+                  <a:srgbClr val="CE9178"/>
+                </a:solidFill>
+                <a:latin typeface="Roboto Slab"/>
+                <a:ea typeface="Roboto Slab"/>
+                <a:cs typeface="Roboto Slab"/>
+                <a:sym typeface="Roboto Slab"/>
+              </a:rPr>
+              <a:t>light_rail</a:t>
+            </a:r>
+            <a:r>
+              <a:rPr lang="en-GB" sz="623" dirty="0">
+                <a:solidFill>
+                  <a:srgbClr val="CE9178"/>
+                </a:solidFill>
+                <a:latin typeface="Roboto Slab"/>
+                <a:ea typeface="Roboto Slab"/>
+                <a:cs typeface="Roboto Slab"/>
+                <a:sym typeface="Roboto Slab"/>
+              </a:rPr>
+              <a:t>'</a:t>
+            </a:r>
+            <a:r>
+              <a:rPr lang="en-GB" sz="623" dirty="0">
+                <a:solidFill>
+                  <a:srgbClr val="CCCCCC"/>
+                </a:solidFill>
+                <a:latin typeface="Roboto Slab"/>
+                <a:ea typeface="Roboto Slab"/>
+                <a:cs typeface="Roboto Slab"/>
+                <a:sym typeface="Roboto Slab"/>
+              </a:rPr>
+              <a:t>, </a:t>
+            </a:r>
+            <a:r>
+              <a:rPr lang="en-GB" sz="623" dirty="0">
+                <a:solidFill>
+                  <a:srgbClr val="CE9178"/>
+                </a:solidFill>
+                <a:latin typeface="Roboto Slab"/>
+                <a:ea typeface="Roboto Slab"/>
+                <a:cs typeface="Roboto Slab"/>
+                <a:sym typeface="Roboto Slab"/>
+              </a:rPr>
+              <a:t>'</a:t>
+            </a:r>
+            <a:r>
+              <a:rPr lang="en-GB" sz="623" dirty="0" err="1">
+                <a:solidFill>
+                  <a:srgbClr val="CE9178"/>
+                </a:solidFill>
+                <a:latin typeface="Roboto Slab"/>
+                <a:ea typeface="Roboto Slab"/>
+                <a:cs typeface="Roboto Slab"/>
+                <a:sym typeface="Roboto Slab"/>
+              </a:rPr>
+              <a:t>narrow_gauge</a:t>
+            </a:r>
+            <a:r>
+              <a:rPr lang="en-GB" sz="623" dirty="0">
+                <a:solidFill>
+                  <a:srgbClr val="CE9178"/>
+                </a:solidFill>
+                <a:latin typeface="Roboto Slab"/>
+                <a:ea typeface="Roboto Slab"/>
+                <a:cs typeface="Roboto Slab"/>
+                <a:sym typeface="Roboto Slab"/>
+              </a:rPr>
+              <a:t>'</a:t>
+            </a:r>
+            <a:r>
+              <a:rPr lang="en-GB" sz="623" dirty="0">
+                <a:solidFill>
+                  <a:srgbClr val="CCCCCC"/>
+                </a:solidFill>
+                <a:latin typeface="Roboto Slab"/>
+                <a:ea typeface="Roboto Slab"/>
+                <a:cs typeface="Roboto Slab"/>
+                <a:sym typeface="Roboto Slab"/>
+              </a:rPr>
+              <a:t>]}</a:t>
+            </a:r>
+            <a:endParaRPr sz="623" dirty="0">
+              <a:latin typeface="Roboto Slab"/>
+              <a:ea typeface="Roboto Slab"/>
+              <a:cs typeface="Roboto Slab"/>
+              <a:sym typeface="Roboto Slab"/>
+            </a:endParaRPr>
+          </a:p>
+        </p:txBody>
+      </p:sp>
+      <p:sp>
+        <p:nvSpPr>
+          <p:cNvPr id="50" name="Google Shape;135;g2b6ec6cbb0c_0_0">
+            <a:extLst>
+              <a:ext uri="{FF2B5EF4-FFF2-40B4-BE49-F238E27FC236}">
+                <a16:creationId xmlns:a16="http://schemas.microsoft.com/office/drawing/2014/main" id="{6758DC42-1473-2449-4CD1-7BE71D594F6F}"/>
+              </a:ext>
+            </a:extLst>
+          </p:cNvPr>
+          <p:cNvSpPr/>
+          <p:nvPr/>
+        </p:nvSpPr>
+        <p:spPr>
+          <a:xfrm>
+            <a:off x="676672" y="2269995"/>
+            <a:ext cx="2794915" cy="289108"/>
+          </a:xfrm>
+          <a:prstGeom prst="rect">
+            <a:avLst/>
+          </a:prstGeom>
+          <a:solidFill>
+            <a:srgbClr val="E9F4EA"/>
+          </a:solidFill>
+          <a:ln>
+            <a:noFill/>
+          </a:ln>
+          <a:effectLst>
+            <a:outerShdw blurRad="57150" dist="19050" dir="5400000" algn="bl" rotWithShape="0">
+              <a:srgbClr val="000000">
+                <a:alpha val="50000"/>
+              </a:srgbClr>
+            </a:outerShdw>
+          </a:effectLst>
+        </p:spPr>
+        <p:txBody>
+          <a:bodyPr spcFirstLastPara="1" wrap="square" lIns="63294" tIns="31638" rIns="63294" bIns="31638" anchor="ctr" anchorCtr="0">
+            <a:noAutofit/>
+          </a:bodyPr>
+          <a:lstStyle/>
+          <a:p>
+            <a:r>
+              <a:rPr lang="en-GB" sz="762" b="1" i="1">
+                <a:solidFill>
+                  <a:schemeClr val="dk1"/>
+                </a:solidFill>
+                <a:latin typeface="Roboto Slab"/>
+                <a:ea typeface="Roboto Slab"/>
+                <a:cs typeface="Roboto Slab"/>
+                <a:sym typeface="Roboto Slab"/>
+              </a:rPr>
+              <a:t>Water lines</a:t>
+            </a:r>
+            <a:endParaRPr sz="900">
+              <a:latin typeface="Roboto Slab"/>
+              <a:ea typeface="Roboto Slab"/>
+              <a:cs typeface="Roboto Slab"/>
+              <a:sym typeface="Roboto Slab"/>
+            </a:endParaRPr>
+          </a:p>
+          <a:p>
+            <a:r>
+              <a:rPr lang="en-GB" sz="623" b="1">
+                <a:solidFill>
+                  <a:schemeClr val="accent1"/>
+                </a:solidFill>
+                <a:latin typeface="Roboto Slab"/>
+                <a:ea typeface="Roboto Slab"/>
+                <a:cs typeface="Roboto Slab"/>
+                <a:sym typeface="Roboto Slab"/>
+              </a:rPr>
+              <a:t>tags</a:t>
+            </a:r>
+            <a:r>
+              <a:rPr lang="en-GB" sz="623">
+                <a:solidFill>
+                  <a:srgbClr val="CCCCCC"/>
+                </a:solidFill>
+                <a:latin typeface="Roboto Slab"/>
+                <a:ea typeface="Roboto Slab"/>
+                <a:cs typeface="Roboto Slab"/>
+                <a:sym typeface="Roboto Slab"/>
+              </a:rPr>
+              <a:t> </a:t>
+            </a:r>
+            <a:r>
+              <a:rPr lang="en-GB" sz="623">
+                <a:solidFill>
+                  <a:srgbClr val="D4D4D4"/>
+                </a:solidFill>
+                <a:latin typeface="Roboto Slab"/>
+                <a:ea typeface="Roboto Slab"/>
+                <a:cs typeface="Roboto Slab"/>
+                <a:sym typeface="Roboto Slab"/>
+              </a:rPr>
+              <a:t>= </a:t>
+            </a:r>
+            <a:r>
+              <a:rPr lang="en-GB" sz="623">
+                <a:solidFill>
+                  <a:srgbClr val="CCCCCC"/>
+                </a:solidFill>
+                <a:latin typeface="Roboto Slab"/>
+                <a:ea typeface="Roboto Slab"/>
+                <a:cs typeface="Roboto Slab"/>
+                <a:sym typeface="Roboto Slab"/>
+              </a:rPr>
+              <a:t>{</a:t>
+            </a:r>
+            <a:r>
+              <a:rPr lang="en-GB" sz="623">
+                <a:solidFill>
+                  <a:srgbClr val="CE9178"/>
+                </a:solidFill>
+                <a:latin typeface="Roboto Slab"/>
+                <a:ea typeface="Roboto Slab"/>
+                <a:cs typeface="Roboto Slab"/>
+                <a:sym typeface="Roboto Slab"/>
+              </a:rPr>
+              <a:t>'waterway'</a:t>
+            </a:r>
+            <a:r>
+              <a:rPr lang="en-GB" sz="623">
+                <a:solidFill>
+                  <a:srgbClr val="CCCCCC"/>
+                </a:solidFill>
+                <a:latin typeface="Roboto Slab"/>
+                <a:ea typeface="Roboto Slab"/>
+                <a:cs typeface="Roboto Slab"/>
+                <a:sym typeface="Roboto Slab"/>
+              </a:rPr>
+              <a:t>: [</a:t>
+            </a:r>
+            <a:r>
+              <a:rPr lang="en-GB" sz="623">
+                <a:solidFill>
+                  <a:srgbClr val="CE9178"/>
+                </a:solidFill>
+                <a:latin typeface="Roboto Slab"/>
+                <a:ea typeface="Roboto Slab"/>
+                <a:cs typeface="Roboto Slab"/>
+                <a:sym typeface="Roboto Slab"/>
+              </a:rPr>
+              <a:t>'river'</a:t>
+            </a:r>
+            <a:r>
+              <a:rPr lang="en-GB" sz="623">
+                <a:solidFill>
+                  <a:srgbClr val="CCCCCC"/>
+                </a:solidFill>
+                <a:latin typeface="Roboto Slab"/>
+                <a:ea typeface="Roboto Slab"/>
+                <a:cs typeface="Roboto Slab"/>
+                <a:sym typeface="Roboto Slab"/>
+              </a:rPr>
+              <a:t>, </a:t>
+            </a:r>
+            <a:r>
+              <a:rPr lang="en-GB" sz="623">
+                <a:solidFill>
+                  <a:srgbClr val="CE9178"/>
+                </a:solidFill>
+                <a:latin typeface="Roboto Slab"/>
+                <a:ea typeface="Roboto Slab"/>
+                <a:cs typeface="Roboto Slab"/>
+                <a:sym typeface="Roboto Slab"/>
+              </a:rPr>
+              <a:t>'stream'</a:t>
+            </a:r>
+            <a:r>
+              <a:rPr lang="en-GB" sz="623">
+                <a:solidFill>
+                  <a:srgbClr val="CCCCCC"/>
+                </a:solidFill>
+                <a:latin typeface="Roboto Slab"/>
+                <a:ea typeface="Roboto Slab"/>
+                <a:cs typeface="Roboto Slab"/>
+                <a:sym typeface="Roboto Slab"/>
+              </a:rPr>
+              <a:t>, </a:t>
+            </a:r>
+            <a:r>
+              <a:rPr lang="en-GB" sz="623">
+                <a:solidFill>
+                  <a:srgbClr val="CE9178"/>
+                </a:solidFill>
+                <a:latin typeface="Roboto Slab"/>
+                <a:ea typeface="Roboto Slab"/>
+                <a:cs typeface="Roboto Slab"/>
+                <a:sym typeface="Roboto Slab"/>
+              </a:rPr>
+              <a:t>'canal'</a:t>
+            </a:r>
+            <a:r>
+              <a:rPr lang="en-GB" sz="623">
+                <a:solidFill>
+                  <a:srgbClr val="CCCCCC"/>
+                </a:solidFill>
+                <a:latin typeface="Roboto Slab"/>
+                <a:ea typeface="Roboto Slab"/>
+                <a:cs typeface="Roboto Slab"/>
+                <a:sym typeface="Roboto Slab"/>
+              </a:rPr>
+              <a:t>, </a:t>
+            </a:r>
+            <a:r>
+              <a:rPr lang="en-GB" sz="623">
+                <a:solidFill>
+                  <a:srgbClr val="CE9178"/>
+                </a:solidFill>
+                <a:latin typeface="Roboto Slab"/>
+                <a:ea typeface="Roboto Slab"/>
+                <a:cs typeface="Roboto Slab"/>
+                <a:sym typeface="Roboto Slab"/>
+              </a:rPr>
+              <a:t>'drain'</a:t>
+            </a:r>
+            <a:r>
+              <a:rPr lang="en-GB" sz="623">
+                <a:solidFill>
+                  <a:srgbClr val="CCCCCC"/>
+                </a:solidFill>
+                <a:latin typeface="Roboto Slab"/>
+                <a:ea typeface="Roboto Slab"/>
+                <a:cs typeface="Roboto Slab"/>
+                <a:sym typeface="Roboto Slab"/>
+              </a:rPr>
+              <a:t>, </a:t>
+            </a:r>
+            <a:r>
+              <a:rPr lang="en-GB" sz="623">
+                <a:solidFill>
+                  <a:srgbClr val="CE9178"/>
+                </a:solidFill>
+                <a:latin typeface="Roboto Slab"/>
+                <a:ea typeface="Roboto Slab"/>
+                <a:cs typeface="Roboto Slab"/>
+                <a:sym typeface="Roboto Slab"/>
+              </a:rPr>
+              <a:t>'ditch'</a:t>
+            </a:r>
+            <a:r>
+              <a:rPr lang="en-GB" sz="623">
+                <a:solidFill>
+                  <a:srgbClr val="CCCCCC"/>
+                </a:solidFill>
+                <a:latin typeface="Roboto Slab"/>
+                <a:ea typeface="Roboto Slab"/>
+                <a:cs typeface="Roboto Slab"/>
+                <a:sym typeface="Roboto Slab"/>
+              </a:rPr>
+              <a:t>]}</a:t>
+            </a:r>
+            <a:endParaRPr sz="623">
+              <a:latin typeface="Roboto Slab"/>
+              <a:ea typeface="Roboto Slab"/>
+              <a:cs typeface="Roboto Slab"/>
+              <a:sym typeface="Roboto Slab"/>
+            </a:endParaRPr>
+          </a:p>
+        </p:txBody>
+      </p:sp>
+      <p:cxnSp>
+        <p:nvCxnSpPr>
+          <p:cNvPr id="51" name="Google Shape;136;g2b6ec6cbb0c_0_0">
+            <a:extLst>
+              <a:ext uri="{FF2B5EF4-FFF2-40B4-BE49-F238E27FC236}">
+                <a16:creationId xmlns:a16="http://schemas.microsoft.com/office/drawing/2014/main" id="{2DEF4B44-E5A7-7882-AD68-436D34CC7235}"/>
+              </a:ext>
+            </a:extLst>
+          </p:cNvPr>
+          <p:cNvCxnSpPr>
+            <a:stCxn id="35" idx="2"/>
+            <a:endCxn id="41" idx="0"/>
+          </p:cNvCxnSpPr>
+          <p:nvPr/>
+        </p:nvCxnSpPr>
+        <p:spPr>
+          <a:xfrm flipH="1">
+            <a:off x="4311087" y="2201431"/>
+            <a:ext cx="3738" cy="1769123"/>
+          </a:xfrm>
+          <a:prstGeom prst="straightConnector1">
+            <a:avLst/>
+          </a:prstGeom>
+          <a:noFill/>
+          <a:ln w="19050" cap="flat" cmpd="sng">
+            <a:solidFill>
+              <a:srgbClr val="343434"/>
+            </a:solidFill>
+            <a:prstDash val="solid"/>
+            <a:miter lim="800000"/>
+            <a:headEnd type="none" w="sm" len="sm"/>
+            <a:tailEnd type="triangle" w="med" len="med"/>
+          </a:ln>
+        </p:spPr>
+      </p:cxnSp>
+      <p:sp>
+        <p:nvSpPr>
+          <p:cNvPr id="52" name="Google Shape;137;g2b6ec6cbb0c_0_0">
+            <a:extLst>
+              <a:ext uri="{FF2B5EF4-FFF2-40B4-BE49-F238E27FC236}">
+                <a16:creationId xmlns:a16="http://schemas.microsoft.com/office/drawing/2014/main" id="{A7E20803-AE3D-FE1E-ED9E-E548FA4FEF3C}"/>
+              </a:ext>
+            </a:extLst>
+          </p:cNvPr>
+          <p:cNvSpPr/>
+          <p:nvPr/>
+        </p:nvSpPr>
+        <p:spPr>
+          <a:xfrm>
+            <a:off x="3664125" y="2272895"/>
+            <a:ext cx="1301400" cy="286200"/>
+          </a:xfrm>
+          <a:prstGeom prst="rect">
+            <a:avLst/>
+          </a:prstGeom>
+          <a:solidFill>
+            <a:srgbClr val="F3F4FF"/>
+          </a:solidFill>
+          <a:ln>
+            <a:noFill/>
+          </a:ln>
+          <a:effectLst>
+            <a:outerShdw blurRad="57150" dist="19050" dir="5400000" algn="bl" rotWithShape="0">
+              <a:srgbClr val="000000">
+                <a:alpha val="50000"/>
+              </a:srgbClr>
+            </a:outerShdw>
+          </a:effectLst>
+        </p:spPr>
+        <p:txBody>
+          <a:bodyPr spcFirstLastPara="1" wrap="square" lIns="63294" tIns="31638" rIns="63294" bIns="31638" anchor="ctr" anchorCtr="0">
+            <a:noAutofit/>
+          </a:bodyPr>
+          <a:lstStyle/>
+          <a:p>
+            <a:r>
+              <a:rPr lang="en-GB" sz="692" b="1" i="1">
+                <a:solidFill>
+                  <a:schemeClr val="dk1"/>
+                </a:solidFill>
+                <a:latin typeface="Roboto Slab"/>
+                <a:ea typeface="Roboto Slab"/>
+                <a:cs typeface="Roboto Slab"/>
+                <a:sym typeface="Roboto Slab"/>
+              </a:rPr>
+              <a:t>Water bodies</a:t>
+            </a:r>
+            <a:endParaRPr sz="692">
+              <a:latin typeface="Roboto Slab"/>
+              <a:ea typeface="Roboto Slab"/>
+              <a:cs typeface="Roboto Slab"/>
+              <a:sym typeface="Roboto Slab"/>
+            </a:endParaRPr>
+          </a:p>
+          <a:p>
+            <a:r>
+              <a:rPr lang="en-GB" sz="623" b="1">
+                <a:solidFill>
+                  <a:schemeClr val="accent1"/>
+                </a:solidFill>
+                <a:latin typeface="Roboto Slab"/>
+                <a:ea typeface="Roboto Slab"/>
+                <a:cs typeface="Roboto Slab"/>
+                <a:sym typeface="Roboto Slab"/>
+              </a:rPr>
+              <a:t>tags</a:t>
+            </a:r>
+            <a:r>
+              <a:rPr lang="en-GB" sz="623">
+                <a:solidFill>
+                  <a:srgbClr val="CCCCCC"/>
+                </a:solidFill>
+                <a:latin typeface="Roboto Slab"/>
+                <a:ea typeface="Roboto Slab"/>
+                <a:cs typeface="Roboto Slab"/>
+                <a:sym typeface="Roboto Slab"/>
+              </a:rPr>
+              <a:t> </a:t>
+            </a:r>
+            <a:r>
+              <a:rPr lang="en-GB" sz="623">
+                <a:solidFill>
+                  <a:srgbClr val="D4D4D4"/>
+                </a:solidFill>
+                <a:latin typeface="Roboto Slab"/>
+                <a:ea typeface="Roboto Slab"/>
+                <a:cs typeface="Roboto Slab"/>
+                <a:sym typeface="Roboto Slab"/>
+              </a:rPr>
+              <a:t>=</a:t>
+            </a:r>
+            <a:r>
+              <a:rPr lang="en-GB" sz="623">
+                <a:solidFill>
+                  <a:srgbClr val="CCCCCC"/>
+                </a:solidFill>
+                <a:latin typeface="Roboto Slab"/>
+                <a:ea typeface="Roboto Slab"/>
+                <a:cs typeface="Roboto Slab"/>
+                <a:sym typeface="Roboto Slab"/>
+              </a:rPr>
+              <a:t> {</a:t>
+            </a:r>
+            <a:r>
+              <a:rPr lang="en-GB" sz="623">
+                <a:solidFill>
+                  <a:srgbClr val="CE9178"/>
+                </a:solidFill>
+                <a:latin typeface="Roboto Slab"/>
+                <a:ea typeface="Roboto Slab"/>
+                <a:cs typeface="Roboto Slab"/>
+                <a:sym typeface="Roboto Slab"/>
+              </a:rPr>
+              <a:t>'natural'</a:t>
+            </a:r>
+            <a:r>
+              <a:rPr lang="en-GB" sz="623">
+                <a:solidFill>
+                  <a:srgbClr val="CCCCCC"/>
+                </a:solidFill>
+                <a:latin typeface="Roboto Slab"/>
+                <a:ea typeface="Roboto Slab"/>
+                <a:cs typeface="Roboto Slab"/>
+                <a:sym typeface="Roboto Slab"/>
+              </a:rPr>
+              <a:t>: </a:t>
+            </a:r>
+            <a:r>
+              <a:rPr lang="en-GB" sz="623">
+                <a:solidFill>
+                  <a:srgbClr val="CE9178"/>
+                </a:solidFill>
+                <a:latin typeface="Roboto Slab"/>
+                <a:ea typeface="Roboto Slab"/>
+                <a:cs typeface="Roboto Slab"/>
+                <a:sym typeface="Roboto Slab"/>
+              </a:rPr>
+              <a:t>'water'</a:t>
+            </a:r>
+            <a:r>
+              <a:rPr lang="en-GB" sz="623">
+                <a:solidFill>
+                  <a:srgbClr val="CCCCCC"/>
+                </a:solidFill>
+                <a:latin typeface="Roboto Slab"/>
+                <a:ea typeface="Roboto Slab"/>
+                <a:cs typeface="Roboto Slab"/>
+                <a:sym typeface="Roboto Slab"/>
+              </a:rPr>
+              <a:t>}</a:t>
+            </a:r>
+            <a:endParaRPr sz="623">
+              <a:latin typeface="Roboto Slab"/>
+              <a:ea typeface="Roboto Slab"/>
+              <a:cs typeface="Roboto Slab"/>
+              <a:sym typeface="Roboto Slab"/>
+            </a:endParaRPr>
+          </a:p>
+        </p:txBody>
+      </p:sp>
+      <p:cxnSp>
+        <p:nvCxnSpPr>
+          <p:cNvPr id="53" name="Google Shape;138;g2b6ec6cbb0c_0_0">
+            <a:extLst>
+              <a:ext uri="{FF2B5EF4-FFF2-40B4-BE49-F238E27FC236}">
+                <a16:creationId xmlns:a16="http://schemas.microsoft.com/office/drawing/2014/main" id="{8A7988F9-6365-90E9-BF9F-5A2EA03B47B4}"/>
+              </a:ext>
+            </a:extLst>
+          </p:cNvPr>
+          <p:cNvCxnSpPr>
+            <a:stCxn id="32" idx="2"/>
+            <a:endCxn id="35" idx="0"/>
+          </p:cNvCxnSpPr>
+          <p:nvPr/>
+        </p:nvCxnSpPr>
+        <p:spPr>
+          <a:xfrm rot="-5400000" flipH="1">
+            <a:off x="3998761" y="1655380"/>
+            <a:ext cx="232615" cy="399392"/>
+          </a:xfrm>
+          <a:prstGeom prst="bentConnector3">
+            <a:avLst>
+              <a:gd name="adj1" fmla="val 49984"/>
+            </a:avLst>
+          </a:prstGeom>
+          <a:noFill/>
+          <a:ln w="19050" cap="flat" cmpd="sng">
+            <a:solidFill>
+              <a:srgbClr val="343434"/>
+            </a:solidFill>
+            <a:prstDash val="solid"/>
+            <a:miter lim="800000"/>
+            <a:headEnd type="none" w="sm" len="sm"/>
+            <a:tailEnd type="triangle" w="med" len="med"/>
+          </a:ln>
+        </p:spPr>
+      </p:cxnSp>
+      <p:cxnSp>
+        <p:nvCxnSpPr>
+          <p:cNvPr id="54" name="Google Shape;139;g2b6ec6cbb0c_0_0">
+            <a:extLst>
+              <a:ext uri="{FF2B5EF4-FFF2-40B4-BE49-F238E27FC236}">
+                <a16:creationId xmlns:a16="http://schemas.microsoft.com/office/drawing/2014/main" id="{0B3D16A1-B8B4-2607-1A8B-F934FE61CB2A}"/>
+              </a:ext>
+            </a:extLst>
+          </p:cNvPr>
+          <p:cNvCxnSpPr>
+            <a:stCxn id="32" idx="2"/>
+            <a:endCxn id="34" idx="0"/>
+          </p:cNvCxnSpPr>
+          <p:nvPr/>
+        </p:nvCxnSpPr>
+        <p:spPr>
+          <a:xfrm rot="5400000">
+            <a:off x="2881169" y="931780"/>
+            <a:ext cx="227215" cy="1841192"/>
+          </a:xfrm>
+          <a:prstGeom prst="bentConnector3">
+            <a:avLst>
+              <a:gd name="adj1" fmla="val 50000"/>
+            </a:avLst>
+          </a:prstGeom>
+          <a:noFill/>
+          <a:ln w="19050" cap="flat" cmpd="sng">
+            <a:solidFill>
+              <a:srgbClr val="343434"/>
+            </a:solidFill>
+            <a:prstDash val="solid"/>
+            <a:miter lim="800000"/>
+            <a:headEnd type="none" w="sm" len="sm"/>
+            <a:tailEnd type="triangle" w="med" len="med"/>
+          </a:ln>
+        </p:spPr>
+      </p:cxnSp>
+      <p:sp>
+        <p:nvSpPr>
+          <p:cNvPr id="55" name="Google Shape;140;g2b6ec6cbb0c_0_0">
+            <a:extLst>
+              <a:ext uri="{FF2B5EF4-FFF2-40B4-BE49-F238E27FC236}">
+                <a16:creationId xmlns:a16="http://schemas.microsoft.com/office/drawing/2014/main" id="{B0D401D9-18F5-C9E5-C056-217DE968AF63}"/>
+              </a:ext>
+            </a:extLst>
+          </p:cNvPr>
+          <p:cNvSpPr/>
+          <p:nvPr/>
+        </p:nvSpPr>
+        <p:spPr>
+          <a:xfrm>
+            <a:off x="689182" y="1125922"/>
+            <a:ext cx="1951477" cy="262523"/>
+          </a:xfrm>
+          <a:prstGeom prst="rect">
+            <a:avLst/>
+          </a:prstGeom>
+          <a:solidFill>
+            <a:schemeClr val="lt1"/>
+          </a:solidFill>
+          <a:ln>
+            <a:noFill/>
+          </a:ln>
+          <a:effectLst>
+            <a:outerShdw blurRad="57150" dist="19050" dir="5400000" algn="bl" rotWithShape="0">
+              <a:srgbClr val="000000">
+                <a:alpha val="50000"/>
+              </a:srgbClr>
+            </a:outerShdw>
+          </a:effectLst>
+        </p:spPr>
+        <p:txBody>
+          <a:bodyPr spcFirstLastPara="1" wrap="square" lIns="63294" tIns="31638" rIns="63294" bIns="31638" anchor="ctr" anchorCtr="0">
+            <a:noAutofit/>
+          </a:bodyPr>
+          <a:lstStyle/>
+          <a:p>
+            <a:pPr marL="0" marR="0" lvl="0" indent="0" algn="ctr" rtl="0">
+              <a:lnSpc>
+                <a:spcPct val="100000"/>
+              </a:lnSpc>
+              <a:spcBef>
+                <a:spcPts val="0"/>
+              </a:spcBef>
+              <a:spcAft>
+                <a:spcPts val="0"/>
+              </a:spcAft>
+              <a:buClr>
+                <a:srgbClr val="000000"/>
+              </a:buClr>
+              <a:buSzPts val="1200"/>
+              <a:buFont typeface="Calibri"/>
+              <a:buNone/>
+            </a:pPr>
+            <a:r>
+              <a:rPr lang="en-GB" sz="800" u="none" strike="noStrike" cap="none" dirty="0">
+                <a:solidFill>
+                  <a:srgbClr val="000000"/>
+                </a:solidFill>
+                <a:latin typeface="Roboto Slab"/>
+                <a:ea typeface="Roboto Slab"/>
+                <a:cs typeface="Roboto Slab"/>
+                <a:sym typeface="Roboto Slab"/>
+              </a:rPr>
+              <a:t>Transformation of UTM coordinate reference system to WGS 84</a:t>
+            </a:r>
+            <a:endParaRPr lang="en-GB" sz="800" dirty="0">
+              <a:latin typeface="Roboto Slab"/>
+              <a:ea typeface="Roboto Slab"/>
+              <a:cs typeface="Roboto Slab"/>
+              <a:sym typeface="Roboto Slab"/>
+            </a:endParaRPr>
+          </a:p>
+        </p:txBody>
+      </p:sp>
+      <p:cxnSp>
+        <p:nvCxnSpPr>
+          <p:cNvPr id="56" name="Google Shape;141;g2b6ec6cbb0c_0_0">
+            <a:extLst>
+              <a:ext uri="{FF2B5EF4-FFF2-40B4-BE49-F238E27FC236}">
+                <a16:creationId xmlns:a16="http://schemas.microsoft.com/office/drawing/2014/main" id="{9EEFE453-A8D3-C868-69E4-AFC21ECBE791}"/>
+              </a:ext>
+            </a:extLst>
+          </p:cNvPr>
+          <p:cNvCxnSpPr>
+            <a:stCxn id="40" idx="2"/>
+            <a:endCxn id="39" idx="0"/>
+          </p:cNvCxnSpPr>
+          <p:nvPr/>
+        </p:nvCxnSpPr>
+        <p:spPr>
+          <a:xfrm rot="-5400000" flipH="1">
+            <a:off x="2260014" y="4057031"/>
+            <a:ext cx="515700" cy="887469"/>
+          </a:xfrm>
+          <a:prstGeom prst="bentConnector3">
+            <a:avLst>
+              <a:gd name="adj1" fmla="val 50000"/>
+            </a:avLst>
+          </a:prstGeom>
+          <a:noFill/>
+          <a:ln w="19050" cap="flat" cmpd="sng">
+            <a:solidFill>
+              <a:srgbClr val="343434"/>
+            </a:solidFill>
+            <a:prstDash val="solid"/>
+            <a:miter lim="800000"/>
+            <a:headEnd type="none" w="sm" len="sm"/>
+            <a:tailEnd type="triangle" w="med" len="med"/>
+          </a:ln>
+        </p:spPr>
+      </p:cxnSp>
+      <p:cxnSp>
+        <p:nvCxnSpPr>
+          <p:cNvPr id="57" name="Google Shape;142;g2b6ec6cbb0c_0_0">
+            <a:extLst>
+              <a:ext uri="{FF2B5EF4-FFF2-40B4-BE49-F238E27FC236}">
+                <a16:creationId xmlns:a16="http://schemas.microsoft.com/office/drawing/2014/main" id="{7BD4C922-C761-76F1-A9C0-EBEF0999A8A0}"/>
+              </a:ext>
+            </a:extLst>
+          </p:cNvPr>
+          <p:cNvCxnSpPr>
+            <a:stCxn id="41" idx="2"/>
+            <a:endCxn id="39" idx="0"/>
+          </p:cNvCxnSpPr>
+          <p:nvPr/>
+        </p:nvCxnSpPr>
+        <p:spPr>
+          <a:xfrm rot="5400000">
+            <a:off x="3408041" y="3855458"/>
+            <a:ext cx="456715" cy="1349585"/>
+          </a:xfrm>
+          <a:prstGeom prst="bentConnector3">
+            <a:avLst>
+              <a:gd name="adj1" fmla="val 43831"/>
+            </a:avLst>
+          </a:prstGeom>
+          <a:noFill/>
+          <a:ln w="19050" cap="flat" cmpd="sng">
+            <a:solidFill>
+              <a:srgbClr val="343434"/>
+            </a:solidFill>
+            <a:prstDash val="solid"/>
+            <a:miter lim="800000"/>
+            <a:headEnd type="none" w="sm" len="sm"/>
+            <a:tailEnd type="triangle" w="med" len="med"/>
+          </a:ln>
+        </p:spPr>
+      </p:cxnSp>
+      <p:sp>
+        <p:nvSpPr>
+          <p:cNvPr id="58" name="Google Shape;143;g2b6ec6cbb0c_0_0">
+            <a:extLst>
+              <a:ext uri="{FF2B5EF4-FFF2-40B4-BE49-F238E27FC236}">
+                <a16:creationId xmlns:a16="http://schemas.microsoft.com/office/drawing/2014/main" id="{A53DE5FB-BBD1-9E9E-D214-6C2A8B19C21E}"/>
+              </a:ext>
+            </a:extLst>
+          </p:cNvPr>
+          <p:cNvSpPr/>
+          <p:nvPr/>
+        </p:nvSpPr>
+        <p:spPr>
+          <a:xfrm>
+            <a:off x="676672" y="3467254"/>
+            <a:ext cx="2794915" cy="439269"/>
+          </a:xfrm>
+          <a:prstGeom prst="rect">
+            <a:avLst/>
+          </a:prstGeom>
+          <a:solidFill>
+            <a:srgbClr val="E9F4EA"/>
+          </a:solidFill>
+          <a:ln>
+            <a:noFill/>
+          </a:ln>
+          <a:effectLst>
+            <a:outerShdw blurRad="57150" dist="19050" dir="5400000" algn="bl" rotWithShape="0">
+              <a:srgbClr val="000000">
+                <a:alpha val="50000"/>
+              </a:srgbClr>
+            </a:outerShdw>
+          </a:effectLst>
+        </p:spPr>
+        <p:txBody>
+          <a:bodyPr spcFirstLastPara="1" wrap="square" lIns="63294" tIns="31638" rIns="63294" bIns="31638" anchor="ctr" anchorCtr="0">
+            <a:noAutofit/>
+          </a:bodyPr>
+          <a:lstStyle/>
+          <a:p>
+            <a:r>
+              <a:rPr lang="en-GB" sz="762" b="1">
+                <a:solidFill>
+                  <a:schemeClr val="dk1"/>
+                </a:solidFill>
+                <a:latin typeface="Roboto Slab"/>
+                <a:ea typeface="Roboto Slab"/>
+                <a:cs typeface="Roboto Slab"/>
+                <a:sym typeface="Roboto Slab"/>
+              </a:rPr>
+              <a:t>Filtering values for specific keys, e.g.</a:t>
+            </a:r>
+            <a:endParaRPr sz="762">
+              <a:latin typeface="Roboto Slab"/>
+              <a:ea typeface="Roboto Slab"/>
+              <a:cs typeface="Roboto Slab"/>
+              <a:sym typeface="Roboto Slab"/>
+            </a:endParaRPr>
+          </a:p>
+          <a:p>
+            <a:r>
+              <a:rPr lang="en-GB" sz="623">
+                <a:solidFill>
+                  <a:srgbClr val="757070"/>
+                </a:solidFill>
+                <a:latin typeface="Roboto Slab"/>
+                <a:ea typeface="Roboto Slab"/>
+                <a:cs typeface="Roboto Slab"/>
+                <a:sym typeface="Roboto Slab"/>
+              </a:rPr>
+              <a:t>(</a:t>
+            </a:r>
+            <a:r>
+              <a:rPr lang="en-GB" sz="623">
+                <a:solidFill>
+                  <a:srgbClr val="9CDCFE"/>
+                </a:solidFill>
+                <a:latin typeface="Roboto Slab"/>
+                <a:ea typeface="Roboto Slab"/>
+                <a:cs typeface="Roboto Slab"/>
+                <a:sym typeface="Roboto Slab"/>
+              </a:rPr>
+              <a:t>water</a:t>
+            </a:r>
+            <a:r>
+              <a:rPr lang="en-GB" sz="623">
+                <a:solidFill>
+                  <a:srgbClr val="757070"/>
+                </a:solidFill>
+                <a:latin typeface="Roboto Slab"/>
+                <a:ea typeface="Roboto Slab"/>
+                <a:cs typeface="Roboto Slab"/>
+                <a:sym typeface="Roboto Slab"/>
+              </a:rPr>
+              <a:t>[</a:t>
+            </a:r>
+            <a:r>
+              <a:rPr lang="en-GB" sz="623">
+                <a:solidFill>
+                  <a:srgbClr val="CE9178"/>
+                </a:solidFill>
+                <a:latin typeface="Roboto Slab"/>
+                <a:ea typeface="Roboto Slab"/>
+                <a:cs typeface="Roboto Slab"/>
+                <a:sym typeface="Roboto Slab"/>
+              </a:rPr>
+              <a:t>'level'</a:t>
+            </a:r>
+            <a:r>
+              <a:rPr lang="en-GB" sz="623">
+                <a:solidFill>
+                  <a:srgbClr val="757070"/>
+                </a:solidFill>
+                <a:latin typeface="Roboto Slab"/>
+                <a:ea typeface="Roboto Slab"/>
+                <a:cs typeface="Roboto Slab"/>
+                <a:sym typeface="Roboto Slab"/>
+              </a:rPr>
+              <a:t>] == 0) | </a:t>
+            </a:r>
+            <a:endParaRPr sz="623">
+              <a:latin typeface="Roboto Slab"/>
+              <a:ea typeface="Roboto Slab"/>
+              <a:cs typeface="Roboto Slab"/>
+              <a:sym typeface="Roboto Slab"/>
+            </a:endParaRPr>
+          </a:p>
+          <a:p>
+            <a:r>
+              <a:rPr lang="en-GB" sz="623">
+                <a:solidFill>
+                  <a:srgbClr val="757070"/>
+                </a:solidFill>
+                <a:latin typeface="Roboto Slab"/>
+                <a:ea typeface="Roboto Slab"/>
+                <a:cs typeface="Roboto Slab"/>
+                <a:sym typeface="Roboto Slab"/>
+              </a:rPr>
+              <a:t>(</a:t>
+            </a:r>
+            <a:r>
+              <a:rPr lang="en-GB" sz="623">
+                <a:solidFill>
+                  <a:srgbClr val="9CDCFE"/>
+                </a:solidFill>
+                <a:latin typeface="Roboto Slab"/>
+                <a:ea typeface="Roboto Slab"/>
+                <a:cs typeface="Roboto Slab"/>
+                <a:sym typeface="Roboto Slab"/>
+              </a:rPr>
+              <a:t>water</a:t>
+            </a:r>
+            <a:r>
+              <a:rPr lang="en-GB" sz="623">
+                <a:solidFill>
+                  <a:srgbClr val="757070"/>
+                </a:solidFill>
+                <a:latin typeface="Roboto Slab"/>
+                <a:ea typeface="Roboto Slab"/>
+                <a:cs typeface="Roboto Slab"/>
+                <a:sym typeface="Roboto Slab"/>
+              </a:rPr>
+              <a:t>[</a:t>
+            </a:r>
+            <a:r>
+              <a:rPr lang="en-GB" sz="623">
+                <a:solidFill>
+                  <a:srgbClr val="CE9178"/>
+                </a:solidFill>
+                <a:latin typeface="Roboto Slab"/>
+                <a:ea typeface="Roboto Slab"/>
+                <a:cs typeface="Roboto Slab"/>
+                <a:sym typeface="Roboto Slab"/>
+              </a:rPr>
+              <a:t>'level'</a:t>
+            </a:r>
+            <a:r>
+              <a:rPr lang="en-GB" sz="623">
+                <a:solidFill>
+                  <a:srgbClr val="757070"/>
+                </a:solidFill>
+                <a:latin typeface="Roboto Slab"/>
+                <a:ea typeface="Roboto Slab"/>
+                <a:cs typeface="Roboto Slab"/>
+                <a:sym typeface="Roboto Slab"/>
+              </a:rPr>
+              <a:t>].isnull())</a:t>
+            </a:r>
+            <a:endParaRPr sz="623">
+              <a:latin typeface="Roboto Slab"/>
+              <a:ea typeface="Roboto Slab"/>
+              <a:cs typeface="Roboto Slab"/>
+              <a:sym typeface="Roboto Slab"/>
+            </a:endParaRPr>
+          </a:p>
+        </p:txBody>
+      </p:sp>
+      <p:sp>
+        <p:nvSpPr>
+          <p:cNvPr id="99" name="Google Shape;118;g2b6ec6cbb0c_0_0">
+            <a:extLst>
+              <a:ext uri="{FF2B5EF4-FFF2-40B4-BE49-F238E27FC236}">
+                <a16:creationId xmlns:a16="http://schemas.microsoft.com/office/drawing/2014/main" id="{A14675E4-DF0A-1113-49A2-B2EC2B133DCA}"/>
+              </a:ext>
+            </a:extLst>
+          </p:cNvPr>
+          <p:cNvSpPr/>
+          <p:nvPr/>
+        </p:nvSpPr>
+        <p:spPr>
+          <a:xfrm>
+            <a:off x="9338282" y="3798438"/>
+            <a:ext cx="1230406" cy="231162"/>
+          </a:xfrm>
+          <a:prstGeom prst="rect">
+            <a:avLst/>
+          </a:prstGeom>
+          <a:solidFill>
+            <a:srgbClr val="27A845"/>
+          </a:solidFill>
+          <a:ln>
+            <a:noFill/>
+          </a:ln>
+        </p:spPr>
+        <p:txBody>
+          <a:bodyPr spcFirstLastPara="1" wrap="square" lIns="63294" tIns="31638" rIns="63294" bIns="31638" anchor="ctr" anchorCtr="0">
+            <a:noAutofit/>
+          </a:bodyPr>
+          <a:lstStyle/>
+          <a:p>
+            <a:r>
+              <a:rPr lang="en-GB" sz="762" b="1" dirty="0">
+                <a:solidFill>
+                  <a:schemeClr val="bg1">
+                    <a:lumMod val="95000"/>
+                  </a:schemeClr>
+                </a:solidFill>
+                <a:latin typeface="Roboto Slab"/>
+                <a:ea typeface="Roboto Slab"/>
+                <a:cs typeface="Roboto Slab"/>
+                <a:sym typeface="Roboto Slab"/>
+              </a:rPr>
+              <a:t>Temporary OSM JSON</a:t>
+            </a:r>
+            <a:endParaRPr lang="en-GB" sz="623" dirty="0">
+              <a:solidFill>
+                <a:schemeClr val="bg1">
+                  <a:lumMod val="95000"/>
+                </a:schemeClr>
+              </a:solidFill>
+              <a:latin typeface="Roboto Slab"/>
+              <a:ea typeface="Roboto Slab"/>
+              <a:cs typeface="Roboto Slab"/>
+              <a:sym typeface="Roboto Slab"/>
+            </a:endParaRPr>
+          </a:p>
+        </p:txBody>
+      </p:sp>
+      <p:sp>
+        <p:nvSpPr>
+          <p:cNvPr id="100" name="Google Shape;125;g2b6ec6cbb0c_0_0"/>
+          <p:cNvSpPr/>
+          <p:nvPr/>
+        </p:nvSpPr>
+        <p:spPr>
+          <a:xfrm>
+            <a:off x="8578336" y="4126700"/>
+            <a:ext cx="2794913" cy="260225"/>
+          </a:xfrm>
+          <a:prstGeom prst="rect">
+            <a:avLst/>
+          </a:prstGeom>
+          <a:solidFill>
+            <a:srgbClr val="E9F4EA"/>
+          </a:solidFill>
+          <a:ln>
+            <a:noFill/>
+          </a:ln>
+          <a:effectLst>
+            <a:outerShdw blurRad="57150" dist="19050" dir="5400000" algn="bl" rotWithShape="0">
+              <a:srgbClr val="000000">
+                <a:alpha val="50000"/>
+              </a:srgbClr>
+            </a:outerShdw>
+          </a:effectLst>
+        </p:spPr>
+        <p:txBody>
+          <a:bodyPr spcFirstLastPara="1" wrap="square" lIns="63294" tIns="31638" rIns="63294" bIns="31638" anchor="ctr" anchorCtr="0">
+            <a:noAutofit/>
+          </a:bodyPr>
+          <a:lstStyle/>
+          <a:p>
+            <a:r>
+              <a:rPr lang="en-GB" sz="762" b="1" dirty="0">
+                <a:solidFill>
+                  <a:schemeClr val="dk1"/>
+                </a:solidFill>
+                <a:latin typeface="Roboto Slab"/>
+                <a:ea typeface="Roboto Slab"/>
+                <a:cs typeface="Roboto Slab"/>
+                <a:sym typeface="Roboto Slab"/>
+              </a:rPr>
+              <a:t>Filtering geometry types and keys (</a:t>
+            </a:r>
+            <a:r>
+              <a:rPr lang="en-GB" sz="700" dirty="0">
+                <a:solidFill>
+                  <a:schemeClr val="dk1"/>
+                </a:solidFill>
+                <a:latin typeface="Roboto Slab"/>
+                <a:ea typeface="Roboto Slab"/>
+                <a:cs typeface="Roboto Slab"/>
+                <a:sym typeface="Roboto Slab"/>
+              </a:rPr>
+              <a:t>e.g., dropping </a:t>
+            </a:r>
+            <a:r>
+              <a:rPr lang="en-GB" sz="700" i="1" dirty="0">
+                <a:solidFill>
+                  <a:schemeClr val="dk1"/>
+                </a:solidFill>
+                <a:latin typeface="Roboto Slab"/>
+                <a:ea typeface="Roboto Slab"/>
+                <a:cs typeface="Roboto Slab"/>
+                <a:sym typeface="Roboto Slab"/>
+              </a:rPr>
+              <a:t>additional names, addresses, operators, condition, traffic signs,</a:t>
+            </a:r>
+            <a:r>
+              <a:rPr lang="en-GB" sz="700" dirty="0">
+                <a:solidFill>
+                  <a:schemeClr val="dk1"/>
+                </a:solidFill>
+                <a:latin typeface="Roboto Slab"/>
+                <a:ea typeface="Roboto Slab"/>
+                <a:cs typeface="Roboto Slab"/>
+                <a:sym typeface="Roboto Slab"/>
+              </a:rPr>
+              <a:t> etc.</a:t>
+            </a:r>
+            <a:endParaRPr lang="en-GB" sz="700" dirty="0">
+              <a:solidFill>
+                <a:srgbClr val="CCCCCC"/>
+              </a:solidFill>
+              <a:latin typeface="Roboto Slab"/>
+              <a:ea typeface="Roboto Slab"/>
+              <a:cs typeface="Roboto Slab"/>
+              <a:sym typeface="Roboto Slab"/>
+            </a:endParaRPr>
+          </a:p>
+        </p:txBody>
+      </p:sp>
+      <p:sp>
+        <p:nvSpPr>
+          <p:cNvPr id="103" name="Google Shape;130;g2b6ec6cbb0c_0_0">
+            <a:extLst>
+              <a:ext uri="{FF2B5EF4-FFF2-40B4-BE49-F238E27FC236}">
+                <a16:creationId xmlns:a16="http://schemas.microsoft.com/office/drawing/2014/main" id="{1778F110-B416-A41F-29CC-90AD689BD83A}"/>
+              </a:ext>
+            </a:extLst>
+          </p:cNvPr>
+          <p:cNvSpPr/>
+          <p:nvPr/>
+        </p:nvSpPr>
+        <p:spPr>
+          <a:xfrm>
+            <a:off x="8578337" y="4450504"/>
+            <a:ext cx="2794912" cy="208315"/>
+          </a:xfrm>
+          <a:prstGeom prst="rect">
+            <a:avLst/>
+          </a:prstGeom>
+          <a:solidFill>
+            <a:schemeClr val="lt1"/>
+          </a:solidFill>
+          <a:ln>
+            <a:noFill/>
+          </a:ln>
+          <a:effectLst>
+            <a:outerShdw blurRad="57150" dist="19050" dir="5400000" algn="bl" rotWithShape="0">
+              <a:srgbClr val="000000">
+                <a:alpha val="50000"/>
+              </a:srgbClr>
+            </a:outerShdw>
+          </a:effectLst>
+        </p:spPr>
+        <p:txBody>
+          <a:bodyPr spcFirstLastPara="1" wrap="square" lIns="63294" tIns="31638" rIns="63294" bIns="31638" anchor="ctr" anchorCtr="0">
+            <a:noAutofit/>
+          </a:bodyPr>
+          <a:lstStyle/>
+          <a:p>
+            <a:pPr algn="ctr"/>
+            <a:r>
+              <a:rPr lang="en-GB" sz="762" dirty="0">
+                <a:latin typeface="Roboto Slab"/>
+                <a:ea typeface="Roboto Slab"/>
+                <a:cs typeface="Roboto Slab"/>
+                <a:sym typeface="Roboto Slab"/>
+              </a:rPr>
+              <a:t>Reprojection to UTM and export to </a:t>
+            </a:r>
+            <a:r>
+              <a:rPr lang="en-GB" sz="762" dirty="0" err="1">
+                <a:latin typeface="Roboto Slab"/>
+                <a:ea typeface="Roboto Slab"/>
+                <a:cs typeface="Roboto Slab"/>
+                <a:sym typeface="Roboto Slab"/>
+              </a:rPr>
+              <a:t>GeoJSON</a:t>
+            </a:r>
+            <a:endParaRPr sz="762" dirty="0">
+              <a:latin typeface="Roboto Slab"/>
+              <a:ea typeface="Roboto Slab"/>
+              <a:cs typeface="Roboto Slab"/>
+              <a:sym typeface="Roboto Slab"/>
+            </a:endParaRPr>
+          </a:p>
+        </p:txBody>
+      </p:sp>
+      <p:sp>
+        <p:nvSpPr>
+          <p:cNvPr id="157" name="Google Shape;137;g2b6ec6cbb0c_0_0"/>
+          <p:cNvSpPr/>
+          <p:nvPr/>
+        </p:nvSpPr>
+        <p:spPr>
+          <a:xfrm>
+            <a:off x="10480044" y="2327557"/>
+            <a:ext cx="1388166" cy="987668"/>
+          </a:xfrm>
+          <a:prstGeom prst="rect">
+            <a:avLst/>
+          </a:prstGeom>
+          <a:solidFill>
+            <a:srgbClr val="F3F4FF"/>
+          </a:solidFill>
+          <a:ln>
+            <a:noFill/>
+          </a:ln>
+          <a:effectLst>
+            <a:outerShdw blurRad="57150" dist="19050" dir="5400000" algn="bl" rotWithShape="0">
+              <a:srgbClr val="000000">
+                <a:alpha val="50000"/>
+              </a:srgbClr>
+            </a:outerShdw>
+          </a:effectLst>
+        </p:spPr>
+        <p:txBody>
+          <a:bodyPr spcFirstLastPara="1" wrap="square" lIns="63294" tIns="31638" rIns="63294" bIns="31638" anchor="ctr" anchorCtr="0">
+            <a:noAutofit/>
+          </a:bodyPr>
+          <a:lstStyle/>
+          <a:p>
+            <a:r>
+              <a:rPr lang="en-GB" sz="692" b="1" i="1" dirty="0">
+                <a:solidFill>
+                  <a:schemeClr val="dk1"/>
+                </a:solidFill>
+                <a:latin typeface="Roboto Slab"/>
+                <a:ea typeface="Roboto Slab"/>
+                <a:cs typeface="Roboto Slab"/>
+                <a:sym typeface="Roboto Slab"/>
+              </a:rPr>
+              <a:t>Water bodies</a:t>
+            </a:r>
+            <a:endParaRPr sz="692" dirty="0">
+              <a:latin typeface="Roboto Slab"/>
+              <a:ea typeface="Roboto Slab"/>
+              <a:cs typeface="Roboto Slab"/>
+              <a:sym typeface="Roboto Slab"/>
+            </a:endParaRPr>
+          </a:p>
+          <a:p>
+            <a:r>
+              <a:rPr lang="en-GB" sz="623" b="1" dirty="0">
+                <a:solidFill>
+                  <a:schemeClr val="accent1"/>
+                </a:solidFill>
+                <a:latin typeface="Roboto Slab"/>
+                <a:ea typeface="Roboto Slab"/>
+                <a:cs typeface="Roboto Slab"/>
+                <a:sym typeface="Roboto Slab"/>
+              </a:rPr>
+              <a:t>tags</a:t>
+            </a:r>
+            <a:r>
+              <a:rPr lang="en-GB" sz="623" dirty="0">
+                <a:solidFill>
+                  <a:srgbClr val="CCCCCC"/>
+                </a:solidFill>
+                <a:latin typeface="Roboto Slab"/>
+                <a:ea typeface="Roboto Slab"/>
+                <a:cs typeface="Roboto Slab"/>
+                <a:sym typeface="Roboto Slab"/>
+              </a:rPr>
+              <a:t> </a:t>
+            </a:r>
+            <a:r>
+              <a:rPr lang="en-GB" sz="623" dirty="0">
+                <a:solidFill>
+                  <a:schemeClr val="bg1">
+                    <a:lumMod val="65000"/>
+                  </a:schemeClr>
+                </a:solidFill>
+                <a:latin typeface="Roboto Slab"/>
+                <a:ea typeface="Roboto Slab"/>
+                <a:cs typeface="Roboto Slab"/>
+                <a:sym typeface="Roboto Slab"/>
+              </a:rPr>
+              <a:t>=</a:t>
+            </a:r>
+            <a:r>
+              <a:rPr lang="en-GB" sz="623" dirty="0">
+                <a:solidFill>
+                  <a:srgbClr val="CCCCCC"/>
+                </a:solidFill>
+                <a:latin typeface="Roboto Slab"/>
+                <a:ea typeface="Roboto Slab"/>
+                <a:cs typeface="Roboto Slab"/>
+                <a:sym typeface="Roboto Slab"/>
+              </a:rPr>
+              <a:t> </a:t>
+            </a:r>
+          </a:p>
+          <a:p>
+            <a:r>
+              <a:rPr lang="en-GB" sz="623" dirty="0">
+                <a:solidFill>
+                  <a:schemeClr val="bg1">
+                    <a:lumMod val="65000"/>
+                  </a:schemeClr>
+                </a:solidFill>
+                <a:latin typeface="Roboto Slab"/>
+                <a:ea typeface="Roboto Slab"/>
+                <a:cs typeface="Roboto Slab"/>
+                <a:sym typeface="Roboto Slab"/>
+              </a:rPr>
+              <a:t>"</a:t>
+            </a:r>
+            <a:r>
+              <a:rPr lang="en-GB" sz="623" dirty="0">
+                <a:solidFill>
+                  <a:srgbClr val="CE9178"/>
+                </a:solidFill>
+                <a:latin typeface="Roboto Slab"/>
+                <a:ea typeface="Roboto Slab"/>
+                <a:cs typeface="Roboto Slab"/>
+                <a:sym typeface="Roboto Slab"/>
+              </a:rPr>
+              <a:t>natural</a:t>
+            </a:r>
+            <a:r>
+              <a:rPr lang="en-GB" sz="623" dirty="0">
+                <a:solidFill>
+                  <a:schemeClr val="bg1">
+                    <a:lumMod val="65000"/>
+                  </a:schemeClr>
+                </a:solidFill>
+                <a:latin typeface="Roboto Slab"/>
+                <a:ea typeface="Roboto Slab"/>
+                <a:cs typeface="Roboto Slab"/>
+                <a:sym typeface="Roboto Slab"/>
+              </a:rPr>
+              <a:t>"="</a:t>
+            </a:r>
+            <a:r>
+              <a:rPr lang="en-GB" sz="623" dirty="0">
+                <a:solidFill>
+                  <a:srgbClr val="CE9178"/>
+                </a:solidFill>
+                <a:latin typeface="Roboto Slab"/>
+                <a:ea typeface="Roboto Slab"/>
+                <a:cs typeface="Roboto Slab"/>
+                <a:sym typeface="Roboto Slab"/>
+              </a:rPr>
+              <a:t>water</a:t>
+            </a:r>
+            <a:r>
+              <a:rPr lang="en-GB" sz="623" dirty="0">
+                <a:solidFill>
+                  <a:schemeClr val="bg1">
+                    <a:lumMod val="65000"/>
+                  </a:schemeClr>
+                </a:solidFill>
+                <a:latin typeface="Roboto Slab"/>
+                <a:ea typeface="Roboto Slab"/>
+                <a:cs typeface="Roboto Slab"/>
+                <a:sym typeface="Roboto Slab"/>
+              </a:rPr>
+              <a:t>";</a:t>
+            </a:r>
+            <a:r>
+              <a:rPr lang="en-GB" sz="623" dirty="0">
+                <a:solidFill>
+                  <a:srgbClr val="CE9178"/>
+                </a:solidFill>
+                <a:latin typeface="Roboto Slab"/>
+                <a:ea typeface="Roboto Slab"/>
+                <a:cs typeface="Roboto Slab"/>
+                <a:sym typeface="Roboto Slab"/>
+              </a:rPr>
+              <a:t> </a:t>
+            </a:r>
+          </a:p>
+          <a:p>
+            <a:r>
+              <a:rPr lang="en-GB" sz="623" dirty="0">
+                <a:solidFill>
+                  <a:schemeClr val="bg1">
+                    <a:lumMod val="65000"/>
+                  </a:schemeClr>
+                </a:solidFill>
+                <a:latin typeface="Roboto Slab"/>
+                <a:ea typeface="Roboto Slab"/>
+                <a:cs typeface="Roboto Slab"/>
+                <a:sym typeface="Roboto Slab"/>
+              </a:rPr>
+              <a:t>"</a:t>
+            </a:r>
+            <a:r>
+              <a:rPr lang="en-GB" sz="623" dirty="0">
+                <a:solidFill>
+                  <a:srgbClr val="CE9178"/>
+                </a:solidFill>
+                <a:latin typeface="Roboto Slab"/>
+                <a:ea typeface="Roboto Slab"/>
+                <a:cs typeface="Roboto Slab"/>
+              </a:rPr>
+              <a:t>water</a:t>
+            </a:r>
+            <a:r>
+              <a:rPr lang="en-GB" sz="623" dirty="0">
+                <a:solidFill>
+                  <a:schemeClr val="bg1">
+                    <a:lumMod val="65000"/>
+                  </a:schemeClr>
+                </a:solidFill>
+                <a:latin typeface="Roboto Slab"/>
+                <a:ea typeface="Roboto Slab"/>
+                <a:cs typeface="Roboto Slab"/>
+              </a:rPr>
+              <a:t>"~"</a:t>
+            </a:r>
+            <a:r>
+              <a:rPr lang="en-GB" sz="623" dirty="0">
+                <a:solidFill>
+                  <a:srgbClr val="CE9178"/>
+                </a:solidFill>
+                <a:latin typeface="Roboto Slab"/>
+                <a:ea typeface="Roboto Slab"/>
+                <a:cs typeface="Roboto Slab"/>
+              </a:rPr>
+              <a:t>^(cenote|lagoon|lake|oxbow|rapids|river|stream|stream_pool|canal|harbour|pond|reservoir|wastewater|tidal|natural)$</a:t>
+            </a:r>
+            <a:r>
+              <a:rPr lang="en-GB" sz="623" dirty="0">
+                <a:solidFill>
+                  <a:schemeClr val="bg1">
+                    <a:lumMod val="65000"/>
+                  </a:schemeClr>
+                </a:solidFill>
+                <a:latin typeface="Roboto Slab"/>
+                <a:ea typeface="Roboto Slab"/>
+                <a:cs typeface="Roboto Slab"/>
+              </a:rPr>
+              <a:t>";</a:t>
+            </a:r>
+          </a:p>
+          <a:p>
+            <a:r>
+              <a:rPr lang="en-GB" sz="623" dirty="0">
+                <a:solidFill>
+                  <a:schemeClr val="bg1">
+                    <a:lumMod val="65000"/>
+                  </a:schemeClr>
+                </a:solidFill>
+                <a:latin typeface="Roboto Slab"/>
+                <a:ea typeface="Roboto Slab"/>
+                <a:cs typeface="Roboto Slab"/>
+              </a:rPr>
+              <a:t>"</a:t>
+            </a:r>
+            <a:r>
+              <a:rPr lang="en-GB" sz="623" dirty="0" err="1">
+                <a:solidFill>
+                  <a:srgbClr val="CE9178"/>
+                </a:solidFill>
+                <a:latin typeface="Roboto Slab"/>
+                <a:ea typeface="Roboto Slab"/>
+                <a:cs typeface="Roboto Slab"/>
+              </a:rPr>
+              <a:t>landuse</a:t>
+            </a:r>
+            <a:r>
+              <a:rPr lang="en-GB" sz="623" dirty="0">
+                <a:solidFill>
+                  <a:schemeClr val="bg1">
+                    <a:lumMod val="65000"/>
+                  </a:schemeClr>
+                </a:solidFill>
+                <a:latin typeface="Roboto Slab"/>
+                <a:ea typeface="Roboto Slab"/>
+                <a:cs typeface="Roboto Slab"/>
+              </a:rPr>
+              <a:t>"="</a:t>
+            </a:r>
+            <a:r>
+              <a:rPr lang="en-GB" sz="623" dirty="0">
+                <a:solidFill>
+                  <a:srgbClr val="CE9178"/>
+                </a:solidFill>
+                <a:latin typeface="Roboto Slab"/>
+                <a:ea typeface="Roboto Slab"/>
+                <a:cs typeface="Roboto Slab"/>
+              </a:rPr>
+              <a:t>reservoir</a:t>
+            </a:r>
+            <a:r>
+              <a:rPr lang="en-GB" sz="623" dirty="0">
+                <a:solidFill>
+                  <a:schemeClr val="bg1">
+                    <a:lumMod val="65000"/>
+                  </a:schemeClr>
+                </a:solidFill>
+                <a:latin typeface="Roboto Slab"/>
+                <a:ea typeface="Roboto Slab"/>
+                <a:cs typeface="Roboto Slab"/>
+              </a:rPr>
+              <a:t>";</a:t>
+            </a:r>
+          </a:p>
+          <a:p>
+            <a:r>
+              <a:rPr lang="en-GB" sz="623" dirty="0">
+                <a:solidFill>
+                  <a:schemeClr val="bg1">
+                    <a:lumMod val="65000"/>
+                  </a:schemeClr>
+                </a:solidFill>
+                <a:latin typeface="Roboto Slab"/>
+                <a:ea typeface="Roboto Slab"/>
+                <a:cs typeface="Roboto Slab"/>
+              </a:rPr>
+              <a:t>"</a:t>
+            </a:r>
+            <a:r>
+              <a:rPr lang="en-GB" sz="623" dirty="0">
+                <a:solidFill>
+                  <a:srgbClr val="CE9178"/>
+                </a:solidFill>
+                <a:latin typeface="Roboto Slab"/>
+                <a:ea typeface="Roboto Slab"/>
+                <a:cs typeface="Roboto Slab"/>
+              </a:rPr>
+              <a:t>waterway</a:t>
+            </a:r>
+            <a:r>
+              <a:rPr lang="en-GB" sz="623" dirty="0">
+                <a:solidFill>
+                  <a:schemeClr val="bg1">
+                    <a:lumMod val="65000"/>
+                  </a:schemeClr>
+                </a:solidFill>
+                <a:latin typeface="Roboto Slab"/>
+                <a:ea typeface="Roboto Slab"/>
+                <a:cs typeface="Roboto Slab"/>
+              </a:rPr>
+              <a:t>"="</a:t>
+            </a:r>
+            <a:r>
+              <a:rPr lang="en-GB" sz="623" dirty="0">
+                <a:solidFill>
+                  <a:srgbClr val="CE9178"/>
+                </a:solidFill>
+                <a:latin typeface="Roboto Slab"/>
+                <a:ea typeface="Roboto Slab"/>
+                <a:cs typeface="Roboto Slab"/>
+              </a:rPr>
+              <a:t>riverbank</a:t>
+            </a:r>
+            <a:r>
+              <a:rPr lang="en-GB" sz="623" dirty="0">
+                <a:solidFill>
+                  <a:schemeClr val="bg1">
+                    <a:lumMod val="65000"/>
+                  </a:schemeClr>
+                </a:solidFill>
+                <a:latin typeface="Roboto Slab"/>
+                <a:ea typeface="Roboto Slab"/>
+                <a:cs typeface="Roboto Slab"/>
+              </a:rPr>
+              <a:t>";</a:t>
+            </a:r>
+          </a:p>
+        </p:txBody>
+      </p:sp>
+      <p:sp>
+        <p:nvSpPr>
+          <p:cNvPr id="167" name="Google Shape;136;g2b6b2123d36_0_0">
+            <a:extLst>
+              <a:ext uri="{FF2B5EF4-FFF2-40B4-BE49-F238E27FC236}">
+                <a16:creationId xmlns:a16="http://schemas.microsoft.com/office/drawing/2014/main" id="{02971828-E170-FDFC-6050-9BF2B1FB206B}"/>
+              </a:ext>
+            </a:extLst>
+          </p:cNvPr>
+          <p:cNvSpPr txBox="1"/>
+          <p:nvPr/>
+        </p:nvSpPr>
+        <p:spPr>
+          <a:xfrm>
+            <a:off x="7692351" y="121054"/>
+            <a:ext cx="4172225" cy="662614"/>
+          </a:xfrm>
+          <a:prstGeom prst="rect">
+            <a:avLst/>
+          </a:prstGeom>
+          <a:noFill/>
+          <a:ln>
+            <a:noFill/>
+          </a:ln>
+        </p:spPr>
+        <p:txBody>
+          <a:bodyPr spcFirstLastPara="1" wrap="square" lIns="91425" tIns="45700" rIns="91425" bIns="45700" anchor="ctr" anchorCtr="0">
+            <a:noAutofit/>
+          </a:bodyPr>
+          <a:lstStyle/>
+          <a:p>
+            <a:pPr marL="0" marR="0" lvl="0" indent="0" algn="ctr" rtl="0">
+              <a:spcBef>
+                <a:spcPts val="0"/>
+              </a:spcBef>
+              <a:spcAft>
+                <a:spcPts val="0"/>
+              </a:spcAft>
+              <a:buNone/>
+            </a:pPr>
+            <a:r>
+              <a:rPr lang="en-GB" sz="2400" b="1" u="none" strike="noStrike" cap="none" dirty="0">
+                <a:solidFill>
+                  <a:schemeClr val="dk1"/>
+                </a:solidFill>
+                <a:latin typeface="Josefin Sans"/>
+                <a:ea typeface="Josefin Sans"/>
+                <a:cs typeface="Josefin Sans"/>
+                <a:sym typeface="Josefin Sans"/>
+              </a:rPr>
+              <a:t>October 2024</a:t>
+            </a:r>
+            <a:endParaRPr dirty="0">
+              <a:latin typeface="Josefin Sans"/>
+              <a:ea typeface="Josefin Sans"/>
+              <a:cs typeface="Josefin Sans"/>
+              <a:sym typeface="Josefin Sans"/>
+            </a:endParaRPr>
+          </a:p>
+        </p:txBody>
+      </p:sp>
+      <p:cxnSp>
+        <p:nvCxnSpPr>
+          <p:cNvPr id="171" name="Connector: Elbow 170">
+            <a:extLst>
+              <a:ext uri="{FF2B5EF4-FFF2-40B4-BE49-F238E27FC236}">
+                <a16:creationId xmlns:a16="http://schemas.microsoft.com/office/drawing/2014/main" id="{CC7DD243-2BB5-F9C0-E631-CC16D14DB13D}"/>
+              </a:ext>
+            </a:extLst>
+          </p:cNvPr>
+          <p:cNvCxnSpPr>
+            <a:stCxn id="118" idx="2"/>
+            <a:endCxn id="117" idx="1"/>
+          </p:cNvCxnSpPr>
+          <p:nvPr/>
+        </p:nvCxnSpPr>
+        <p:spPr>
+          <a:xfrm rot="16200000" flipH="1">
+            <a:off x="8917683" y="572233"/>
+            <a:ext cx="598961" cy="1472645"/>
+          </a:xfrm>
+          <a:prstGeom prst="bentConnector2">
+            <a:avLst/>
+          </a:prstGeom>
+          <a:ln w="19050">
+            <a:solidFill>
+              <a:schemeClr val="tx1">
+                <a:lumMod val="95000"/>
+                <a:lumOff val="5000"/>
+              </a:schemeClr>
+            </a:solidFill>
+            <a:tailEnd type="triangle"/>
+          </a:ln>
+        </p:spPr>
+        <p:style>
+          <a:lnRef idx="1">
+            <a:schemeClr val="accent1"/>
+          </a:lnRef>
+          <a:fillRef idx="0">
+            <a:schemeClr val="accent1"/>
+          </a:fillRef>
+          <a:effectRef idx="0">
+            <a:schemeClr val="accent1"/>
+          </a:effectRef>
+          <a:fontRef idx="minor">
+            <a:schemeClr val="tx1"/>
+          </a:fontRef>
+        </p:style>
+      </p:cxnSp>
+      <p:sp>
+        <p:nvSpPr>
+          <p:cNvPr id="172" name="Google Shape;140;g2b6ec6cbb0c_0_0"/>
+          <p:cNvSpPr/>
+          <p:nvPr/>
+        </p:nvSpPr>
+        <p:spPr>
+          <a:xfrm>
+            <a:off x="7505102" y="1177135"/>
+            <a:ext cx="1951477" cy="262523"/>
+          </a:xfrm>
+          <a:prstGeom prst="rect">
+            <a:avLst/>
+          </a:prstGeom>
+          <a:solidFill>
+            <a:schemeClr val="lt1"/>
+          </a:solidFill>
+          <a:ln>
+            <a:noFill/>
+          </a:ln>
+          <a:effectLst>
+            <a:outerShdw blurRad="57150" dist="19050" dir="5400000" algn="bl" rotWithShape="0">
+              <a:srgbClr val="000000">
+                <a:alpha val="50000"/>
+              </a:srgbClr>
+            </a:outerShdw>
+          </a:effectLst>
+        </p:spPr>
+        <p:txBody>
+          <a:bodyPr spcFirstLastPara="1" wrap="square" lIns="63294" tIns="31638" rIns="63294" bIns="31638" anchor="ctr" anchorCtr="0">
+            <a:noAutofit/>
+          </a:bodyPr>
+          <a:lstStyle/>
+          <a:p>
+            <a:pPr algn="ctr">
+              <a:buSzPts val="1200"/>
+            </a:pPr>
+            <a:r>
+              <a:rPr lang="en-GB" sz="762" dirty="0">
+                <a:latin typeface="Roboto Slab"/>
+                <a:ea typeface="Roboto Slab"/>
+                <a:cs typeface="Roboto Slab"/>
+                <a:sym typeface="Roboto Slab"/>
+              </a:rPr>
+              <a:t>Transformation of UTM CRS to WGS 84</a:t>
+            </a:r>
+          </a:p>
+          <a:p>
+            <a:pPr algn="ctr">
+              <a:buSzPts val="1200"/>
+            </a:pPr>
+            <a:r>
+              <a:rPr lang="en-GB" sz="762" dirty="0">
+                <a:latin typeface="Roboto Slab"/>
+                <a:ea typeface="Roboto Slab"/>
+                <a:cs typeface="Roboto Slab"/>
+                <a:sym typeface="Roboto Slab"/>
+              </a:rPr>
+              <a:t>and extracting raster extend (</a:t>
+            </a:r>
+            <a:r>
+              <a:rPr lang="en-GB" sz="762" dirty="0" err="1">
+                <a:latin typeface="Roboto Slab"/>
+                <a:ea typeface="Roboto Slab"/>
+                <a:cs typeface="Roboto Slab"/>
+                <a:sym typeface="Roboto Slab"/>
+              </a:rPr>
+              <a:t>bbox</a:t>
+            </a:r>
+            <a:r>
+              <a:rPr lang="en-GB" sz="762" dirty="0">
+                <a:latin typeface="Roboto Slab"/>
+                <a:ea typeface="Roboto Slab"/>
+                <a:cs typeface="Roboto Slab"/>
+                <a:sym typeface="Roboto Slab"/>
+              </a:rPr>
+              <a:t>)</a:t>
+            </a:r>
+            <a:endParaRPr sz="762" dirty="0">
+              <a:latin typeface="Roboto Slab"/>
+              <a:ea typeface="Roboto Slab"/>
+              <a:cs typeface="Roboto Slab"/>
+              <a:sym typeface="Roboto Slab"/>
+            </a:endParaRPr>
+          </a:p>
+        </p:txBody>
+      </p:sp>
+      <p:cxnSp>
+        <p:nvCxnSpPr>
+          <p:cNvPr id="174" name="Straight Connector 173">
+            <a:extLst>
+              <a:ext uri="{FF2B5EF4-FFF2-40B4-BE49-F238E27FC236}">
+                <a16:creationId xmlns:a16="http://schemas.microsoft.com/office/drawing/2014/main" id="{6083C3EB-5F69-53F9-54A0-D28F4CCC9F59}"/>
+              </a:ext>
+            </a:extLst>
+          </p:cNvPr>
+          <p:cNvCxnSpPr>
+            <a:cxnSpLocks/>
+            <a:stCxn id="120" idx="2"/>
+            <a:endCxn id="157" idx="0"/>
+          </p:cNvCxnSpPr>
+          <p:nvPr/>
+        </p:nvCxnSpPr>
+        <p:spPr>
+          <a:xfrm>
+            <a:off x="11172308" y="2184930"/>
+            <a:ext cx="1819" cy="142627"/>
+          </a:xfrm>
+          <a:prstGeom prst="line">
+            <a:avLst/>
+          </a:prstGeom>
+          <a:ln w="19050">
+            <a:solidFill>
+              <a:schemeClr val="tx1">
+                <a:lumMod val="95000"/>
+                <a:lumOff val="5000"/>
+              </a:schemeClr>
+            </a:solidFill>
+          </a:ln>
+        </p:spPr>
+        <p:style>
+          <a:lnRef idx="1">
+            <a:schemeClr val="accent1"/>
+          </a:lnRef>
+          <a:fillRef idx="0">
+            <a:schemeClr val="accent1"/>
+          </a:fillRef>
+          <a:effectRef idx="0">
+            <a:schemeClr val="accent1"/>
+          </a:effectRef>
+          <a:fontRef idx="minor">
+            <a:schemeClr val="tx1"/>
+          </a:fontRef>
+        </p:style>
+      </p:cxnSp>
+      <p:cxnSp>
+        <p:nvCxnSpPr>
+          <p:cNvPr id="187" name="Connector: Elbow 186">
+            <a:extLst>
+              <a:ext uri="{FF2B5EF4-FFF2-40B4-BE49-F238E27FC236}">
+                <a16:creationId xmlns:a16="http://schemas.microsoft.com/office/drawing/2014/main" id="{5AFB993C-948E-E652-8D94-725F3805001E}"/>
+              </a:ext>
+            </a:extLst>
+          </p:cNvPr>
+          <p:cNvCxnSpPr>
+            <a:stCxn id="119" idx="2"/>
+            <a:endCxn id="99" idx="0"/>
+          </p:cNvCxnSpPr>
+          <p:nvPr/>
+        </p:nvCxnSpPr>
+        <p:spPr>
+          <a:xfrm rot="16200000" flipH="1">
+            <a:off x="8607049" y="2452001"/>
+            <a:ext cx="1629439" cy="1063433"/>
+          </a:xfrm>
+          <a:prstGeom prst="bentConnector3">
+            <a:avLst>
+              <a:gd name="adj1" fmla="val 87996"/>
+            </a:avLst>
+          </a:prstGeom>
+          <a:ln w="19050">
+            <a:solidFill>
+              <a:schemeClr val="tx1"/>
+            </a:solidFill>
+            <a:tailEnd type="triangle"/>
+          </a:ln>
+        </p:spPr>
+        <p:style>
+          <a:lnRef idx="1">
+            <a:schemeClr val="accent1"/>
+          </a:lnRef>
+          <a:fillRef idx="0">
+            <a:schemeClr val="accent1"/>
+          </a:fillRef>
+          <a:effectRef idx="0">
+            <a:schemeClr val="accent1"/>
+          </a:effectRef>
+          <a:fontRef idx="minor">
+            <a:schemeClr val="tx1"/>
+          </a:fontRef>
+        </p:style>
+      </p:cxnSp>
+      <p:cxnSp>
+        <p:nvCxnSpPr>
+          <p:cNvPr id="190" name="Connector: Elbow 189">
+            <a:extLst>
+              <a:ext uri="{FF2B5EF4-FFF2-40B4-BE49-F238E27FC236}">
+                <a16:creationId xmlns:a16="http://schemas.microsoft.com/office/drawing/2014/main" id="{302C4B96-CD50-D309-4849-B7144BDCA18F}"/>
+              </a:ext>
+            </a:extLst>
+          </p:cNvPr>
+          <p:cNvCxnSpPr>
+            <a:stCxn id="157" idx="2"/>
+            <a:endCxn id="99" idx="0"/>
+          </p:cNvCxnSpPr>
+          <p:nvPr/>
+        </p:nvCxnSpPr>
+        <p:spPr>
+          <a:xfrm rot="5400000">
+            <a:off x="10322200" y="2946510"/>
+            <a:ext cx="483213" cy="1220642"/>
+          </a:xfrm>
+          <a:prstGeom prst="bentConnector3">
+            <a:avLst>
+              <a:gd name="adj1" fmla="val 59199"/>
+            </a:avLst>
+          </a:prstGeom>
+          <a:ln w="19050">
+            <a:solidFill>
+              <a:schemeClr val="tx1"/>
+            </a:solidFill>
+            <a:tailEnd type="triangle"/>
+          </a:ln>
+        </p:spPr>
+        <p:style>
+          <a:lnRef idx="1">
+            <a:schemeClr val="accent1"/>
+          </a:lnRef>
+          <a:fillRef idx="0">
+            <a:schemeClr val="accent1"/>
+          </a:fillRef>
+          <a:effectRef idx="0">
+            <a:schemeClr val="accent1"/>
+          </a:effectRef>
+          <a:fontRef idx="minor">
+            <a:schemeClr val="tx1"/>
+          </a:fontRef>
+        </p:style>
       </p:cxnSp>
     </p:spTree>
   </p:cSld>
